--- a/presentacion/gradientes_diff_n_datos.pptx
+++ b/presentacion/gradientes_diff_n_datos.pptx
@@ -5,165 +5,167 @@
     <p:sldMasterId id="2147483648" r:id="rId1"/>
   </p:sldMasterIdLst>
   <p:sldIdLst>
-    <p:sldId id="256" r:id="rId2"/>
-    <p:sldId id="257" r:id="rId3"/>
-    <p:sldId id="258" r:id="rId4"/>
-    <p:sldId id="259" r:id="rId5"/>
-    <p:sldId id="260" r:id="rId6"/>
-    <p:sldId id="261" r:id="rId7"/>
-    <p:sldId id="262" r:id="rId8"/>
-    <p:sldId id="263" r:id="rId9"/>
-    <p:sldId id="264" r:id="rId10"/>
-    <p:sldId id="265" r:id="rId11"/>
-    <p:sldId id="266" r:id="rId12"/>
-    <p:sldId id="267" r:id="rId13"/>
-    <p:sldId id="268" r:id="rId14"/>
-    <p:sldId id="269" r:id="rId15"/>
-    <p:sldId id="270" r:id="rId16"/>
-    <p:sldId id="271" r:id="rId17"/>
-    <p:sldId id="272" r:id="rId18"/>
-    <p:sldId id="273" r:id="rId19"/>
-    <p:sldId id="274" r:id="rId20"/>
-    <p:sldId id="275" r:id="rId21"/>
-    <p:sldId id="276" r:id="rId22"/>
-    <p:sldId id="277" r:id="rId23"/>
-    <p:sldId id="278" r:id="rId24"/>
-    <p:sldId id="279" r:id="rId25"/>
-    <p:sldId id="280" r:id="rId26"/>
-    <p:sldId id="281" r:id="rId27"/>
-    <p:sldId id="282" r:id="rId28"/>
-    <p:sldId id="283" r:id="rId29"/>
-    <p:sldId id="284" r:id="rId30"/>
-    <p:sldId id="285" r:id="rId31"/>
-    <p:sldId id="286" r:id="rId32"/>
-    <p:sldId id="287" r:id="rId33"/>
-    <p:sldId id="288" r:id="rId34"/>
-    <p:sldId id="289" r:id="rId35"/>
-    <p:sldId id="290" r:id="rId36"/>
-    <p:sldId id="291" r:id="rId37"/>
-    <p:sldId id="292" r:id="rId38"/>
-    <p:sldId id="293" r:id="rId39"/>
-    <p:sldId id="294" r:id="rId40"/>
-    <p:sldId id="295" r:id="rId41"/>
-    <p:sldId id="296" r:id="rId42"/>
-    <p:sldId id="297" r:id="rId43"/>
-    <p:sldId id="298" r:id="rId44"/>
-    <p:sldId id="299" r:id="rId45"/>
-    <p:sldId id="300" r:id="rId46"/>
-    <p:sldId id="301" r:id="rId47"/>
-    <p:sldId id="302" r:id="rId48"/>
-    <p:sldId id="303" r:id="rId49"/>
-    <p:sldId id="304" r:id="rId50"/>
-    <p:sldId id="305" r:id="rId51"/>
-    <p:sldId id="306" r:id="rId52"/>
-    <p:sldId id="307" r:id="rId53"/>
-    <p:sldId id="308" r:id="rId54"/>
-    <p:sldId id="309" r:id="rId55"/>
-    <p:sldId id="310" r:id="rId56"/>
-    <p:sldId id="311" r:id="rId57"/>
-    <p:sldId id="312" r:id="rId58"/>
-    <p:sldId id="313" r:id="rId59"/>
-    <p:sldId id="314" r:id="rId60"/>
-    <p:sldId id="315" r:id="rId61"/>
-    <p:sldId id="316" r:id="rId62"/>
-    <p:sldId id="317" r:id="rId63"/>
-    <p:sldId id="318" r:id="rId64"/>
-    <p:sldId id="319" r:id="rId65"/>
-    <p:sldId id="320" r:id="rId66"/>
-    <p:sldId id="321" r:id="rId67"/>
-    <p:sldId id="322" r:id="rId68"/>
-    <p:sldId id="323" r:id="rId69"/>
-    <p:sldId id="324" r:id="rId70"/>
-    <p:sldId id="325" r:id="rId71"/>
-    <p:sldId id="326" r:id="rId72"/>
-    <p:sldId id="327" r:id="rId73"/>
-    <p:sldId id="328" r:id="rId74"/>
-    <p:sldId id="329" r:id="rId75"/>
-    <p:sldId id="330" r:id="rId76"/>
-    <p:sldId id="331" r:id="rId77"/>
-    <p:sldId id="332" r:id="rId78"/>
-    <p:sldId id="333" r:id="rId79"/>
-    <p:sldId id="334" r:id="rId80"/>
-    <p:sldId id="335" r:id="rId81"/>
-    <p:sldId id="336" r:id="rId82"/>
-    <p:sldId id="337" r:id="rId83"/>
-    <p:sldId id="338" r:id="rId84"/>
-    <p:sldId id="339" r:id="rId85"/>
-    <p:sldId id="340" r:id="rId86"/>
-    <p:sldId id="341" r:id="rId87"/>
-    <p:sldId id="342" r:id="rId88"/>
-    <p:sldId id="343" r:id="rId89"/>
-    <p:sldId id="344" r:id="rId90"/>
-    <p:sldId id="345" r:id="rId91"/>
-    <p:sldId id="346" r:id="rId92"/>
-    <p:sldId id="347" r:id="rId93"/>
-    <p:sldId id="348" r:id="rId94"/>
-    <p:sldId id="349" r:id="rId95"/>
-    <p:sldId id="350" r:id="rId96"/>
-    <p:sldId id="351" r:id="rId97"/>
-    <p:sldId id="352" r:id="rId98"/>
-    <p:sldId id="353" r:id="rId99"/>
-    <p:sldId id="354" r:id="rId100"/>
-    <p:sldId id="355" r:id="rId101"/>
-    <p:sldId id="356" r:id="rId102"/>
-    <p:sldId id="357" r:id="rId103"/>
-    <p:sldId id="358" r:id="rId104"/>
-    <p:sldId id="359" r:id="rId105"/>
-    <p:sldId id="360" r:id="rId106"/>
-    <p:sldId id="361" r:id="rId107"/>
-    <p:sldId id="362" r:id="rId108"/>
-    <p:sldId id="363" r:id="rId109"/>
-    <p:sldId id="364" r:id="rId110"/>
-    <p:sldId id="365" r:id="rId111"/>
-    <p:sldId id="366" r:id="rId112"/>
-    <p:sldId id="367" r:id="rId113"/>
-    <p:sldId id="368" r:id="rId114"/>
-    <p:sldId id="369" r:id="rId115"/>
-    <p:sldId id="370" r:id="rId116"/>
-    <p:sldId id="371" r:id="rId117"/>
-    <p:sldId id="372" r:id="rId118"/>
-    <p:sldId id="373" r:id="rId119"/>
-    <p:sldId id="374" r:id="rId120"/>
-    <p:sldId id="375" r:id="rId121"/>
-    <p:sldId id="376" r:id="rId122"/>
-    <p:sldId id="377" r:id="rId123"/>
-    <p:sldId id="378" r:id="rId124"/>
-    <p:sldId id="379" r:id="rId125"/>
-    <p:sldId id="380" r:id="rId126"/>
-    <p:sldId id="381" r:id="rId127"/>
-    <p:sldId id="382" r:id="rId128"/>
-    <p:sldId id="383" r:id="rId129"/>
-    <p:sldId id="384" r:id="rId130"/>
-    <p:sldId id="385" r:id="rId131"/>
-    <p:sldId id="386" r:id="rId132"/>
-    <p:sldId id="387" r:id="rId133"/>
-    <p:sldId id="388" r:id="rId134"/>
-    <p:sldId id="389" r:id="rId135"/>
-    <p:sldId id="390" r:id="rId136"/>
-    <p:sldId id="391" r:id="rId137"/>
-    <p:sldId id="392" r:id="rId138"/>
-    <p:sldId id="393" r:id="rId139"/>
-    <p:sldId id="394" r:id="rId140"/>
-    <p:sldId id="395" r:id="rId141"/>
-    <p:sldId id="396" r:id="rId142"/>
-    <p:sldId id="397" r:id="rId143"/>
-    <p:sldId id="398" r:id="rId144"/>
-    <p:sldId id="399" r:id="rId145"/>
-    <p:sldId id="400" r:id="rId146"/>
-    <p:sldId id="401" r:id="rId147"/>
-    <p:sldId id="402" r:id="rId148"/>
-    <p:sldId id="403" r:id="rId149"/>
-    <p:sldId id="404" r:id="rId150"/>
-    <p:sldId id="405" r:id="rId151"/>
-    <p:sldId id="406" r:id="rId152"/>
-    <p:sldId id="407" r:id="rId153"/>
-    <p:sldId id="408" r:id="rId154"/>
-    <p:sldId id="409" r:id="rId155"/>
-    <p:sldId id="410" r:id="rId156"/>
-    <p:sldId id="411" r:id="rId157"/>
-    <p:sldId id="412" r:id="rId158"/>
-    <p:sldId id="413" r:id="rId159"/>
-    <p:sldId id="414" r:id="rId160"/>
+    <p:sldId id="415" r:id="rId2"/>
+    <p:sldId id="417" r:id="rId3"/>
+    <p:sldId id="256" r:id="rId4"/>
+    <p:sldId id="257" r:id="rId5"/>
+    <p:sldId id="258" r:id="rId6"/>
+    <p:sldId id="259" r:id="rId7"/>
+    <p:sldId id="260" r:id="rId8"/>
+    <p:sldId id="261" r:id="rId9"/>
+    <p:sldId id="262" r:id="rId10"/>
+    <p:sldId id="263" r:id="rId11"/>
+    <p:sldId id="264" r:id="rId12"/>
+    <p:sldId id="265" r:id="rId13"/>
+    <p:sldId id="266" r:id="rId14"/>
+    <p:sldId id="267" r:id="rId15"/>
+    <p:sldId id="268" r:id="rId16"/>
+    <p:sldId id="269" r:id="rId17"/>
+    <p:sldId id="270" r:id="rId18"/>
+    <p:sldId id="271" r:id="rId19"/>
+    <p:sldId id="272" r:id="rId20"/>
+    <p:sldId id="273" r:id="rId21"/>
+    <p:sldId id="274" r:id="rId22"/>
+    <p:sldId id="275" r:id="rId23"/>
+    <p:sldId id="276" r:id="rId24"/>
+    <p:sldId id="277" r:id="rId25"/>
+    <p:sldId id="278" r:id="rId26"/>
+    <p:sldId id="279" r:id="rId27"/>
+    <p:sldId id="280" r:id="rId28"/>
+    <p:sldId id="281" r:id="rId29"/>
+    <p:sldId id="282" r:id="rId30"/>
+    <p:sldId id="283" r:id="rId31"/>
+    <p:sldId id="284" r:id="rId32"/>
+    <p:sldId id="285" r:id="rId33"/>
+    <p:sldId id="286" r:id="rId34"/>
+    <p:sldId id="287" r:id="rId35"/>
+    <p:sldId id="288" r:id="rId36"/>
+    <p:sldId id="289" r:id="rId37"/>
+    <p:sldId id="290" r:id="rId38"/>
+    <p:sldId id="291" r:id="rId39"/>
+    <p:sldId id="292" r:id="rId40"/>
+    <p:sldId id="293" r:id="rId41"/>
+    <p:sldId id="294" r:id="rId42"/>
+    <p:sldId id="295" r:id="rId43"/>
+    <p:sldId id="296" r:id="rId44"/>
+    <p:sldId id="297" r:id="rId45"/>
+    <p:sldId id="298" r:id="rId46"/>
+    <p:sldId id="299" r:id="rId47"/>
+    <p:sldId id="300" r:id="rId48"/>
+    <p:sldId id="301" r:id="rId49"/>
+    <p:sldId id="302" r:id="rId50"/>
+    <p:sldId id="303" r:id="rId51"/>
+    <p:sldId id="304" r:id="rId52"/>
+    <p:sldId id="305" r:id="rId53"/>
+    <p:sldId id="306" r:id="rId54"/>
+    <p:sldId id="307" r:id="rId55"/>
+    <p:sldId id="308" r:id="rId56"/>
+    <p:sldId id="309" r:id="rId57"/>
+    <p:sldId id="310" r:id="rId58"/>
+    <p:sldId id="311" r:id="rId59"/>
+    <p:sldId id="312" r:id="rId60"/>
+    <p:sldId id="313" r:id="rId61"/>
+    <p:sldId id="314" r:id="rId62"/>
+    <p:sldId id="315" r:id="rId63"/>
+    <p:sldId id="316" r:id="rId64"/>
+    <p:sldId id="317" r:id="rId65"/>
+    <p:sldId id="318" r:id="rId66"/>
+    <p:sldId id="319" r:id="rId67"/>
+    <p:sldId id="320" r:id="rId68"/>
+    <p:sldId id="321" r:id="rId69"/>
+    <p:sldId id="322" r:id="rId70"/>
+    <p:sldId id="323" r:id="rId71"/>
+    <p:sldId id="324" r:id="rId72"/>
+    <p:sldId id="325" r:id="rId73"/>
+    <p:sldId id="326" r:id="rId74"/>
+    <p:sldId id="327" r:id="rId75"/>
+    <p:sldId id="328" r:id="rId76"/>
+    <p:sldId id="329" r:id="rId77"/>
+    <p:sldId id="330" r:id="rId78"/>
+    <p:sldId id="331" r:id="rId79"/>
+    <p:sldId id="332" r:id="rId80"/>
+    <p:sldId id="333" r:id="rId81"/>
+    <p:sldId id="334" r:id="rId82"/>
+    <p:sldId id="335" r:id="rId83"/>
+    <p:sldId id="336" r:id="rId84"/>
+    <p:sldId id="337" r:id="rId85"/>
+    <p:sldId id="338" r:id="rId86"/>
+    <p:sldId id="339" r:id="rId87"/>
+    <p:sldId id="340" r:id="rId88"/>
+    <p:sldId id="341" r:id="rId89"/>
+    <p:sldId id="342" r:id="rId90"/>
+    <p:sldId id="343" r:id="rId91"/>
+    <p:sldId id="344" r:id="rId92"/>
+    <p:sldId id="345" r:id="rId93"/>
+    <p:sldId id="346" r:id="rId94"/>
+    <p:sldId id="347" r:id="rId95"/>
+    <p:sldId id="348" r:id="rId96"/>
+    <p:sldId id="349" r:id="rId97"/>
+    <p:sldId id="350" r:id="rId98"/>
+    <p:sldId id="351" r:id="rId99"/>
+    <p:sldId id="352" r:id="rId100"/>
+    <p:sldId id="353" r:id="rId101"/>
+    <p:sldId id="354" r:id="rId102"/>
+    <p:sldId id="355" r:id="rId103"/>
+    <p:sldId id="356" r:id="rId104"/>
+    <p:sldId id="357" r:id="rId105"/>
+    <p:sldId id="358" r:id="rId106"/>
+    <p:sldId id="359" r:id="rId107"/>
+    <p:sldId id="360" r:id="rId108"/>
+    <p:sldId id="361" r:id="rId109"/>
+    <p:sldId id="362" r:id="rId110"/>
+    <p:sldId id="363" r:id="rId111"/>
+    <p:sldId id="364" r:id="rId112"/>
+    <p:sldId id="365" r:id="rId113"/>
+    <p:sldId id="366" r:id="rId114"/>
+    <p:sldId id="367" r:id="rId115"/>
+    <p:sldId id="368" r:id="rId116"/>
+    <p:sldId id="369" r:id="rId117"/>
+    <p:sldId id="370" r:id="rId118"/>
+    <p:sldId id="371" r:id="rId119"/>
+    <p:sldId id="372" r:id="rId120"/>
+    <p:sldId id="373" r:id="rId121"/>
+    <p:sldId id="374" r:id="rId122"/>
+    <p:sldId id="375" r:id="rId123"/>
+    <p:sldId id="376" r:id="rId124"/>
+    <p:sldId id="377" r:id="rId125"/>
+    <p:sldId id="378" r:id="rId126"/>
+    <p:sldId id="379" r:id="rId127"/>
+    <p:sldId id="380" r:id="rId128"/>
+    <p:sldId id="381" r:id="rId129"/>
+    <p:sldId id="382" r:id="rId130"/>
+    <p:sldId id="383" r:id="rId131"/>
+    <p:sldId id="384" r:id="rId132"/>
+    <p:sldId id="385" r:id="rId133"/>
+    <p:sldId id="386" r:id="rId134"/>
+    <p:sldId id="387" r:id="rId135"/>
+    <p:sldId id="388" r:id="rId136"/>
+    <p:sldId id="389" r:id="rId137"/>
+    <p:sldId id="390" r:id="rId138"/>
+    <p:sldId id="391" r:id="rId139"/>
+    <p:sldId id="392" r:id="rId140"/>
+    <p:sldId id="393" r:id="rId141"/>
+    <p:sldId id="394" r:id="rId142"/>
+    <p:sldId id="395" r:id="rId143"/>
+    <p:sldId id="396" r:id="rId144"/>
+    <p:sldId id="397" r:id="rId145"/>
+    <p:sldId id="398" r:id="rId146"/>
+    <p:sldId id="399" r:id="rId147"/>
+    <p:sldId id="400" r:id="rId148"/>
+    <p:sldId id="401" r:id="rId149"/>
+    <p:sldId id="402" r:id="rId150"/>
+    <p:sldId id="403" r:id="rId151"/>
+    <p:sldId id="404" r:id="rId152"/>
+    <p:sldId id="405" r:id="rId153"/>
+    <p:sldId id="406" r:id="rId154"/>
+    <p:sldId id="407" r:id="rId155"/>
+    <p:sldId id="408" r:id="rId156"/>
+    <p:sldId id="409" r:id="rId157"/>
+    <p:sldId id="410" r:id="rId158"/>
+    <p:sldId id="411" r:id="rId159"/>
+    <p:sldId id="412" r:id="rId160"/>
+    <p:sldId id="413" r:id="rId161"/>
+    <p:sldId id="414" r:id="rId162"/>
   </p:sldIdLst>
   <p:sldSz cx="9144000" cy="6858000" type="screen4x3"/>
   <p:notesSz cx="6858000" cy="9144000"/>
@@ -3250,28 +3252,46 @@
       </p:grpSpPr>
       <p:sp>
         <p:nvSpPr>
-          <p:cNvPr id="2" name="Title 1"/>
+          <p:cNvPr id="2" name="Título 1">
+            <a:extLst>
+              <a:ext uri="{FF2B5EF4-FFF2-40B4-BE49-F238E27FC236}">
+                <a16:creationId xmlns:a16="http://schemas.microsoft.com/office/drawing/2014/main" id="{37AF8026-387C-4C81-5279-D0CF7D0EA786}"/>
+              </a:ext>
+            </a:extLst>
+          </p:cNvPr>
           <p:cNvSpPr>
             <a:spLocks noGrp="1"/>
           </p:cNvSpPr>
           <p:nvPr>
-            <p:ph type="title"/>
+            <p:ph type="ctrTitle"/>
           </p:nvPr>
         </p:nvSpPr>
-        <p:spPr/>
+        <p:spPr>
+          <a:xfrm>
+            <a:off x="642257" y="584654"/>
+            <a:ext cx="7772400" cy="1470025"/>
+          </a:xfrm>
+        </p:spPr>
         <p:txBody>
           <a:bodyPr/>
           <a:lstStyle/>
           <a:p>
             <a:r>
-              <a:t>Purine nucleotides (CHEMONTID:0001506): 1.0, n_datos: 3</a:t>
+              <a:rPr lang="es-ES" dirty="0"/>
+              <a:t>Diferencia Relativa de Retención</a:t>
             </a:r>
           </a:p>
         </p:txBody>
       </p:sp>
       <p:pic>
         <p:nvPicPr>
-          <p:cNvPr id="3" name="Picture 2" descr="diff_grafica_Purine nucleotides _CHEMONTID_0001506__0.png"/>
+          <p:cNvPr id="5" name="Imagen 4">
+            <a:extLst>
+              <a:ext uri="{FF2B5EF4-FFF2-40B4-BE49-F238E27FC236}">
+                <a16:creationId xmlns:a16="http://schemas.microsoft.com/office/drawing/2014/main" id="{51321775-B3E1-920F-EE1A-42AE83289956}"/>
+              </a:ext>
+            </a:extLst>
+          </p:cNvPr>
           <p:cNvPicPr>
             <a:picLocks noChangeAspect="1"/>
           </p:cNvPicPr>
@@ -3285,8 +3305,8 @@
         </p:blipFill>
         <p:spPr>
           <a:xfrm>
-            <a:off x="1431471" y="1807028"/>
-            <a:ext cx="5486400" cy="3657600"/>
+            <a:off x="3199534" y="2257329"/>
+            <a:ext cx="2657846" cy="1390844"/>
           </a:xfrm>
           <a:prstGeom prst="rect">
             <a:avLst/>
@@ -3295,61 +3315,171 @@
       </p:pic>
       <p:sp>
         <p:nvSpPr>
-          <p:cNvPr id="4" name="TextBox 3"/>
-          <p:cNvSpPr txBox="1"/>
-          <p:nvPr/>
-        </p:nvSpPr>
-        <p:spPr>
-          <a:xfrm>
-            <a:off x="914400" y="5303520"/>
-            <a:ext cx="5486400" cy="1371600"/>
+          <p:cNvPr id="6" name="Rectangle 1">
+            <a:extLst>
+              <a:ext uri="{FF2B5EF4-FFF2-40B4-BE49-F238E27FC236}">
+                <a16:creationId xmlns:a16="http://schemas.microsoft.com/office/drawing/2014/main" id="{AA7AA0D8-ECB4-9008-60B4-89334C3FFCC0}"/>
+              </a:ext>
+            </a:extLst>
+          </p:cNvPr>
+          <p:cNvSpPr>
+            <a:spLocks noGrp="1" noChangeArrowheads="1"/>
+          </p:cNvSpPr>
+          <p:nvPr>
+            <p:ph type="subTitle" idx="1"/>
+          </p:nvPr>
+        </p:nvSpPr>
+        <p:spPr bwMode="auto">
+          <a:xfrm>
+            <a:off x="1658798" y="4439334"/>
+            <a:ext cx="5826403" cy="646331"/>
           </a:xfrm>
           <a:prstGeom prst="rect">
             <a:avLst/>
           </a:prstGeom>
           <a:noFill/>
-        </p:spPr>
-        <p:txBody>
-          <a:bodyPr wrap="none">
+          <a:ln>
+            <a:noFill/>
+          </a:ln>
+          <a:effectLst/>
+          <a:extLst>
+            <a:ext uri="{909E8E84-426E-40DD-AFC4-6F175D3DCCD1}">
+              <a14:hiddenFill xmlns:a14="http://schemas.microsoft.com/office/drawing/2010/main">
+                <a:solidFill>
+                  <a:schemeClr val="accent1"/>
+                </a:solidFill>
+              </a14:hiddenFill>
+            </a:ext>
+            <a:ext uri="{91240B29-F687-4F45-9708-019B960494DF}">
+              <a14:hiddenLine xmlns:a14="http://schemas.microsoft.com/office/drawing/2010/main" w="9525">
+                <a:solidFill>
+                  <a:schemeClr val="tx1"/>
+                </a:solidFill>
+                <a:miter lim="800000"/>
+                <a:headEnd/>
+                <a:tailEnd/>
+              </a14:hiddenLine>
+            </a:ext>
+            <a:ext uri="{AF507438-7753-43E0-B8FC-AC1667EBCBE1}">
+              <a14:hiddenEffects xmlns:a14="http://schemas.microsoft.com/office/drawing/2010/main">
+                <a:effectLst>
+                  <a:outerShdw dist="35921" dir="2700000" algn="ctr" rotWithShape="0">
+                    <a:schemeClr val="bg2"/>
+                  </a:outerShdw>
+                </a:effectLst>
+              </a14:hiddenEffects>
+            </a:ext>
+          </a:extLst>
+        </p:spPr>
+        <p:txBody>
+          <a:bodyPr vert="horz" wrap="none" lIns="91440" tIns="45720" rIns="91440" bIns="45720" numCol="1" anchor="ctr" anchorCtr="0" compatLnSpc="1">
+            <a:prstTxWarp prst="textNoShape">
+              <a:avLst/>
+            </a:prstTxWarp>
             <a:spAutoFit/>
           </a:bodyPr>
           <a:lstStyle/>
           <a:p>
-            <a:endParaRPr/>
-          </a:p>
-          <a:p>
-            <a:pPr>
-              <a:defRPr sz="1400" b="1"/>
+            <a:pPr marL="0" marR="0" lvl="0" indent="0" algn="l" defTabSz="914400" rtl="0" eaLnBrk="0" fontAlgn="base" latinLnBrk="0" hangingPunct="0">
+              <a:lnSpc>
+                <a:spcPct val="100000"/>
+              </a:lnSpc>
+              <a:spcBef>
+                <a:spcPct val="0"/>
+              </a:spcBef>
+              <a:spcAft>
+                <a:spcPct val="0"/>
+              </a:spcAft>
+              <a:buClrTx/>
+              <a:buSzTx/>
+              <a:buFontTx/>
+              <a:buChar char="•"/>
+              <a:tabLst/>
             </a:pPr>
             <a:r>
-              <a:t>Configuración Columna:</a:t>
-            </a:r>
-          </a:p>
-          <a:p>
-            <a:br/>
-            <a:r>
-              <a:t>    pH1: 3.0  |  pH2: 3.0  |  Columna: Waters CORTECS T3</a:t>
-            </a:r>
-            <a:br/>
-            <a:r>
-              <a:t>    USP Code: column.usp.code_L1  |  Longitud: 100.0 mm</a:t>
-            </a:r>
-            <a:br/>
-            <a:r>
-              <a:t>    Tamaño Partícula: 2.7 µm  |  Temp: 40.0°C</a:t>
-            </a:r>
-            <a:br/>
-            <a:r>
-              <a:t>    Flujo: 0.2 mL/min  |  T0: 1.1025 min</a:t>
-            </a:r>
-            <a:br/>
-            <a:r>
-              <a:t>    </a:t>
+              <a:rPr kumimoji="0" lang="es-ES" altLang="es-ES" sz="1800" b="0" i="0" u="none" strike="noStrike" cap="none" normalizeH="0" baseline="0" dirty="0">
+                <a:ln>
+                  <a:noFill/>
+                </a:ln>
+                <a:solidFill>
+                  <a:schemeClr val="tx1"/>
+                </a:solidFill>
+                <a:effectLst/>
+                <a:latin typeface="Arial" panose="020B0604020202020204" pitchFamily="34" charset="0"/>
+              </a:rPr>
+              <a:t> TR </a:t>
+            </a:r>
+            <a:r>
+              <a:rPr kumimoji="0" lang="es-ES" altLang="es-ES" sz="1800" i="0" u="none" strike="noStrike" cap="none" normalizeH="0" baseline="0" dirty="0">
+                <a:ln>
+                  <a:noFill/>
+                </a:ln>
+                <a:solidFill>
+                  <a:schemeClr val="tx1"/>
+                </a:solidFill>
+                <a:effectLst/>
+                <a:latin typeface="Arial" panose="020B0604020202020204" pitchFamily="34" charset="0"/>
+              </a:rPr>
+              <a:t>son los tiempos de retención de los analitos A y B.</a:t>
+            </a:r>
+          </a:p>
+          <a:p>
+            <a:pPr marL="0" marR="0" lvl="0" indent="0" algn="l" defTabSz="914400" rtl="0" eaLnBrk="0" fontAlgn="base" latinLnBrk="0" hangingPunct="0">
+              <a:lnSpc>
+                <a:spcPct val="100000"/>
+              </a:lnSpc>
+              <a:spcBef>
+                <a:spcPct val="0"/>
+              </a:spcBef>
+              <a:spcAft>
+                <a:spcPct val="0"/>
+              </a:spcAft>
+              <a:buClrTx/>
+              <a:buSzTx/>
+              <a:buFontTx/>
+              <a:buChar char="•"/>
+              <a:tabLst/>
+            </a:pPr>
+            <a:r>
+              <a:rPr lang="es-ES" altLang="es-ES" sz="1800" dirty="0">
+                <a:solidFill>
+                  <a:schemeClr val="tx1"/>
+                </a:solidFill>
+                <a:latin typeface="Arial" panose="020B0604020202020204" pitchFamily="34" charset="0"/>
+              </a:rPr>
+              <a:t> </a:t>
+            </a:r>
+            <a:r>
+              <a:rPr lang="es-ES" altLang="es-ES" sz="1800" dirty="0" err="1">
+                <a:solidFill>
+                  <a:schemeClr val="tx1"/>
+                </a:solidFill>
+                <a:latin typeface="Arial" panose="020B0604020202020204" pitchFamily="34" charset="0"/>
+              </a:rPr>
+              <a:t>Ttotal</a:t>
+            </a:r>
+            <a:r>
+              <a:rPr kumimoji="0" lang="es-ES" altLang="es-ES" sz="1800" i="0" u="none" strike="noStrike" cap="none" normalizeH="0" baseline="0" dirty="0">
+                <a:ln>
+                  <a:noFill/>
+                </a:ln>
+                <a:solidFill>
+                  <a:schemeClr val="tx1"/>
+                </a:solidFill>
+                <a:effectLst/>
+                <a:latin typeface="Arial" panose="020B0604020202020204" pitchFamily="34" charset="0"/>
+              </a:rPr>
+              <a:t>​ es el tiempo total del experimento.</a:t>
             </a:r>
           </a:p>
         </p:txBody>
       </p:sp>
     </p:spTree>
+    <p:extLst>
+      <p:ext uri="{BB962C8B-B14F-4D97-AF65-F5344CB8AC3E}">
+        <p14:creationId xmlns:p14="http://schemas.microsoft.com/office/powerpoint/2010/main" val="1864529207"/>
+      </p:ext>
+    </p:extLst>
   </p:cSld>
   <p:clrMapOvr>
     <a:masterClrMapping/>
@@ -3386,18 +3516,20 @@
         </p:nvSpPr>
         <p:spPr/>
         <p:txBody>
-          <a:bodyPr/>
-          <a:lstStyle/>
-          <a:p>
-            <a:r>
-              <a:t>Flavin nucleotides (CHEMONTID:0001329): 0.0, n_datos: 1</a:t>
+          <a:bodyPr>
+            <a:normAutofit fontScale="90000"/>
+          </a:bodyPr>
+          <a:lstStyle/>
+          <a:p>
+            <a:r>
+              <a:t>Flavin nucleotides (CHEMONTID:0001329): 1.0, n_datos: 2</a:t>
             </a:r>
           </a:p>
         </p:txBody>
       </p:sp>
       <p:pic>
         <p:nvPicPr>
-          <p:cNvPr id="3" name="Picture 2" descr="diff_grafica_Flavin nucleotides _CHEMONTID_0001329__9.png"/>
+          <p:cNvPr id="3" name="Picture 2" descr="diff_grafica_Flavin nucleotides _CHEMONTID_0001329__7.png"/>
           <p:cNvPicPr>
             <a:picLocks noChangeAspect="1"/>
           </p:cNvPicPr>
@@ -3411,7 +3543,7 @@
         </p:blipFill>
         <p:spPr>
           <a:xfrm>
-            <a:off x="914400" y="1371600"/>
+            <a:off x="1687286" y="1888671"/>
             <a:ext cx="5486400" cy="3657600"/>
           </a:xfrm>
           <a:prstGeom prst="rect">
@@ -3454,19 +3586,19 @@
           <a:p>
             <a:br/>
             <a:r>
-              <a:t>    pH1: 0.0  |  pH2: 0.0  |  Columna: Merck SeQuant ZIC-pHILIC</a:t>
-            </a:r>
-            <a:br/>
-            <a:r>
-              <a:t>    USP Code: column.usp.code_L122  |  Longitud: 150.0 mm</a:t>
-            </a:r>
-            <a:br/>
-            <a:r>
-              <a:t>    Tamaño Partícula: 5.0 µm  |  Temp: 32.5°C</a:t>
-            </a:r>
-            <a:br/>
-            <a:r>
-              <a:t>    Flujo: 0.1 mL/min  |  T0: 3.3075 min</a:t>
+              <a:t>    pH1: 3.0  |  pH2: 3.0  |  Columna: Waters ACQUITY UPLC HSS T3</a:t>
+            </a:r>
+            <a:br/>
+            <a:r>
+              <a:t>    USP Code: column.usp.code_L1  |  Longitud: 100.0 mm</a:t>
+            </a:r>
+            <a:br/>
+            <a:r>
+              <a:t>    Tamaño Partícula: 1.8 µm  |  Temp: 30.0°C</a:t>
+            </a:r>
+            <a:br/>
+            <a:r>
+              <a:t>    Flujo: 0.3 mL/min  |  T0: 0.735 min</a:t>
             </a:r>
             <a:br/>
             <a:r>
@@ -3512,18 +3644,20 @@
         </p:nvSpPr>
         <p:spPr/>
         <p:txBody>
-          <a:bodyPr/>
-          <a:lstStyle/>
-          <a:p>
-            <a:r>
-              <a:t>Pyrimidine nucleotides (CHEMONTID:0001509): 0.8311195649551381, n_datos: 2</a:t>
+          <a:bodyPr>
+            <a:normAutofit fontScale="90000"/>
+          </a:bodyPr>
+          <a:lstStyle/>
+          <a:p>
+            <a:r>
+              <a:t>Pyrimidine nucleotides (CHEMONTID:0001509): 0.8904751918138327, n_datos: 2</a:t>
             </a:r>
           </a:p>
         </p:txBody>
       </p:sp>
       <p:pic>
         <p:nvPicPr>
-          <p:cNvPr id="3" name="Picture 2" descr="diff_grafica_Pyrimidine nucleotides _CHEMONTID_0001509__99.png"/>
+          <p:cNvPr id="3" name="Picture 2" descr="diff_grafica_Pyrimidine nucleotides _CHEMONTID_0001509__96.png"/>
           <p:cNvPicPr>
             <a:picLocks noChangeAspect="1"/>
           </p:cNvPicPr>
@@ -3580,7 +3714,7 @@
           <a:p>
             <a:br/>
             <a:r>
-              <a:t>    pH1: 3.0  |  pH2: 3.0  |  Columna: Waters ACQUITY UPLC HSS T3</a:t>
+              <a:t>    pH1: 3.0  |  pH2: 3.0  |  Columna: Waters CORTECS T3</a:t>
             </a:r>
             <a:br/>
             <a:r>
@@ -3588,11 +3722,11 @@
             </a:r>
             <a:br/>
             <a:r>
-              <a:t>    Tamaño Partícula: 1.8 µm  |  Temp: 40.0°C</a:t>
-            </a:r>
-            <a:br/>
-            <a:r>
-              <a:t>    Flujo: 0.4 mL/min  |  T0: 0.55125 min</a:t>
+              <a:t>    Tamaño Partícula: 2.7 µm  |  Temp: 40.0°C</a:t>
+            </a:r>
+            <a:br/>
+            <a:r>
+              <a:t>    Flujo: 0.2 mL/min  |  T0: 1.1025 min</a:t>
             </a:r>
             <a:br/>
             <a:r>
@@ -3638,11 +3772,13 @@
         </p:nvSpPr>
         <p:spPr/>
         <p:txBody>
-          <a:bodyPr/>
-          <a:lstStyle/>
-          <a:p>
-            <a:r>
-              <a:t>Pyrimidine nucleotides (CHEMONTID:0001509): 0.8296788642849403, n_datos: 2</a:t>
+          <a:bodyPr>
+            <a:normAutofit fontScale="90000"/>
+          </a:bodyPr>
+          <a:lstStyle/>
+          <a:p>
+            <a:r>
+              <a:t>Pyrimidine nucleotides (CHEMONTID:0001509): 0.849442215827746, n_datos: 2</a:t>
             </a:r>
           </a:p>
         </p:txBody>
@@ -3718,7 +3854,7 @@
             </a:r>
             <a:br/>
             <a:r>
-              <a:t>    Flujo: 0.2 mL/min  |  T0: 1.1025 min</a:t>
+              <a:t>    Flujo: 0.25 mL/min  |  T0: 0.882 min</a:t>
             </a:r>
             <a:br/>
             <a:r>
@@ -3764,11 +3900,13 @@
         </p:nvSpPr>
         <p:spPr/>
         <p:txBody>
-          <a:bodyPr/>
-          <a:lstStyle/>
-          <a:p>
-            <a:r>
-              <a:t>Pyrimidine nucleotides (CHEMONTID:0001509): 0.8181374722484818, n_datos: 2</a:t>
+          <a:bodyPr>
+            <a:normAutofit fontScale="90000"/>
+          </a:bodyPr>
+          <a:lstStyle/>
+          <a:p>
+            <a:r>
+              <a:t>Pyrimidine nucleotides (CHEMONTID:0001509): 0.8311195649551381, n_datos: 2</a:t>
             </a:r>
           </a:p>
         </p:txBody>
@@ -3890,18 +4028,20 @@
         </p:nvSpPr>
         <p:spPr/>
         <p:txBody>
-          <a:bodyPr/>
-          <a:lstStyle/>
-          <a:p>
-            <a:r>
-              <a:t>Pyrrolopyrimidine nucleosides and nucleotides (CHEMONTID:0002306): 1.0, n_datos: 2</a:t>
+          <a:bodyPr>
+            <a:normAutofit fontScale="90000"/>
+          </a:bodyPr>
+          <a:lstStyle/>
+          <a:p>
+            <a:r>
+              <a:t>Pyrimidine nucleotides (CHEMONTID:0001509): 0.8296788642849403, n_datos: 2</a:t>
             </a:r>
           </a:p>
         </p:txBody>
       </p:sp>
       <p:pic>
         <p:nvPicPr>
-          <p:cNvPr id="3" name="Picture 2" descr="diff_grafica_Pyrrolopyrimidine nucleosides and nucleotides _CHEMONTID_0002306__47.png"/>
+          <p:cNvPr id="3" name="Picture 2" descr="diff_grafica_Pyrimidine nucleotides _CHEMONTID_0001509__98.png"/>
           <p:cNvPicPr>
             <a:picLocks noChangeAspect="1"/>
           </p:cNvPicPr>
@@ -3958,19 +4098,19 @@
           <a:p>
             <a:br/>
             <a:r>
-              <a:t>    pH1: 2.6  |  pH2: 0.0  |  Columna: Waters ACQUITY UPLC BEH C18</a:t>
-            </a:r>
-            <a:br/>
-            <a:r>
-              <a:t>    USP Code: column.usp.code_L1  |  Longitud: 50.0 mm</a:t>
-            </a:r>
-            <a:br/>
-            <a:r>
-              <a:t>    Tamaño Partícula: 1.7 µm  |  Temp: 40.0°C</a:t>
-            </a:r>
-            <a:br/>
-            <a:r>
-              <a:t>    Flujo: 0.6 mL/min  |  T0: 0.18375 min</a:t>
+              <a:t>    pH1: 3.0  |  pH2: 3.0  |  Columna: Waters CORTECS T3</a:t>
+            </a:r>
+            <a:br/>
+            <a:r>
+              <a:t>    USP Code: column.usp.code_L1  |  Longitud: 100.0 mm</a:t>
+            </a:r>
+            <a:br/>
+            <a:r>
+              <a:t>    Tamaño Partícula: 2.7 µm  |  Temp: 40.0°C</a:t>
+            </a:r>
+            <a:br/>
+            <a:r>
+              <a:t>    Flujo: 0.2 mL/min  |  T0: 1.1025 min</a:t>
             </a:r>
             <a:br/>
             <a:r>
@@ -4016,18 +4156,20 @@
         </p:nvSpPr>
         <p:spPr/>
         <p:txBody>
-          <a:bodyPr/>
-          <a:lstStyle/>
-          <a:p>
-            <a:r>
-              <a:t>Pyrrolopyrimidine nucleosides and nucleotides (CHEMONTID:0002306): 0.0819064507824272, n_datos: 4</a:t>
+          <a:bodyPr>
+            <a:normAutofit fontScale="90000"/>
+          </a:bodyPr>
+          <a:lstStyle/>
+          <a:p>
+            <a:r>
+              <a:t>Pyrimidine nucleotides (CHEMONTID:0001509): 0.8181374722484818, n_datos: 2</a:t>
             </a:r>
           </a:p>
         </p:txBody>
       </p:sp>
       <p:pic>
         <p:nvPicPr>
-          <p:cNvPr id="3" name="Picture 2" descr="diff_grafica_Pyrrolopyrimidine nucleosides and nucleotides _CHEMONTID_0002306__48.png"/>
+          <p:cNvPr id="3" name="Picture 2" descr="diff_grafica_Pyrimidine nucleotides _CHEMONTID_0001509__99.png"/>
           <p:cNvPicPr>
             <a:picLocks noChangeAspect="1"/>
           </p:cNvPicPr>
@@ -4084,19 +4226,19 @@
           <a:p>
             <a:br/>
             <a:r>
-              <a:t>    pH1: 3.0  |  pH2: 3.0  |  Columna: Agilent ZORBAX Extend-C18</a:t>
-            </a:r>
-            <a:br/>
-            <a:r>
-              <a:t>    USP Code: column.usp.code_L1  |  Longitud: 50.0 mm</a:t>
-            </a:r>
-            <a:br/>
-            <a:r>
-              <a:t>    Tamaño Partícula: 1.8 µm  |  Temp: 35.0°C</a:t>
-            </a:r>
-            <a:br/>
-            <a:r>
-              <a:t>    Flujo: 0.1 mL/min  |  T0: 1.1025 min</a:t>
+              <a:t>    pH1: 3.0  |  pH2: 3.0  |  Columna: Waters ACQUITY UPLC HSS T3</a:t>
+            </a:r>
+            <a:br/>
+            <a:r>
+              <a:t>    USP Code: column.usp.code_L1  |  Longitud: 100.0 mm</a:t>
+            </a:r>
+            <a:br/>
+            <a:r>
+              <a:t>    Tamaño Partícula: 1.8 µm  |  Temp: 40.0°C</a:t>
+            </a:r>
+            <a:br/>
+            <a:r>
+              <a:t>    Flujo: 0.4 mL/min  |  T0: 0.55125 min</a:t>
             </a:r>
             <a:br/>
             <a:r>
@@ -4142,18 +4284,20 @@
         </p:nvSpPr>
         <p:spPr/>
         <p:txBody>
-          <a:bodyPr/>
-          <a:lstStyle/>
-          <a:p>
-            <a:r>
-              <a:t>Steroids and steroid derivatives (CHEMONTID:0000258): 0.9967512818220816, n_datos: 7</a:t>
+          <a:bodyPr>
+            <a:normAutofit fontScale="90000"/>
+          </a:bodyPr>
+          <a:lstStyle/>
+          <a:p>
+            <a:r>
+              <a:t>Pyrrolopyrimidine nucleosides and nucleotides (CHEMONTID:0002306): 1.0, n_datos: 2</a:t>
             </a:r>
           </a:p>
         </p:txBody>
       </p:sp>
       <p:pic>
         <p:nvPicPr>
-          <p:cNvPr id="3" name="Picture 2" descr="diff_grafica_Steroids and steroid derivatives _CHEMONTID_0000258__104.png"/>
+          <p:cNvPr id="3" name="Picture 2" descr="diff_grafica_Pyrrolopyrimidine nucleosides and nucleotides _CHEMONTID_0002306__47.png"/>
           <p:cNvPicPr>
             <a:picLocks noChangeAspect="1"/>
           </p:cNvPicPr>
@@ -4210,11 +4354,11 @@
           <a:p>
             <a:br/>
             <a:r>
-              <a:t>    pH1: 0.0  |  pH2: 6.5  |  Columna: Waters ACQUITY UPLC BEH Amide</a:t>
-            </a:r>
-            <a:br/>
-            <a:r>
-              <a:t>    USP Code: column.usp.code_L68  |  Longitud: 150.0 mm</a:t>
+              <a:t>    pH1: 2.6  |  pH2: 0.0  |  Columna: Waters ACQUITY UPLC BEH C18</a:t>
+            </a:r>
+            <a:br/>
+            <a:r>
+              <a:t>    USP Code: column.usp.code_L1  |  Longitud: 50.0 mm</a:t>
             </a:r>
             <a:br/>
             <a:r>
@@ -4222,7 +4366,7 @@
             </a:r>
             <a:br/>
             <a:r>
-              <a:t>    Flujo: 0.5 mL/min  |  T0: 0.6615 min</a:t>
+              <a:t>    Flujo: 0.6 mL/min  |  T0: 0.18375 min</a:t>
             </a:r>
             <a:br/>
             <a:r>
@@ -4268,18 +4412,20 @@
         </p:nvSpPr>
         <p:spPr/>
         <p:txBody>
-          <a:bodyPr/>
-          <a:lstStyle/>
-          <a:p>
-            <a:r>
-              <a:t>Steroids and steroid derivatives (CHEMONTID:0000258): 0.9877366666933536, n_datos: 8</a:t>
+          <a:bodyPr>
+            <a:normAutofit fontScale="90000"/>
+          </a:bodyPr>
+          <a:lstStyle/>
+          <a:p>
+            <a:r>
+              <a:t>Pyrrolopyrimidine nucleosides and nucleotides (CHEMONTID:0002306): 0.0819064507824272, n_datos: 4</a:t>
             </a:r>
           </a:p>
         </p:txBody>
       </p:sp>
       <p:pic>
         <p:nvPicPr>
-          <p:cNvPr id="3" name="Picture 2" descr="diff_grafica_Steroids and steroid derivatives _CHEMONTID_0000258__105.png"/>
+          <p:cNvPr id="3" name="Picture 2" descr="diff_grafica_Pyrrolopyrimidine nucleosides and nucleotides _CHEMONTID_0002306__48.png"/>
           <p:cNvPicPr>
             <a:picLocks noChangeAspect="1"/>
           </p:cNvPicPr>
@@ -4336,7 +4482,7 @@
           <a:p>
             <a:br/>
             <a:r>
-              <a:t>    pH1: 3.0  |  pH2: 3.0  |  Columna: Waters ACQUITY UPLC BEH C18</a:t>
+              <a:t>    pH1: 3.0  |  pH2: 3.0  |  Columna: Agilent ZORBAX Extend-C18</a:t>
             </a:r>
             <a:br/>
             <a:r>
@@ -4344,11 +4490,11 @@
             </a:r>
             <a:br/>
             <a:r>
-              <a:t>    Tamaño Partícula: 1.7 µm  |  Temp: 40.0°C</a:t>
-            </a:r>
-            <a:br/>
-            <a:r>
-              <a:t>    Flujo: 0.6 mL/min  |  T0: 0.18375 min</a:t>
+              <a:t>    Tamaño Partícula: 1.8 µm  |  Temp: 35.0°C</a:t>
+            </a:r>
+            <a:br/>
+            <a:r>
+              <a:t>    Flujo: 0.1 mL/min  |  T0: 1.1025 min</a:t>
             </a:r>
             <a:br/>
             <a:r>
@@ -4394,18 +4540,20 @@
         </p:nvSpPr>
         <p:spPr/>
         <p:txBody>
-          <a:bodyPr/>
-          <a:lstStyle/>
-          <a:p>
-            <a:r>
-              <a:t>Steroids and steroid derivatives (CHEMONTID:0000258): 0.9704534786306804, n_datos: 1</a:t>
+          <a:bodyPr>
+            <a:normAutofit fontScale="90000"/>
+          </a:bodyPr>
+          <a:lstStyle/>
+          <a:p>
+            <a:r>
+              <a:t>Steroids and steroid derivatives (CHEMONTID:0000258): 0.9967512818220816, n_datos: 7</a:t>
             </a:r>
           </a:p>
         </p:txBody>
       </p:sp>
       <p:pic>
         <p:nvPicPr>
-          <p:cNvPr id="3" name="Picture 2" descr="diff_grafica_Steroids and steroid derivatives _CHEMONTID_0000258__106.png"/>
+          <p:cNvPr id="3" name="Picture 2" descr="diff_grafica_Steroids and steroid derivatives _CHEMONTID_0000258__104.png"/>
           <p:cNvPicPr>
             <a:picLocks noChangeAspect="1"/>
           </p:cNvPicPr>
@@ -4462,19 +4610,19 @@
           <a:p>
             <a:br/>
             <a:r>
-              <a:t>    pH1: 0.0  |  pH2: 0.0  |  Columna: Merck Supelco Ascentis Express C18</a:t>
-            </a:r>
-            <a:br/>
-            <a:r>
-              <a:t>    USP Code: column.usp.code_L1  |  Longitud: 150.0 mm</a:t>
-            </a:r>
-            <a:br/>
-            <a:r>
-              <a:t>    Tamaño Partícula: 2.7 µm  |  Temp: 55.0°C</a:t>
-            </a:r>
-            <a:br/>
-            <a:r>
-              <a:t>    Flujo: 0.26 mL/min  |  T0: 1.2721153846153843 min</a:t>
+              <a:t>    pH1: 0.0  |  pH2: 6.5  |  Columna: Waters ACQUITY UPLC BEH Amide</a:t>
+            </a:r>
+            <a:br/>
+            <a:r>
+              <a:t>    USP Code: column.usp.code_L68  |  Longitud: 150.0 mm</a:t>
+            </a:r>
+            <a:br/>
+            <a:r>
+              <a:t>    Tamaño Partícula: 1.7 µm  |  Temp: 40.0°C</a:t>
+            </a:r>
+            <a:br/>
+            <a:r>
+              <a:t>    Flujo: 0.5 mL/min  |  T0: 0.6615 min</a:t>
             </a:r>
             <a:br/>
             <a:r>
@@ -4520,18 +4668,20 @@
         </p:nvSpPr>
         <p:spPr/>
         <p:txBody>
-          <a:bodyPr/>
-          <a:lstStyle/>
-          <a:p>
-            <a:r>
-              <a:t>Steroids and steroid derivatives (CHEMONTID:0000258): 0.958511454755712, n_datos: 1</a:t>
+          <a:bodyPr>
+            <a:normAutofit fontScale="90000"/>
+          </a:bodyPr>
+          <a:lstStyle/>
+          <a:p>
+            <a:r>
+              <a:t>Steroids and steroid derivatives (CHEMONTID:0000258): 0.9877366666933536, n_datos: 8</a:t>
             </a:r>
           </a:p>
         </p:txBody>
       </p:sp>
       <p:pic>
         <p:nvPicPr>
-          <p:cNvPr id="3" name="Picture 2" descr="diff_grafica_Steroids and steroid derivatives _CHEMONTID_0000258__104.png"/>
+          <p:cNvPr id="3" name="Picture 2" descr="diff_grafica_Steroids and steroid derivatives _CHEMONTID_0000258__105.png"/>
           <p:cNvPicPr>
             <a:picLocks noChangeAspect="1"/>
           </p:cNvPicPr>
@@ -4588,11 +4738,11 @@
           <a:p>
             <a:br/>
             <a:r>
-              <a:t>    pH1: 0.0  |  pH2: 6.5  |  Columna: Waters ACQUITY UPLC BEH Amide</a:t>
-            </a:r>
-            <a:br/>
-            <a:r>
-              <a:t>    USP Code: column.usp.code_L68  |  Longitud: 150.0 mm</a:t>
+              <a:t>    pH1: 3.0  |  pH2: 3.0  |  Columna: Waters ACQUITY UPLC BEH C18</a:t>
+            </a:r>
+            <a:br/>
+            <a:r>
+              <a:t>    USP Code: column.usp.code_L1  |  Longitud: 50.0 mm</a:t>
             </a:r>
             <a:br/>
             <a:r>
@@ -4600,7 +4750,7 @@
             </a:r>
             <a:br/>
             <a:r>
-              <a:t>    Flujo: 0.5 mL/min  |  T0: 0.6615 min</a:t>
+              <a:t>    Flujo: 0.6 mL/min  |  T0: 0.18375 min</a:t>
             </a:r>
             <a:br/>
             <a:r>
@@ -4646,18 +4796,20 @@
         </p:nvSpPr>
         <p:spPr/>
         <p:txBody>
-          <a:bodyPr/>
-          <a:lstStyle/>
-          <a:p>
-            <a:r>
-              <a:t>Steroids and steroid derivatives (CHEMONTID:0000258): 0.8924765699169752, n_datos: 6</a:t>
+          <a:bodyPr>
+            <a:normAutofit fontScale="90000"/>
+          </a:bodyPr>
+          <a:lstStyle/>
+          <a:p>
+            <a:r>
+              <a:t>Steroids and steroid derivatives (CHEMONTID:0000258): 0.9704534786306804, n_datos: 1</a:t>
             </a:r>
           </a:p>
         </p:txBody>
       </p:sp>
       <p:pic>
         <p:nvPicPr>
-          <p:cNvPr id="3" name="Picture 2" descr="diff_grafica_Steroids and steroid derivatives _CHEMONTID_0000258__108.png"/>
+          <p:cNvPr id="3" name="Picture 2" descr="diff_grafica_Steroids and steroid derivatives _CHEMONTID_0000258__106.png"/>
           <p:cNvPicPr>
             <a:picLocks noChangeAspect="1"/>
           </p:cNvPicPr>
@@ -4714,19 +4866,19 @@
           <a:p>
             <a:br/>
             <a:r>
-              <a:t>    pH1: 0.0  |  pH2: 0.0  |  Columna: Waters ACQUITY UPLC BEH Amide</a:t>
-            </a:r>
-            <a:br/>
-            <a:r>
-              <a:t>    USP Code: column.usp.code_L68  |  Longitud: 100.0 mm</a:t>
-            </a:r>
-            <a:br/>
-            <a:r>
-              <a:t>    Tamaño Partícula: 1.7 µm  |  Temp: 40.0°C</a:t>
-            </a:r>
-            <a:br/>
-            <a:r>
-              <a:t>    Flujo: 0.5 mL/min  |  T0: 0.4571959788769226 min</a:t>
+              <a:t>    pH1: 0.0  |  pH2: 0.0  |  Columna: Merck Supelco Ascentis Express C18</a:t>
+            </a:r>
+            <a:br/>
+            <a:r>
+              <a:t>    USP Code: column.usp.code_L1  |  Longitud: 150.0 mm</a:t>
+            </a:r>
+            <a:br/>
+            <a:r>
+              <a:t>    Tamaño Partícula: 2.7 µm  |  Temp: 55.0°C</a:t>
+            </a:r>
+            <a:br/>
+            <a:r>
+              <a:t>    Flujo: 0.26 mL/min  |  T0: 1.2721153846153843 min</a:t>
             </a:r>
             <a:br/>
             <a:r>
@@ -4772,7 +4924,9 @@
         </p:nvSpPr>
         <p:spPr/>
         <p:txBody>
-          <a:bodyPr/>
+          <a:bodyPr>
+            <a:normAutofit fontScale="90000"/>
+          </a:bodyPr>
           <a:lstStyle/>
           <a:p>
             <a:r>
@@ -4783,7 +4937,7 @@
       </p:sp>
       <p:pic>
         <p:nvPicPr>
-          <p:cNvPr id="3" name="Picture 2" descr="diff_grafica_Flavin nucleotides _CHEMONTID_0001329__10.png"/>
+          <p:cNvPr id="3" name="Picture 2" descr="diff_grafica_Flavin nucleotides _CHEMONTID_0001329__8.png"/>
           <p:cNvPicPr>
             <a:picLocks noChangeAspect="1"/>
           </p:cNvPicPr>
@@ -4797,7 +4951,7 @@
         </p:blipFill>
         <p:spPr>
           <a:xfrm>
-            <a:off x="914400" y="1371600"/>
+            <a:off x="1828800" y="1834243"/>
             <a:ext cx="5486400" cy="3657600"/>
           </a:xfrm>
           <a:prstGeom prst="rect">
@@ -4840,19 +4994,19 @@
           <a:p>
             <a:br/>
             <a:r>
-              <a:t>    pH1: 3.0  |  pH2: 3.0  |  Columna: Waters ACQUITY UPLC BEH C18</a:t>
-            </a:r>
-            <a:br/>
-            <a:r>
-              <a:t>    USP Code: column.usp.code_L1  |  Longitud: 98.03921568627452 mm</a:t>
-            </a:r>
-            <a:br/>
-            <a:r>
-              <a:t>    Tamaño Partícula: 1.7 µm  |  Temp: 38.0°C</a:t>
-            </a:r>
-            <a:br/>
-            <a:r>
-              <a:t>    Flujo: 0.24 mL/min  |  T0: 0.895845316696432 min</a:t>
+              <a:t>    pH1: 3.0  |  pH2: 3.0  |  Columna: Thermo Scientific Hypersil GOLD</a:t>
+            </a:r>
+            <a:br/>
+            <a:r>
+              <a:t>    USP Code: column.usp.code_L1  |  Longitud: 150.0 mm</a:t>
+            </a:r>
+            <a:br/>
+            <a:r>
+              <a:t>    Tamaño Partícula: 1.9 µm  |  Temp: 41.66666666666666°C</a:t>
+            </a:r>
+            <a:br/>
+            <a:r>
+              <a:t>    Flujo: 0.5 mL/min  |  T0: 0.6615 min</a:t>
             </a:r>
             <a:br/>
             <a:r>
@@ -4898,18 +5052,20 @@
         </p:nvSpPr>
         <p:spPr/>
         <p:txBody>
-          <a:bodyPr/>
-          <a:lstStyle/>
-          <a:p>
-            <a:r>
-              <a:t>Steroids and steroid derivatives (CHEMONTID:0000258): 0.8924765699169752, n_datos: 6</a:t>
+          <a:bodyPr>
+            <a:normAutofit fontScale="90000"/>
+          </a:bodyPr>
+          <a:lstStyle/>
+          <a:p>
+            <a:r>
+              <a:t>Steroids and steroid derivatives (CHEMONTID:0000258): 0.958511454755712, n_datos: 1</a:t>
             </a:r>
           </a:p>
         </p:txBody>
       </p:sp>
       <p:pic>
         <p:nvPicPr>
-          <p:cNvPr id="3" name="Picture 2" descr="diff_grafica_Steroids and steroid derivatives _CHEMONTID_0000258__108.png"/>
+          <p:cNvPr id="3" name="Picture 2" descr="diff_grafica_Steroids and steroid derivatives _CHEMONTID_0000258__104.png"/>
           <p:cNvPicPr>
             <a:picLocks noChangeAspect="1"/>
           </p:cNvPicPr>
@@ -4966,11 +5122,11 @@
           <a:p>
             <a:br/>
             <a:r>
-              <a:t>    pH1: 0.0  |  pH2: 0.0  |  Columna: Waters ACQUITY UPLC BEH Amide</a:t>
-            </a:r>
-            <a:br/>
-            <a:r>
-              <a:t>    USP Code: column.usp.code_L68  |  Longitud: 100.0 mm</a:t>
+              <a:t>    pH1: 0.0  |  pH2: 6.5  |  Columna: Waters ACQUITY UPLC BEH Amide</a:t>
+            </a:r>
+            <a:br/>
+            <a:r>
+              <a:t>    USP Code: column.usp.code_L68  |  Longitud: 150.0 mm</a:t>
             </a:r>
             <a:br/>
             <a:r>
@@ -4978,7 +5134,7 @@
             </a:r>
             <a:br/>
             <a:r>
-              <a:t>    Flujo: 0.5 mL/min  |  T0: 0.4571959788769226 min</a:t>
+              <a:t>    Flujo: 0.5 mL/min  |  T0: 0.6615 min</a:t>
             </a:r>
             <a:br/>
             <a:r>
@@ -5024,18 +5180,20 @@
         </p:nvSpPr>
         <p:spPr/>
         <p:txBody>
-          <a:bodyPr/>
-          <a:lstStyle/>
-          <a:p>
-            <a:r>
-              <a:t>Steroids and steroid derivatives (CHEMONTID:0000258): 0.8884806772193298, n_datos: 1</a:t>
+          <a:bodyPr>
+            <a:normAutofit fontScale="90000"/>
+          </a:bodyPr>
+          <a:lstStyle/>
+          <a:p>
+            <a:r>
+              <a:t>Steroids and steroid derivatives (CHEMONTID:0000258): 0.8924765699169752, n_datos: 6</a:t>
             </a:r>
           </a:p>
         </p:txBody>
       </p:sp>
       <p:pic>
         <p:nvPicPr>
-          <p:cNvPr id="3" name="Picture 2" descr="diff_grafica_Steroids and steroid derivatives _CHEMONTID_0000258__110.png"/>
+          <p:cNvPr id="3" name="Picture 2" descr="diff_grafica_Steroids and steroid derivatives _CHEMONTID_0000258__108.png"/>
           <p:cNvPicPr>
             <a:picLocks noChangeAspect="1"/>
           </p:cNvPicPr>
@@ -5092,11 +5250,11 @@
           <a:p>
             <a:br/>
             <a:r>
-              <a:t>    pH1: 2.6  |  pH2: 0.0  |  Columna: Waters ACQUITY UPLC BEH C18</a:t>
-            </a:r>
-            <a:br/>
-            <a:r>
-              <a:t>    USP Code: column.usp.code_L1  |  Longitud: 50.0 mm</a:t>
+              <a:t>    pH1: 0.0  |  pH2: 0.0  |  Columna: Waters ACQUITY UPLC BEH Amide</a:t>
+            </a:r>
+            <a:br/>
+            <a:r>
+              <a:t>    USP Code: column.usp.code_L68  |  Longitud: 100.0 mm</a:t>
             </a:r>
             <a:br/>
             <a:r>
@@ -5104,7 +5262,7 @@
             </a:r>
             <a:br/>
             <a:r>
-              <a:t>    Flujo: 0.6 mL/min  |  T0: 0.18375 min</a:t>
+              <a:t>    Flujo: 0.5 mL/min  |  T0: 0.4571959788769226 min</a:t>
             </a:r>
             <a:br/>
             <a:r>
@@ -5150,18 +5308,20 @@
         </p:nvSpPr>
         <p:spPr/>
         <p:txBody>
-          <a:bodyPr/>
-          <a:lstStyle/>
-          <a:p>
-            <a:r>
-              <a:t>Steroids and steroid derivatives (CHEMONTID:0000258): 0.8783627994347994, n_datos: 5</a:t>
+          <a:bodyPr>
+            <a:normAutofit fontScale="90000"/>
+          </a:bodyPr>
+          <a:lstStyle/>
+          <a:p>
+            <a:r>
+              <a:t>Steroids and steroid derivatives (CHEMONTID:0000258): 0.8924765699169752, n_datos: 6</a:t>
             </a:r>
           </a:p>
         </p:txBody>
       </p:sp>
       <p:pic>
         <p:nvPicPr>
-          <p:cNvPr id="3" name="Picture 2" descr="diff_grafica_Steroids and steroid derivatives _CHEMONTID_0000258__111.png"/>
+          <p:cNvPr id="3" name="Picture 2" descr="diff_grafica_Steroids and steroid derivatives _CHEMONTID_0000258__108.png"/>
           <p:cNvPicPr>
             <a:picLocks noChangeAspect="1"/>
           </p:cNvPicPr>
@@ -5218,19 +5378,19 @@
           <a:p>
             <a:br/>
             <a:r>
-              <a:t>    pH1: 0.0  |  pH2: 3.0  |  Columna: Merck SeQuant ZIC-HILIC</a:t>
-            </a:r>
-            <a:br/>
-            <a:r>
-              <a:t>    USP Code: column.usp.code_L114  |  Longitud: 145.45454545454547 mm</a:t>
-            </a:r>
-            <a:br/>
-            <a:r>
-              <a:t>    Tamaño Partícula: 4.863636363636363 µm  |  Temp: 25.0°C</a:t>
-            </a:r>
-            <a:br/>
-            <a:r>
-              <a:t>    Flujo: 0.25 mL/min  |  T0: 1.3300246658237755 min</a:t>
+              <a:t>    pH1: 0.0  |  pH2: 0.0  |  Columna: Waters ACQUITY UPLC BEH Amide</a:t>
+            </a:r>
+            <a:br/>
+            <a:r>
+              <a:t>    USP Code: column.usp.code_L68  |  Longitud: 100.0 mm</a:t>
+            </a:r>
+            <a:br/>
+            <a:r>
+              <a:t>    Tamaño Partícula: 1.7 µm  |  Temp: 40.0°C</a:t>
+            </a:r>
+            <a:br/>
+            <a:r>
+              <a:t>    Flujo: 0.5 mL/min  |  T0: 0.4571959788769226 min</a:t>
             </a:r>
             <a:br/>
             <a:r>
@@ -5276,18 +5436,20 @@
         </p:nvSpPr>
         <p:spPr/>
         <p:txBody>
-          <a:bodyPr/>
-          <a:lstStyle/>
-          <a:p>
-            <a:r>
-              <a:t>Fatty Acyls (CHEMONTID:0003909): 1.0, n_datos: 1</a:t>
+          <a:bodyPr>
+            <a:normAutofit fontScale="90000"/>
+          </a:bodyPr>
+          <a:lstStyle/>
+          <a:p>
+            <a:r>
+              <a:t>Steroids and steroid derivatives (CHEMONTID:0000258): 0.8884806772193298, n_datos: 1</a:t>
             </a:r>
           </a:p>
         </p:txBody>
       </p:sp>
       <p:pic>
         <p:nvPicPr>
-          <p:cNvPr id="3" name="Picture 2" descr="diff_grafica_Fatty Acyls _CHEMONTID_0003909__112.png"/>
+          <p:cNvPr id="3" name="Picture 2" descr="diff_grafica_Steroids and steroid derivatives _CHEMONTID_0000258__110.png"/>
           <p:cNvPicPr>
             <a:picLocks noChangeAspect="1"/>
           </p:cNvPicPr>
@@ -5344,19 +5506,19 @@
           <a:p>
             <a:br/>
             <a:r>
-              <a:t>    pH1: 4.0  |  pH2: 4.0  |  Columna: Waters XBridge BEH Amide</a:t>
-            </a:r>
-            <a:br/>
-            <a:r>
-              <a:t>    USP Code: column.usp.code_L68  |  Longitud: 100.0 mm</a:t>
-            </a:r>
-            <a:br/>
-            <a:r>
-              <a:t>    Tamaño Partícula: 2.5 µm  |  Temp: 30.0°C</a:t>
-            </a:r>
-            <a:br/>
-            <a:r>
-              <a:t>    Flujo: 0.5 mL/min  |  T0: 0.441 min</a:t>
+              <a:t>    pH1: 2.6  |  pH2: 0.0  |  Columna: Waters ACQUITY UPLC BEH C18</a:t>
+            </a:r>
+            <a:br/>
+            <a:r>
+              <a:t>    USP Code: column.usp.code_L1  |  Longitud: 50.0 mm</a:t>
+            </a:r>
+            <a:br/>
+            <a:r>
+              <a:t>    Tamaño Partícula: 1.7 µm  |  Temp: 40.0°C</a:t>
+            </a:r>
+            <a:br/>
+            <a:r>
+              <a:t>    Flujo: 0.6 mL/min  |  T0: 0.18375 min</a:t>
             </a:r>
             <a:br/>
             <a:r>
@@ -5402,18 +5564,20 @@
         </p:nvSpPr>
         <p:spPr/>
         <p:txBody>
-          <a:bodyPr/>
-          <a:lstStyle/>
-          <a:p>
-            <a:r>
-              <a:t>Fatty Acyls (CHEMONTID:0003909): 0.7389643139152807, n_datos: 3</a:t>
+          <a:bodyPr>
+            <a:normAutofit fontScale="90000"/>
+          </a:bodyPr>
+          <a:lstStyle/>
+          <a:p>
+            <a:r>
+              <a:t>Steroids and steroid derivatives (CHEMONTID:0000258): 0.8783627994347994, n_datos: 5</a:t>
             </a:r>
           </a:p>
         </p:txBody>
       </p:sp>
       <p:pic>
         <p:nvPicPr>
-          <p:cNvPr id="3" name="Picture 2" descr="diff_grafica_Fatty Acyls _CHEMONTID_0003909__113.png"/>
+          <p:cNvPr id="3" name="Picture 2" descr="diff_grafica_Steroids and steroid derivatives _CHEMONTID_0000258__111.png"/>
           <p:cNvPicPr>
             <a:picLocks noChangeAspect="1"/>
           </p:cNvPicPr>
@@ -5470,19 +5634,19 @@
           <a:p>
             <a:br/>
             <a:r>
-              <a:t>    pH1: 3.0  |  pH2: 3.0  |  Columna: Waters ACQUITY UPLC BEH C18</a:t>
-            </a:r>
-            <a:br/>
-            <a:r>
-              <a:t>    USP Code: column.usp.code_L1  |  Longitud: 100.0 mm</a:t>
-            </a:r>
-            <a:br/>
-            <a:r>
-              <a:t>    Tamaño Partícula: 1.7 µm  |  Temp: 40.54166666666666°C</a:t>
-            </a:r>
-            <a:br/>
-            <a:r>
-              <a:t>    Flujo: 0.1 mL/min  |  T0: 2.205 min</a:t>
+              <a:t>    pH1: 0.0  |  pH2: 3.0  |  Columna: Merck SeQuant ZIC-HILIC</a:t>
+            </a:r>
+            <a:br/>
+            <a:r>
+              <a:t>    USP Code: column.usp.code_L114  |  Longitud: 145.45454545454547 mm</a:t>
+            </a:r>
+            <a:br/>
+            <a:r>
+              <a:t>    Tamaño Partícula: 4.863636363636363 µm  |  Temp: 25.0°C</a:t>
+            </a:r>
+            <a:br/>
+            <a:r>
+              <a:t>    Flujo: 0.25 mL/min  |  T0: 1.3300246658237755 min</a:t>
             </a:r>
             <a:br/>
             <a:r>
@@ -5528,18 +5692,20 @@
         </p:nvSpPr>
         <p:spPr/>
         <p:txBody>
-          <a:bodyPr/>
-          <a:lstStyle/>
-          <a:p>
-            <a:r>
-              <a:t>Fatty Acyls (CHEMONTID:0003909): 0.7042215099229353, n_datos: 4</a:t>
+          <a:bodyPr>
+            <a:normAutofit fontScale="90000"/>
+          </a:bodyPr>
+          <a:lstStyle/>
+          <a:p>
+            <a:r>
+              <a:t>Fatty Acyls (CHEMONTID:0003909): 1.0, n_datos: 1</a:t>
             </a:r>
           </a:p>
         </p:txBody>
       </p:sp>
       <p:pic>
         <p:nvPicPr>
-          <p:cNvPr id="3" name="Picture 2" descr="diff_grafica_Fatty Acyls _CHEMONTID_0003909__114.png"/>
+          <p:cNvPr id="3" name="Picture 2" descr="diff_grafica_Fatty Acyls _CHEMONTID_0003909__112.png"/>
           <p:cNvPicPr>
             <a:picLocks noChangeAspect="1"/>
           </p:cNvPicPr>
@@ -5596,19 +5762,19 @@
           <a:p>
             <a:br/>
             <a:r>
-              <a:t>    pH1: 3.0  |  pH2: 3.0  |  Columna: Merck Supelco Ascentis Express ES-Cyano</a:t>
-            </a:r>
-            <a:br/>
-            <a:r>
-              <a:t>    USP Code: column.usp.code_L10  |  Longitud: 100.0 mm</a:t>
-            </a:r>
-            <a:br/>
-            <a:r>
-              <a:t>    Tamaño Partícula: 2.7 µm  |  Temp: 40.78947368421053°C</a:t>
-            </a:r>
-            <a:br/>
-            <a:r>
-              <a:t>    Flujo: 0.1 mL/min  |  T0: 2.205 min</a:t>
+              <a:t>    pH1: 4.0  |  pH2: 4.0  |  Columna: Waters XBridge BEH Amide</a:t>
+            </a:r>
+            <a:br/>
+            <a:r>
+              <a:t>    USP Code: column.usp.code_L68  |  Longitud: 100.0 mm</a:t>
+            </a:r>
+            <a:br/>
+            <a:r>
+              <a:t>    Tamaño Partícula: 2.5 µm  |  Temp: 30.0°C</a:t>
+            </a:r>
+            <a:br/>
+            <a:r>
+              <a:t>    Flujo: 0.5 mL/min  |  T0: 0.441 min</a:t>
             </a:r>
             <a:br/>
             <a:r>
@@ -5654,11 +5820,13 @@
         </p:nvSpPr>
         <p:spPr/>
         <p:txBody>
-          <a:bodyPr/>
-          <a:lstStyle/>
-          <a:p>
-            <a:r>
-              <a:t>Fatty Acyls (CHEMONTID:0003909): 0.6719685005381596, n_datos: 9</a:t>
+          <a:bodyPr>
+            <a:normAutofit fontScale="90000"/>
+          </a:bodyPr>
+          <a:lstStyle/>
+          <a:p>
+            <a:r>
+              <a:t>Fatty Acyls (CHEMONTID:0003909): 0.7389643139152807, n_datos: 3</a:t>
             </a:r>
           </a:p>
         </p:txBody>
@@ -5722,7 +5890,7 @@
           <a:p>
             <a:br/>
             <a:r>
-              <a:t>    pH1: 3.0  |  pH2: 3.0  |  Columna: Waters CORTECS T3</a:t>
+              <a:t>    pH1: 3.0  |  pH2: 3.0  |  Columna: Waters ACQUITY UPLC BEH C18</a:t>
             </a:r>
             <a:br/>
             <a:r>
@@ -5730,11 +5898,11 @@
             </a:r>
             <a:br/>
             <a:r>
-              <a:t>    Tamaño Partícula: 2.7 µm  |  Temp: 40.0°C</a:t>
-            </a:r>
-            <a:br/>
-            <a:r>
-              <a:t>    Flujo: 0.3 mL/min  |  T0: 0.735 min</a:t>
+              <a:t>    Tamaño Partícula: 1.7 µm  |  Temp: 40.54166666666666°C</a:t>
+            </a:r>
+            <a:br/>
+            <a:r>
+              <a:t>    Flujo: 0.1 mL/min  |  T0: 2.205 min</a:t>
             </a:r>
             <a:br/>
             <a:r>
@@ -5780,11 +5948,13 @@
         </p:nvSpPr>
         <p:spPr/>
         <p:txBody>
-          <a:bodyPr/>
-          <a:lstStyle/>
-          <a:p>
-            <a:r>
-              <a:t>Fatty Acyls (CHEMONTID:0003909): 0.6709488360555971, n_datos: 4</a:t>
+          <a:bodyPr>
+            <a:normAutofit fontScale="90000"/>
+          </a:bodyPr>
+          <a:lstStyle/>
+          <a:p>
+            <a:r>
+              <a:t>Fatty Acyls (CHEMONTID:0003909): 0.7042215099229353, n_datos: 4</a:t>
             </a:r>
           </a:p>
         </p:txBody>
@@ -5848,19 +6018,19 @@
           <a:p>
             <a:br/>
             <a:r>
-              <a:t>    pH1: 3.0  |  pH2: 3.0  |  Columna: Waters CORTECS T3</a:t>
-            </a:r>
-            <a:br/>
-            <a:r>
-              <a:t>    USP Code: column.usp.code_L1  |  Longitud: 100.0 mm</a:t>
-            </a:r>
-            <a:br/>
-            <a:r>
-              <a:t>    Tamaño Partícula: 2.7 µm  |  Temp: 40.0°C</a:t>
-            </a:r>
-            <a:br/>
-            <a:r>
-              <a:t>    Flujo: 0.3 mL/min  |  T0: 0.735 min</a:t>
+              <a:t>    pH1: 3.0  |  pH2: 3.0  |  Columna: Merck Supelco Ascentis Express ES-Cyano</a:t>
+            </a:r>
+            <a:br/>
+            <a:r>
+              <a:t>    USP Code: column.usp.code_L10  |  Longitud: 100.0 mm</a:t>
+            </a:r>
+            <a:br/>
+            <a:r>
+              <a:t>    Tamaño Partícula: 2.7 µm  |  Temp: 40.78947368421053°C</a:t>
+            </a:r>
+            <a:br/>
+            <a:r>
+              <a:t>    Flujo: 0.1 mL/min  |  T0: 2.205 min</a:t>
             </a:r>
             <a:br/>
             <a:r>
@@ -5906,18 +6076,20 @@
         </p:nvSpPr>
         <p:spPr/>
         <p:txBody>
-          <a:bodyPr/>
-          <a:lstStyle/>
-          <a:p>
-            <a:r>
-              <a:t>Hydroxy acids and derivatives (CHEMONTID:0000472): 1.0, n_datos: 6</a:t>
+          <a:bodyPr>
+            <a:normAutofit fontScale="90000"/>
+          </a:bodyPr>
+          <a:lstStyle/>
+          <a:p>
+            <a:r>
+              <a:t>Fatty Acyls (CHEMONTID:0003909): 0.6719685005381596, n_datos: 9</a:t>
             </a:r>
           </a:p>
         </p:txBody>
       </p:sp>
       <p:pic>
         <p:nvPicPr>
-          <p:cNvPr id="3" name="Picture 2" descr="diff_grafica_Hydroxy acids and derivatives _CHEMONTID_0000472__117.png"/>
+          <p:cNvPr id="3" name="Picture 2" descr="diff_grafica_Fatty Acyls _CHEMONTID_0003909__113.png"/>
           <p:cNvPicPr>
             <a:picLocks noChangeAspect="1"/>
           </p:cNvPicPr>
@@ -6032,18 +6204,20 @@
         </p:nvSpPr>
         <p:spPr/>
         <p:txBody>
-          <a:bodyPr/>
-          <a:lstStyle/>
-          <a:p>
-            <a:r>
-              <a:t>Hydroxy acids and derivatives (CHEMONTID:0000472): 0.9875822300891416, n_datos: 1</a:t>
+          <a:bodyPr>
+            <a:normAutofit fontScale="90000"/>
+          </a:bodyPr>
+          <a:lstStyle/>
+          <a:p>
+            <a:r>
+              <a:t>Fatty Acyls (CHEMONTID:0003909): 0.6709488360555971, n_datos: 4</a:t>
             </a:r>
           </a:p>
         </p:txBody>
       </p:sp>
       <p:pic>
         <p:nvPicPr>
-          <p:cNvPr id="3" name="Picture 2" descr="diff_grafica_Hydroxy acids and derivatives _CHEMONTID_0000472__118.png"/>
+          <p:cNvPr id="3" name="Picture 2" descr="diff_grafica_Fatty Acyls _CHEMONTID_0003909__114.png"/>
           <p:cNvPicPr>
             <a:picLocks noChangeAspect="1"/>
           </p:cNvPicPr>
@@ -6158,7 +6332,9 @@
         </p:nvSpPr>
         <p:spPr/>
         <p:txBody>
-          <a:bodyPr/>
+          <a:bodyPr>
+            <a:normAutofit fontScale="90000"/>
+          </a:bodyPr>
           <a:lstStyle/>
           <a:p>
             <a:r>
@@ -6169,7 +6345,7 @@
       </p:sp>
       <p:pic>
         <p:nvPicPr>
-          <p:cNvPr id="3" name="Picture 2" descr="diff_grafica_Flavin nucleotides _CHEMONTID_0001329__11.png"/>
+          <p:cNvPr id="3" name="Picture 2" descr="diff_grafica_Flavin nucleotides _CHEMONTID_0001329__9.png"/>
           <p:cNvPicPr>
             <a:picLocks noChangeAspect="1"/>
           </p:cNvPicPr>
@@ -6226,19 +6402,19 @@
           <a:p>
             <a:br/>
             <a:r>
-              <a:t>    pH1: 0.0  |  pH2: 3.0  |  Columna: Merck SeQuant ZIC-HILIC</a:t>
-            </a:r>
-            <a:br/>
-            <a:r>
-              <a:t>    USP Code: column.usp.code_L114  |  Longitud: 145.45454545454547 mm</a:t>
-            </a:r>
-            <a:br/>
-            <a:r>
-              <a:t>    Tamaño Partícula: 4.863636363636363 µm  |  Temp: 25.0°C</a:t>
-            </a:r>
-            <a:br/>
-            <a:r>
-              <a:t>    Flujo: 0.25 mL/min  |  T0: 1.3300246658237755 min</a:t>
+              <a:t>    pH1: 0.0  |  pH2: 0.0  |  Columna: Merck SeQuant ZIC-pHILIC</a:t>
+            </a:r>
+            <a:br/>
+            <a:r>
+              <a:t>    USP Code: column.usp.code_L122  |  Longitud: 150.0 mm</a:t>
+            </a:r>
+            <a:br/>
+            <a:r>
+              <a:t>    Tamaño Partícula: 5.0 µm  |  Temp: 32.5°C</a:t>
+            </a:r>
+            <a:br/>
+            <a:r>
+              <a:t>    Flujo: 0.1 mL/min  |  T0: 3.3075 min</a:t>
             </a:r>
             <a:br/>
             <a:r>
@@ -6284,11 +6460,13 @@
         </p:nvSpPr>
         <p:spPr/>
         <p:txBody>
-          <a:bodyPr/>
-          <a:lstStyle/>
-          <a:p>
-            <a:r>
-              <a:t>Hydroxy acids and derivatives (CHEMONTID:0000472): 0.985788938544844, n_datos: 2</a:t>
+          <a:bodyPr>
+            <a:normAutofit fontScale="90000"/>
+          </a:bodyPr>
+          <a:lstStyle/>
+          <a:p>
+            <a:r>
+              <a:t>Hydroxy acids and derivatives (CHEMONTID:0000472): 1.0, n_datos: 6</a:t>
             </a:r>
           </a:p>
         </p:txBody>
@@ -6364,7 +6542,7 @@
             </a:r>
             <a:br/>
             <a:r>
-              <a:t>    Flujo: 0.25 mL/min  |  T0: 0.882 min</a:t>
+              <a:t>    Flujo: 0.3 mL/min  |  T0: 0.735 min</a:t>
             </a:r>
             <a:br/>
             <a:r>
@@ -6410,18 +6588,20 @@
         </p:nvSpPr>
         <p:spPr/>
         <p:txBody>
-          <a:bodyPr/>
-          <a:lstStyle/>
-          <a:p>
-            <a:r>
-              <a:t>Hydroxy acids and derivatives (CHEMONTID:0000472): 0.9759458875587572, n_datos: 2</a:t>
+          <a:bodyPr>
+            <a:normAutofit fontScale="90000"/>
+          </a:bodyPr>
+          <a:lstStyle/>
+          <a:p>
+            <a:r>
+              <a:t>Hydroxy acids and derivatives (CHEMONTID:0000472): 0.9875822300891416, n_datos: 1</a:t>
             </a:r>
           </a:p>
         </p:txBody>
       </p:sp>
       <p:pic>
         <p:nvPicPr>
-          <p:cNvPr id="3" name="Picture 2" descr="diff_grafica_Hydroxy acids and derivatives _CHEMONTID_0000472__120.png"/>
+          <p:cNvPr id="3" name="Picture 2" descr="diff_grafica_Hydroxy acids and derivatives _CHEMONTID_0000472__118.png"/>
           <p:cNvPicPr>
             <a:picLocks noChangeAspect="1"/>
           </p:cNvPicPr>
@@ -6490,7 +6670,7 @@
             </a:r>
             <a:br/>
             <a:r>
-              <a:t>    Flujo: 0.2 mL/min  |  T0: 1.1025 min</a:t>
+              <a:t>    Flujo: 0.3 mL/min  |  T0: 0.735 min</a:t>
             </a:r>
             <a:br/>
             <a:r>
@@ -6536,18 +6716,20 @@
         </p:nvSpPr>
         <p:spPr/>
         <p:txBody>
-          <a:bodyPr/>
-          <a:lstStyle/>
-          <a:p>
-            <a:r>
-              <a:t>Hydroxy acids and derivatives (CHEMONTID:0000472): 0.9731212776873148, n_datos: 2</a:t>
+          <a:bodyPr>
+            <a:normAutofit fontScale="90000"/>
+          </a:bodyPr>
+          <a:lstStyle/>
+          <a:p>
+            <a:r>
+              <a:t>Hydroxy acids and derivatives (CHEMONTID:0000472): 0.985788938544844, n_datos: 2</a:t>
             </a:r>
           </a:p>
         </p:txBody>
       </p:sp>
       <p:pic>
         <p:nvPicPr>
-          <p:cNvPr id="3" name="Picture 2" descr="diff_grafica_Hydroxy acids and derivatives _CHEMONTID_0000472__120.png"/>
+          <p:cNvPr id="3" name="Picture 2" descr="diff_grafica_Hydroxy acids and derivatives _CHEMONTID_0000472__117.png"/>
           <p:cNvPicPr>
             <a:picLocks noChangeAspect="1"/>
           </p:cNvPicPr>
@@ -6616,7 +6798,7 @@
             </a:r>
             <a:br/>
             <a:r>
-              <a:t>    Flujo: 0.2 mL/min  |  T0: 1.1025 min</a:t>
+              <a:t>    Flujo: 0.25 mL/min  |  T0: 0.882 min</a:t>
             </a:r>
             <a:br/>
             <a:r>
@@ -6662,18 +6844,20 @@
         </p:nvSpPr>
         <p:spPr/>
         <p:txBody>
-          <a:bodyPr/>
-          <a:lstStyle/>
-          <a:p>
-            <a:r>
-              <a:t>Hydroxy acids and derivatives (CHEMONTID:0000472): 0.9721957493268688, n_datos: 1</a:t>
+          <a:bodyPr>
+            <a:normAutofit fontScale="90000"/>
+          </a:bodyPr>
+          <a:lstStyle/>
+          <a:p>
+            <a:r>
+              <a:t>Hydroxy acids and derivatives (CHEMONTID:0000472): 0.9759458875587572, n_datos: 2</a:t>
             </a:r>
           </a:p>
         </p:txBody>
       </p:sp>
       <p:pic>
         <p:nvPicPr>
-          <p:cNvPr id="3" name="Picture 2" descr="diff_grafica_Hydroxy acids and derivatives _CHEMONTID_0000472__122.png"/>
+          <p:cNvPr id="3" name="Picture 2" descr="diff_grafica_Hydroxy acids and derivatives _CHEMONTID_0000472__120.png"/>
           <p:cNvPicPr>
             <a:picLocks noChangeAspect="1"/>
           </p:cNvPicPr>
@@ -6730,19 +6914,19 @@
           <a:p>
             <a:br/>
             <a:r>
-              <a:t>    pH1: 4.0  |  pH2: 4.0  |  Columna: Waters XBridge BEH Amide</a:t>
-            </a:r>
-            <a:br/>
-            <a:r>
-              <a:t>    USP Code: column.usp.code_L68  |  Longitud: 100.0 mm</a:t>
-            </a:r>
-            <a:br/>
-            <a:r>
-              <a:t>    Tamaño Partícula: 2.5 µm  |  Temp: 30.0°C</a:t>
-            </a:r>
-            <a:br/>
-            <a:r>
-              <a:t>    Flujo: 0.5 mL/min  |  T0: 0.441 min</a:t>
+              <a:t>    pH1: 3.0  |  pH2: 3.0  |  Columna: Waters CORTECS T3</a:t>
+            </a:r>
+            <a:br/>
+            <a:r>
+              <a:t>    USP Code: column.usp.code_L1  |  Longitud: 100.0 mm</a:t>
+            </a:r>
+            <a:br/>
+            <a:r>
+              <a:t>    Tamaño Partícula: 2.7 µm  |  Temp: 40.0°C</a:t>
+            </a:r>
+            <a:br/>
+            <a:r>
+              <a:t>    Flujo: 0.2 mL/min  |  T0: 1.1025 min</a:t>
             </a:r>
             <a:br/>
             <a:r>
@@ -6788,18 +6972,20 @@
         </p:nvSpPr>
         <p:spPr/>
         <p:txBody>
-          <a:bodyPr/>
-          <a:lstStyle/>
-          <a:p>
-            <a:r>
-              <a:t>Hydroxy acids and derivatives (CHEMONTID:0000472): 0.9685228801091124, n_datos: 1</a:t>
+          <a:bodyPr>
+            <a:normAutofit fontScale="90000"/>
+          </a:bodyPr>
+          <a:lstStyle/>
+          <a:p>
+            <a:r>
+              <a:t>Hydroxy acids and derivatives (CHEMONTID:0000472): 0.9731212776873148, n_datos: 2</a:t>
             </a:r>
           </a:p>
         </p:txBody>
       </p:sp>
       <p:pic>
         <p:nvPicPr>
-          <p:cNvPr id="3" name="Picture 2" descr="diff_grafica_Hydroxy acids and derivatives _CHEMONTID_0000472__117.png"/>
+          <p:cNvPr id="3" name="Picture 2" descr="diff_grafica_Hydroxy acids and derivatives _CHEMONTID_0000472__120.png"/>
           <p:cNvPicPr>
             <a:picLocks noChangeAspect="1"/>
           </p:cNvPicPr>
@@ -6868,7 +7054,7 @@
             </a:r>
             <a:br/>
             <a:r>
-              <a:t>    Flujo: 0.15 mL/min  |  T0: 1.47 min</a:t>
+              <a:t>    Flujo: 0.2 mL/min  |  T0: 1.1025 min</a:t>
             </a:r>
             <a:br/>
             <a:r>
@@ -6914,18 +7100,20 @@
         </p:nvSpPr>
         <p:spPr/>
         <p:txBody>
-          <a:bodyPr/>
-          <a:lstStyle/>
-          <a:p>
-            <a:r>
-              <a:t>Hydroxy acids and derivatives (CHEMONTID:0000472): 0.9671293782242738, n_datos: 1</a:t>
+          <a:bodyPr>
+            <a:normAutofit fontScale="90000"/>
+          </a:bodyPr>
+          <a:lstStyle/>
+          <a:p>
+            <a:r>
+              <a:t>Hydroxy acids and derivatives (CHEMONTID:0000472): 0.9721957493268688, n_datos: 1</a:t>
             </a:r>
           </a:p>
         </p:txBody>
       </p:sp>
       <p:pic>
         <p:nvPicPr>
-          <p:cNvPr id="3" name="Picture 2" descr="diff_grafica_Hydroxy acids and derivatives _CHEMONTID_0000472__120.png"/>
+          <p:cNvPr id="3" name="Picture 2" descr="diff_grafica_Hydroxy acids and derivatives _CHEMONTID_0000472__122.png"/>
           <p:cNvPicPr>
             <a:picLocks noChangeAspect="1"/>
           </p:cNvPicPr>
@@ -6982,19 +7170,19 @@
           <a:p>
             <a:br/>
             <a:r>
-              <a:t>    pH1: 3.0  |  pH2: 3.0  |  Columna: Waters CORTECS T3</a:t>
-            </a:r>
-            <a:br/>
-            <a:r>
-              <a:t>    USP Code: column.usp.code_L1  |  Longitud: 100.0 mm</a:t>
-            </a:r>
-            <a:br/>
-            <a:r>
-              <a:t>    Tamaño Partícula: 2.7 µm  |  Temp: 40.0°C</a:t>
-            </a:r>
-            <a:br/>
-            <a:r>
-              <a:t>    Flujo: 0.2 mL/min  |  T0: 1.1025 min</a:t>
+              <a:t>    pH1: 4.0  |  pH2: 4.0  |  Columna: Waters XBridge BEH Amide</a:t>
+            </a:r>
+            <a:br/>
+            <a:r>
+              <a:t>    USP Code: column.usp.code_L68  |  Longitud: 100.0 mm</a:t>
+            </a:r>
+            <a:br/>
+            <a:r>
+              <a:t>    Tamaño Partícula: 2.5 µm  |  Temp: 30.0°C</a:t>
+            </a:r>
+            <a:br/>
+            <a:r>
+              <a:t>    Flujo: 0.5 mL/min  |  T0: 0.441 min</a:t>
             </a:r>
             <a:br/>
             <a:r>
@@ -7040,18 +7228,20 @@
         </p:nvSpPr>
         <p:spPr/>
         <p:txBody>
-          <a:bodyPr/>
-          <a:lstStyle/>
-          <a:p>
-            <a:r>
-              <a:t>Hydroxy acids and derivatives (CHEMONTID:0000472): 0.9648856803184068, n_datos: 1</a:t>
+          <a:bodyPr>
+            <a:normAutofit fontScale="90000"/>
+          </a:bodyPr>
+          <a:lstStyle/>
+          <a:p>
+            <a:r>
+              <a:t>Hydroxy acids and derivatives (CHEMONTID:0000472): 0.9685228801091124, n_datos: 1</a:t>
             </a:r>
           </a:p>
         </p:txBody>
       </p:sp>
       <p:pic>
         <p:nvPicPr>
-          <p:cNvPr id="3" name="Picture 2" descr="diff_grafica_Hydroxy acids and derivatives _CHEMONTID_0000472__125.png"/>
+          <p:cNvPr id="3" name="Picture 2" descr="diff_grafica_Hydroxy acids and derivatives _CHEMONTID_0000472__117.png"/>
           <p:cNvPicPr>
             <a:picLocks noChangeAspect="1"/>
           </p:cNvPicPr>
@@ -7108,7 +7298,7 @@
           <a:p>
             <a:br/>
             <a:r>
-              <a:t>    pH1: 3.0  |  pH2: 3.0  |  Columna: Waters ACQUITY UPLC BEH C18</a:t>
+              <a:t>    pH1: 3.0  |  pH2: 3.0  |  Columna: Waters CORTECS T3</a:t>
             </a:r>
             <a:br/>
             <a:r>
@@ -7116,11 +7306,11 @@
             </a:r>
             <a:br/>
             <a:r>
-              <a:t>    Tamaño Partícula: 1.7 µm  |  Temp: 40.54166666666666°C</a:t>
-            </a:r>
-            <a:br/>
-            <a:r>
-              <a:t>    Flujo: 0.2 mL/min  |  T0: 1.1025 min</a:t>
+              <a:t>    Tamaño Partícula: 2.7 µm  |  Temp: 40.0°C</a:t>
+            </a:r>
+            <a:br/>
+            <a:r>
+              <a:t>    Flujo: 0.15 mL/min  |  T0: 1.47 min</a:t>
             </a:r>
             <a:br/>
             <a:r>
@@ -7166,18 +7356,20 @@
         </p:nvSpPr>
         <p:spPr/>
         <p:txBody>
-          <a:bodyPr/>
-          <a:lstStyle/>
-          <a:p>
-            <a:r>
-              <a:t>Keto acids and derivatives (CHEMONTID:0000389): 1.0, n_datos: 3</a:t>
+          <a:bodyPr>
+            <a:normAutofit fontScale="90000"/>
+          </a:bodyPr>
+          <a:lstStyle/>
+          <a:p>
+            <a:r>
+              <a:t>Hydroxy acids and derivatives (CHEMONTID:0000472): 0.9671293782242738, n_datos: 1</a:t>
             </a:r>
           </a:p>
         </p:txBody>
       </p:sp>
       <p:pic>
         <p:nvPicPr>
-          <p:cNvPr id="3" name="Picture 2" descr="diff_grafica_Keto acids and derivatives _CHEMONTID_0000389__126.png"/>
+          <p:cNvPr id="3" name="Picture 2" descr="diff_grafica_Hydroxy acids and derivatives _CHEMONTID_0000472__120.png"/>
           <p:cNvPicPr>
             <a:picLocks noChangeAspect="1"/>
           </p:cNvPicPr>
@@ -7234,7 +7426,7 @@
           <a:p>
             <a:br/>
             <a:r>
-              <a:t>    pH1: 3.0  |  pH2: 3.0  |  Columna: Waters ACQUITY UPLC HSS T3</a:t>
+              <a:t>    pH1: 3.0  |  pH2: 3.0  |  Columna: Waters CORTECS T3</a:t>
             </a:r>
             <a:br/>
             <a:r>
@@ -7242,11 +7434,11 @@
             </a:r>
             <a:br/>
             <a:r>
-              <a:t>    Tamaño Partícula: 1.8 µm  |  Temp: 40.0°C</a:t>
-            </a:r>
-            <a:br/>
-            <a:r>
-              <a:t>    Flujo: 0.4 mL/min  |  T0: 0.55125 min</a:t>
+              <a:t>    Tamaño Partícula: 2.7 µm  |  Temp: 40.0°C</a:t>
+            </a:r>
+            <a:br/>
+            <a:r>
+              <a:t>    Flujo: 0.2 mL/min  |  T0: 1.1025 min</a:t>
             </a:r>
             <a:br/>
             <a:r>
@@ -7292,18 +7484,20 @@
         </p:nvSpPr>
         <p:spPr/>
         <p:txBody>
-          <a:bodyPr/>
-          <a:lstStyle/>
-          <a:p>
-            <a:r>
-              <a:t>Keto acids and derivatives (CHEMONTID:0000389): 0.9968147484480268, n_datos: 1</a:t>
+          <a:bodyPr>
+            <a:normAutofit fontScale="90000"/>
+          </a:bodyPr>
+          <a:lstStyle/>
+          <a:p>
+            <a:r>
+              <a:t>Hydroxy acids and derivatives (CHEMONTID:0000472): 0.9648856803184068, n_datos: 1</a:t>
             </a:r>
           </a:p>
         </p:txBody>
       </p:sp>
       <p:pic>
         <p:nvPicPr>
-          <p:cNvPr id="3" name="Picture 2" descr="diff_grafica_Keto acids and derivatives _CHEMONTID_0000389__126.png"/>
+          <p:cNvPr id="3" name="Picture 2" descr="diff_grafica_Hydroxy acids and derivatives _CHEMONTID_0000472__125.png"/>
           <p:cNvPicPr>
             <a:picLocks noChangeAspect="1"/>
           </p:cNvPicPr>
@@ -7360,7 +7554,7 @@
           <a:p>
             <a:br/>
             <a:r>
-              <a:t>    pH1: 3.0  |  pH2: 3.0  |  Columna: Waters ACQUITY UPLC HSS T3</a:t>
+              <a:t>    pH1: 3.0  |  pH2: 3.0  |  Columna: Waters ACQUITY UPLC BEH C18</a:t>
             </a:r>
             <a:br/>
             <a:r>
@@ -7368,11 +7562,11 @@
             </a:r>
             <a:br/>
             <a:r>
-              <a:t>    Tamaño Partícula: 1.8 µm  |  Temp: 30.0°C</a:t>
-            </a:r>
-            <a:br/>
-            <a:r>
-              <a:t>    Flujo: 0.4 mL/min  |  T0: 0.55125 min</a:t>
+              <a:t>    Tamaño Partícula: 1.7 µm  |  Temp: 40.54166666666666°C</a:t>
+            </a:r>
+            <a:br/>
+            <a:r>
+              <a:t>    Flujo: 0.2 mL/min  |  T0: 1.1025 min</a:t>
             </a:r>
             <a:br/>
             <a:r>
@@ -7418,18 +7612,20 @@
         </p:nvSpPr>
         <p:spPr/>
         <p:txBody>
-          <a:bodyPr/>
-          <a:lstStyle/>
-          <a:p>
-            <a:r>
-              <a:t>Keto acids and derivatives (CHEMONTID:0000389): 0.9115893836134332, n_datos: 2</a:t>
+          <a:bodyPr>
+            <a:normAutofit fontScale="90000"/>
+          </a:bodyPr>
+          <a:lstStyle/>
+          <a:p>
+            <a:r>
+              <a:t>Keto acids and derivatives (CHEMONTID:0000389): 1.0, n_datos: 3</a:t>
             </a:r>
           </a:p>
         </p:txBody>
       </p:sp>
       <p:pic>
         <p:nvPicPr>
-          <p:cNvPr id="3" name="Picture 2" descr="diff_grafica_Keto acids and derivatives _CHEMONTID_0000389__128.png"/>
+          <p:cNvPr id="3" name="Picture 2" descr="diff_grafica_Keto acids and derivatives _CHEMONTID_0000389__126.png"/>
           <p:cNvPicPr>
             <a:picLocks noChangeAspect="1"/>
           </p:cNvPicPr>
@@ -7486,19 +7682,19 @@
           <a:p>
             <a:br/>
             <a:r>
-              <a:t>    pH1: 3.0  |  pH2: 3.0  |  Columna: Phenomenex Kinetex C18</a:t>
-            </a:r>
-            <a:br/>
-            <a:r>
-              <a:t>    USP Code: column.usp.code_L1  |  Longitud: 150.0 mm</a:t>
-            </a:r>
-            <a:br/>
-            <a:r>
-              <a:t>    Tamaño Partícula: 1.7 µm  |  Temp: 30.0°C</a:t>
-            </a:r>
-            <a:br/>
-            <a:r>
-              <a:t>    Flujo: 0.3 mL/min  |  T0: 1.1025 min</a:t>
+              <a:t>    pH1: 3.0  |  pH2: 3.0  |  Columna: Waters ACQUITY UPLC HSS T3</a:t>
+            </a:r>
+            <a:br/>
+            <a:r>
+              <a:t>    USP Code: column.usp.code_L1  |  Longitud: 100.0 mm</a:t>
+            </a:r>
+            <a:br/>
+            <a:r>
+              <a:t>    Tamaño Partícula: 1.8 µm  |  Temp: 40.0°C</a:t>
+            </a:r>
+            <a:br/>
+            <a:r>
+              <a:t>    Flujo: 0.4 mL/min  |  T0: 0.55125 min</a:t>
             </a:r>
             <a:br/>
             <a:r>
@@ -7544,7 +7740,9 @@
         </p:nvSpPr>
         <p:spPr/>
         <p:txBody>
-          <a:bodyPr/>
+          <a:bodyPr>
+            <a:normAutofit fontScale="90000"/>
+          </a:bodyPr>
           <a:lstStyle/>
           <a:p>
             <a:r>
@@ -7555,7 +7753,7 @@
       </p:sp>
       <p:pic>
         <p:nvPicPr>
-          <p:cNvPr id="3" name="Picture 2" descr="diff_grafica_Flavin nucleotides _CHEMONTID_0001329__12.png"/>
+          <p:cNvPr id="3" name="Picture 2" descr="diff_grafica_Flavin nucleotides _CHEMONTID_0001329__10.png"/>
           <p:cNvPicPr>
             <a:picLocks noChangeAspect="1"/>
           </p:cNvPicPr>
@@ -7612,19 +7810,19 @@
           <a:p>
             <a:br/>
             <a:r>
-              <a:t>    pH1: 3.0  |  pH2: 3.0  |  Columna: Waters CORTECS T3</a:t>
-            </a:r>
-            <a:br/>
-            <a:r>
-              <a:t>    USP Code: column.usp.code_L1  |  Longitud: 100.0 mm</a:t>
-            </a:r>
-            <a:br/>
-            <a:r>
-              <a:t>    Tamaño Partícula: 2.7 µm  |  Temp: 40.0°C</a:t>
-            </a:r>
-            <a:br/>
-            <a:r>
-              <a:t>    Flujo: 0.3 mL/min  |  T0: 0.735 min</a:t>
+              <a:t>    pH1: 3.0  |  pH2: 3.0  |  Columna: Waters ACQUITY UPLC BEH C18</a:t>
+            </a:r>
+            <a:br/>
+            <a:r>
+              <a:t>    USP Code: column.usp.code_L1  |  Longitud: 98.03921568627452 mm</a:t>
+            </a:r>
+            <a:br/>
+            <a:r>
+              <a:t>    Tamaño Partícula: 1.7 µm  |  Temp: 38.0°C</a:t>
+            </a:r>
+            <a:br/>
+            <a:r>
+              <a:t>    Flujo: 0.24 mL/min  |  T0: 0.895845316696432 min</a:t>
             </a:r>
             <a:br/>
             <a:r>
@@ -7670,18 +7868,20 @@
         </p:nvSpPr>
         <p:spPr/>
         <p:txBody>
-          <a:bodyPr/>
-          <a:lstStyle/>
-          <a:p>
-            <a:r>
-              <a:t>Keto acids and derivatives (CHEMONTID:0000389): 0.8492612719995171, n_datos: 1</a:t>
+          <a:bodyPr>
+            <a:normAutofit fontScale="90000"/>
+          </a:bodyPr>
+          <a:lstStyle/>
+          <a:p>
+            <a:r>
+              <a:t>Keto acids and derivatives (CHEMONTID:0000389): 0.9968147484480268, n_datos: 1</a:t>
             </a:r>
           </a:p>
         </p:txBody>
       </p:sp>
       <p:pic>
         <p:nvPicPr>
-          <p:cNvPr id="3" name="Picture 2" descr="diff_grafica_Keto acids and derivatives _CHEMONTID_0000389__129.png"/>
+          <p:cNvPr id="3" name="Picture 2" descr="diff_grafica_Keto acids and derivatives _CHEMONTID_0000389__126.png"/>
           <p:cNvPicPr>
             <a:picLocks noChangeAspect="1"/>
           </p:cNvPicPr>
@@ -7738,19 +7938,19 @@
           <a:p>
             <a:br/>
             <a:r>
-              <a:t>    pH1: 6.0  |  pH2: 6.0  |  Columna: Merck SeQuant ZIC-HILIC</a:t>
-            </a:r>
-            <a:br/>
-            <a:r>
-              <a:t>    USP Code: column.usp.code_L114  |  Longitud: 150.0 mm</a:t>
-            </a:r>
-            <a:br/>
-            <a:r>
-              <a:t>    Tamaño Partícula: 5.0 µm  |  Temp: 25.0°C</a:t>
-            </a:r>
-            <a:br/>
-            <a:r>
-              <a:t>    Flujo: 0.75 mL/min  |  T0: 0.441 min</a:t>
+              <a:t>    pH1: 3.0  |  pH2: 3.0  |  Columna: Waters ACQUITY UPLC HSS T3</a:t>
+            </a:r>
+            <a:br/>
+            <a:r>
+              <a:t>    USP Code: column.usp.code_L1  |  Longitud: 100.0 mm</a:t>
+            </a:r>
+            <a:br/>
+            <a:r>
+              <a:t>    Tamaño Partícula: 1.8 µm  |  Temp: 30.0°C</a:t>
+            </a:r>
+            <a:br/>
+            <a:r>
+              <a:t>    Flujo: 0.4 mL/min  |  T0: 0.55125 min</a:t>
             </a:r>
             <a:br/>
             <a:r>
@@ -7796,18 +7996,20 @@
         </p:nvSpPr>
         <p:spPr/>
         <p:txBody>
-          <a:bodyPr/>
-          <a:lstStyle/>
-          <a:p>
-            <a:r>
-              <a:t>Keto acids and derivatives (CHEMONTID:0000389): 0.7674827793030329, n_datos: 1</a:t>
+          <a:bodyPr>
+            <a:normAutofit fontScale="90000"/>
+          </a:bodyPr>
+          <a:lstStyle/>
+          <a:p>
+            <a:r>
+              <a:t>Keto acids and derivatives (CHEMONTID:0000389): 0.9115893836134332, n_datos: 2</a:t>
             </a:r>
           </a:p>
         </p:txBody>
       </p:sp>
       <p:pic>
         <p:nvPicPr>
-          <p:cNvPr id="3" name="Picture 2" descr="diff_grafica_Keto acids and derivatives _CHEMONTID_0000389__126.png"/>
+          <p:cNvPr id="3" name="Picture 2" descr="diff_grafica_Keto acids and derivatives _CHEMONTID_0000389__128.png"/>
           <p:cNvPicPr>
             <a:picLocks noChangeAspect="1"/>
           </p:cNvPicPr>
@@ -7864,19 +8066,19 @@
           <a:p>
             <a:br/>
             <a:r>
-              <a:t>    pH1: 3.0  |  pH2: 3.0  |  Columna: Waters ACQUITY UPLC HSS T3</a:t>
-            </a:r>
-            <a:br/>
-            <a:r>
-              <a:t>    USP Code: column.usp.code_L1  |  Longitud: 100.0 mm</a:t>
-            </a:r>
-            <a:br/>
-            <a:r>
-              <a:t>    Tamaño Partícula: 1.8 µm  |  Temp: 40.0°C</a:t>
-            </a:r>
-            <a:br/>
-            <a:r>
-              <a:t>    Flujo: 0.4 mL/min  |  T0: 0.55125 min</a:t>
+              <a:t>    pH1: 3.0  |  pH2: 3.0  |  Columna: Phenomenex Kinetex C18</a:t>
+            </a:r>
+            <a:br/>
+            <a:r>
+              <a:t>    USP Code: column.usp.code_L1  |  Longitud: 150.0 mm</a:t>
+            </a:r>
+            <a:br/>
+            <a:r>
+              <a:t>    Tamaño Partícula: 1.7 µm  |  Temp: 30.0°C</a:t>
+            </a:r>
+            <a:br/>
+            <a:r>
+              <a:t>    Flujo: 0.3 mL/min  |  T0: 1.1025 min</a:t>
             </a:r>
             <a:br/>
             <a:r>
@@ -7922,18 +8124,20 @@
         </p:nvSpPr>
         <p:spPr/>
         <p:txBody>
-          <a:bodyPr/>
-          <a:lstStyle/>
-          <a:p>
-            <a:r>
-              <a:t>Keto acids and derivatives (CHEMONTID:0000389): 0.7103703703703702, n_datos: 6</a:t>
+          <a:bodyPr>
+            <a:normAutofit fontScale="90000"/>
+          </a:bodyPr>
+          <a:lstStyle/>
+          <a:p>
+            <a:r>
+              <a:t>Keto acids and derivatives (CHEMONTID:0000389): 0.8492612719995171, n_datos: 1</a:t>
             </a:r>
           </a:p>
         </p:txBody>
       </p:sp>
       <p:pic>
         <p:nvPicPr>
-          <p:cNvPr id="3" name="Picture 2" descr="diff_grafica_Keto acids and derivatives _CHEMONTID_0000389__131.png"/>
+          <p:cNvPr id="3" name="Picture 2" descr="diff_grafica_Keto acids and derivatives _CHEMONTID_0000389__129.png"/>
           <p:cNvPicPr>
             <a:picLocks noChangeAspect="1"/>
           </p:cNvPicPr>
@@ -7990,19 +8194,19 @@
           <a:p>
             <a:br/>
             <a:r>
-              <a:t>    pH1: 3.0  |  pH2: 3.0  |  Columna: Merck Supelco Ascentis Express C18</a:t>
-            </a:r>
-            <a:br/>
-            <a:r>
-              <a:t>    USP Code: column.usp.code_L1  |  Longitud: 100.0 mm</a:t>
-            </a:r>
-            <a:br/>
-            <a:r>
-              <a:t>    Tamaño Partícula: 2.0 µm  |  Temp: 40.0°C</a:t>
-            </a:r>
-            <a:br/>
-            <a:r>
-              <a:t>    Flujo: 0.3 mL/min  |  T0: 0.735 min</a:t>
+              <a:t>    pH1: 6.0  |  pH2: 6.0  |  Columna: Merck SeQuant ZIC-HILIC</a:t>
+            </a:r>
+            <a:br/>
+            <a:r>
+              <a:t>    USP Code: column.usp.code_L114  |  Longitud: 150.0 mm</a:t>
+            </a:r>
+            <a:br/>
+            <a:r>
+              <a:t>    Tamaño Partícula: 5.0 µm  |  Temp: 25.0°C</a:t>
+            </a:r>
+            <a:br/>
+            <a:r>
+              <a:t>    Flujo: 0.75 mL/min  |  T0: 0.441 min</a:t>
             </a:r>
             <a:br/>
             <a:r>
@@ -8048,18 +8252,20 @@
         </p:nvSpPr>
         <p:spPr/>
         <p:txBody>
-          <a:bodyPr/>
-          <a:lstStyle/>
-          <a:p>
-            <a:r>
-              <a:t>Keto acids and derivatives (CHEMONTID:0000389): 0.705158234128757, n_datos: 1</a:t>
+          <a:bodyPr>
+            <a:normAutofit fontScale="90000"/>
+          </a:bodyPr>
+          <a:lstStyle/>
+          <a:p>
+            <a:r>
+              <a:t>Keto acids and derivatives (CHEMONTID:0000389): 0.7674827793030329, n_datos: 1</a:t>
             </a:r>
           </a:p>
         </p:txBody>
       </p:sp>
       <p:pic>
         <p:nvPicPr>
-          <p:cNvPr id="3" name="Picture 2" descr="diff_grafica_Keto acids and derivatives _CHEMONTID_0000389__131.png"/>
+          <p:cNvPr id="3" name="Picture 2" descr="diff_grafica_Keto acids and derivatives _CHEMONTID_0000389__126.png"/>
           <p:cNvPicPr>
             <a:picLocks noChangeAspect="1"/>
           </p:cNvPicPr>
@@ -8116,7 +8322,7 @@
           <a:p>
             <a:br/>
             <a:r>
-              <a:t>    pH1: 3.0  |  pH2: 3.0  |  Columna: Merck Supelco Ascentis Express C18</a:t>
+              <a:t>    pH1: 3.0  |  pH2: 3.0  |  Columna: Waters ACQUITY UPLC HSS T3</a:t>
             </a:r>
             <a:br/>
             <a:r>
@@ -8124,11 +8330,11 @@
             </a:r>
             <a:br/>
             <a:r>
-              <a:t>    Tamaño Partícula: 2.0 µm  |  Temp: 40.0°C</a:t>
-            </a:r>
-            <a:br/>
-            <a:r>
-              <a:t>    Flujo: 0.35 mL/min  |  T0: 0.63 min</a:t>
+              <a:t>    Tamaño Partícula: 1.8 µm  |  Temp: 40.0°C</a:t>
+            </a:r>
+            <a:br/>
+            <a:r>
+              <a:t>    Flujo: 0.4 mL/min  |  T0: 0.55125 min</a:t>
             </a:r>
             <a:br/>
             <a:r>
@@ -8174,18 +8380,20 @@
         </p:nvSpPr>
         <p:spPr/>
         <p:txBody>
-          <a:bodyPr/>
-          <a:lstStyle/>
-          <a:p>
-            <a:r>
-              <a:t>Keto acids and derivatives (CHEMONTID:0000389): 0.7023607228059594, n_datos: 9</a:t>
+          <a:bodyPr>
+            <a:normAutofit fontScale="90000"/>
+          </a:bodyPr>
+          <a:lstStyle/>
+          <a:p>
+            <a:r>
+              <a:t>Keto acids and derivatives (CHEMONTID:0000389): 0.7103703703703702, n_datos: 6</a:t>
             </a:r>
           </a:p>
         </p:txBody>
       </p:sp>
       <p:pic>
         <p:nvPicPr>
-          <p:cNvPr id="3" name="Picture 2" descr="diff_grafica_Keto acids and derivatives _CHEMONTID_0000389__133.png"/>
+          <p:cNvPr id="3" name="Picture 2" descr="diff_grafica_Keto acids and derivatives _CHEMONTID_0000389__131.png"/>
           <p:cNvPicPr>
             <a:picLocks noChangeAspect="1"/>
           </p:cNvPicPr>
@@ -8242,7 +8450,7 @@
           <a:p>
             <a:br/>
             <a:r>
-              <a:t>    pH1: 3.0  |  pH2: 3.0  |  Columna: Waters ACQUITY UPLC HSS C18</a:t>
+              <a:t>    pH1: 3.0  |  pH2: 3.0  |  Columna: Merck Supelco Ascentis Express C18</a:t>
             </a:r>
             <a:br/>
             <a:r>
@@ -8250,11 +8458,11 @@
             </a:r>
             <a:br/>
             <a:r>
-              <a:t>    Tamaño Partícula: 1.8 µm  |  Temp: 50.0°C</a:t>
-            </a:r>
-            <a:br/>
-            <a:r>
-              <a:t>    Flujo: 0.4 mL/min  |  T0: 0.55125 min</a:t>
+              <a:t>    Tamaño Partícula: 2.0 µm  |  Temp: 40.0°C</a:t>
+            </a:r>
+            <a:br/>
+            <a:r>
+              <a:t>    Flujo: 0.3 mL/min  |  T0: 0.735 min</a:t>
             </a:r>
             <a:br/>
             <a:r>
@@ -8300,11 +8508,13 @@
         </p:nvSpPr>
         <p:spPr/>
         <p:txBody>
-          <a:bodyPr/>
-          <a:lstStyle/>
-          <a:p>
-            <a:r>
-              <a:t>Keto acids and derivatives (CHEMONTID:0000389): 0.6808621726493742, n_datos: 6</a:t>
+          <a:bodyPr>
+            <a:normAutofit fontScale="90000"/>
+          </a:bodyPr>
+          <a:lstStyle/>
+          <a:p>
+            <a:r>
+              <a:t>Keto acids and derivatives (CHEMONTID:0000389): 0.705158234128757, n_datos: 1</a:t>
             </a:r>
           </a:p>
         </p:txBody>
@@ -8380,7 +8590,7 @@
             </a:r>
             <a:br/>
             <a:r>
-              <a:t>    Flujo: 0.25 mL/min  |  T0: 0.882 min</a:t>
+              <a:t>    Flujo: 0.35 mL/min  |  T0: 0.63 min</a:t>
             </a:r>
             <a:br/>
             <a:r>
@@ -8426,18 +8636,20 @@
         </p:nvSpPr>
         <p:spPr/>
         <p:txBody>
-          <a:bodyPr/>
-          <a:lstStyle/>
-          <a:p>
-            <a:r>
-              <a:t>Phenylpropanoic acids (CHEMONTID:0002551): 1.0, n_datos: 1</a:t>
+          <a:bodyPr>
+            <a:normAutofit fontScale="90000"/>
+          </a:bodyPr>
+          <a:lstStyle/>
+          <a:p>
+            <a:r>
+              <a:t>Keto acids and derivatives (CHEMONTID:0000389): 0.7023607228059594, n_datos: 9</a:t>
             </a:r>
           </a:p>
         </p:txBody>
       </p:sp>
       <p:pic>
         <p:nvPicPr>
-          <p:cNvPr id="3" name="Picture 2" descr="diff_grafica_Phenylpropanoic acids _CHEMONTID_0002551__135.png"/>
+          <p:cNvPr id="3" name="Picture 2" descr="diff_grafica_Keto acids and derivatives _CHEMONTID_0000389__133.png"/>
           <p:cNvPicPr>
             <a:picLocks noChangeAspect="1"/>
           </p:cNvPicPr>
@@ -8494,19 +8706,19 @@
           <a:p>
             <a:br/>
             <a:r>
-              <a:t>    pH1: 6.0  |  pH2: 6.0  |  Columna: Merck SeQuant ZIC-HILIC</a:t>
-            </a:r>
-            <a:br/>
-            <a:r>
-              <a:t>    USP Code: column.usp.code_L114  |  Longitud: 150.0 mm</a:t>
-            </a:r>
-            <a:br/>
-            <a:r>
-              <a:t>    Tamaño Partícula: 5.0 µm  |  Temp: 25.0°C</a:t>
-            </a:r>
-            <a:br/>
-            <a:r>
-              <a:t>    Flujo: 0.75 mL/min  |  T0: 0.441 min</a:t>
+              <a:t>    pH1: 3.0  |  pH2: 3.0  |  Columna: Waters ACQUITY UPLC HSS C18</a:t>
+            </a:r>
+            <a:br/>
+            <a:r>
+              <a:t>    USP Code: column.usp.code_L1  |  Longitud: 100.0 mm</a:t>
+            </a:r>
+            <a:br/>
+            <a:r>
+              <a:t>    Tamaño Partícula: 1.8 µm  |  Temp: 50.0°C</a:t>
+            </a:r>
+            <a:br/>
+            <a:r>
+              <a:t>    Flujo: 0.4 mL/min  |  T0: 0.55125 min</a:t>
             </a:r>
             <a:br/>
             <a:r>
@@ -8552,18 +8764,20 @@
         </p:nvSpPr>
         <p:spPr/>
         <p:txBody>
-          <a:bodyPr/>
-          <a:lstStyle/>
-          <a:p>
-            <a:r>
-              <a:t>Phenylpropanoic acids (CHEMONTID:0002551): 0.938884008459411, n_datos: 3</a:t>
+          <a:bodyPr>
+            <a:normAutofit fontScale="90000"/>
+          </a:bodyPr>
+          <a:lstStyle/>
+          <a:p>
+            <a:r>
+              <a:t>Keto acids and derivatives (CHEMONTID:0000389): 0.6808621726493742, n_datos: 6</a:t>
             </a:r>
           </a:p>
         </p:txBody>
       </p:sp>
       <p:pic>
         <p:nvPicPr>
-          <p:cNvPr id="3" name="Picture 2" descr="diff_grafica_Phenylpropanoic acids _CHEMONTID_0002551__136.png"/>
+          <p:cNvPr id="3" name="Picture 2" descr="diff_grafica_Keto acids and derivatives _CHEMONTID_0000389__131.png"/>
           <p:cNvPicPr>
             <a:picLocks noChangeAspect="1"/>
           </p:cNvPicPr>
@@ -8620,19 +8834,19 @@
           <a:p>
             <a:br/>
             <a:r>
-              <a:t>    pH1: 0.0  |  pH2: 9.0  |  Columna: Merck SeQuant ZIC-pHILIC</a:t>
-            </a:r>
-            <a:br/>
-            <a:r>
-              <a:t>    USP Code: column.usp.code_L122  |  Longitud: 150.0 mm</a:t>
-            </a:r>
-            <a:br/>
-            <a:r>
-              <a:t>    Tamaño Partícula: 5.0 µm  |  Temp: 40.0°C</a:t>
-            </a:r>
-            <a:br/>
-            <a:r>
-              <a:t>    Flujo: 0.3 mL/min  |  T0: 1.1025 min</a:t>
+              <a:t>    pH1: 3.0  |  pH2: 3.0  |  Columna: Merck Supelco Ascentis Express C18</a:t>
+            </a:r>
+            <a:br/>
+            <a:r>
+              <a:t>    USP Code: column.usp.code_L1  |  Longitud: 100.0 mm</a:t>
+            </a:r>
+            <a:br/>
+            <a:r>
+              <a:t>    Tamaño Partícula: 2.0 µm  |  Temp: 40.0°C</a:t>
+            </a:r>
+            <a:br/>
+            <a:r>
+              <a:t>    Flujo: 0.25 mL/min  |  T0: 0.882 min</a:t>
             </a:r>
             <a:br/>
             <a:r>
@@ -8678,18 +8892,20 @@
         </p:nvSpPr>
         <p:spPr/>
         <p:txBody>
-          <a:bodyPr/>
-          <a:lstStyle/>
-          <a:p>
-            <a:r>
-              <a:t>Phenylpropanoic acids (CHEMONTID:0002551): 0.8546526088131927, n_datos: 1</a:t>
+          <a:bodyPr>
+            <a:normAutofit fontScale="90000"/>
+          </a:bodyPr>
+          <a:lstStyle/>
+          <a:p>
+            <a:r>
+              <a:t>Phenylpropanoic acids (CHEMONTID:0002551): 1.0, n_datos: 1</a:t>
             </a:r>
           </a:p>
         </p:txBody>
       </p:sp>
       <p:pic>
         <p:nvPicPr>
-          <p:cNvPr id="3" name="Picture 2" descr="diff_grafica_Phenylpropanoic acids _CHEMONTID_0002551__137.png"/>
+          <p:cNvPr id="3" name="Picture 2" descr="diff_grafica_Phenylpropanoic acids _CHEMONTID_0002551__135.png"/>
           <p:cNvPicPr>
             <a:picLocks noChangeAspect="1"/>
           </p:cNvPicPr>
@@ -8746,19 +8962,19 @@
           <a:p>
             <a:br/>
             <a:r>
-              <a:t>    pH1: 0.0  |  pH2: 6.5  |  Columna: Waters ACQUITY UPLC BEH Amide</a:t>
-            </a:r>
-            <a:br/>
-            <a:r>
-              <a:t>    USP Code: column.usp.code_L68  |  Longitud: 150.0 mm</a:t>
-            </a:r>
-            <a:br/>
-            <a:r>
-              <a:t>    Tamaño Partícula: 1.7 µm  |  Temp: 40.0°C</a:t>
-            </a:r>
-            <a:br/>
-            <a:r>
-              <a:t>    Flujo: 0.5 mL/min  |  T0: 0.6615 min</a:t>
+              <a:t>    pH1: 6.0  |  pH2: 6.0  |  Columna: Merck SeQuant ZIC-HILIC</a:t>
+            </a:r>
+            <a:br/>
+            <a:r>
+              <a:t>    USP Code: column.usp.code_L114  |  Longitud: 150.0 mm</a:t>
+            </a:r>
+            <a:br/>
+            <a:r>
+              <a:t>    Tamaño Partícula: 5.0 µm  |  Temp: 25.0°C</a:t>
+            </a:r>
+            <a:br/>
+            <a:r>
+              <a:t>    Flujo: 0.75 mL/min  |  T0: 0.441 min</a:t>
             </a:r>
             <a:br/>
             <a:r>
@@ -8804,18 +9020,20 @@
         </p:nvSpPr>
         <p:spPr/>
         <p:txBody>
-          <a:bodyPr/>
-          <a:lstStyle/>
-          <a:p>
-            <a:r>
-              <a:t>Phenylpropanoic acids (CHEMONTID:0002551): 0.7940672704851809, n_datos: 2</a:t>
+          <a:bodyPr>
+            <a:normAutofit fontScale="90000"/>
+          </a:bodyPr>
+          <a:lstStyle/>
+          <a:p>
+            <a:r>
+              <a:t>Phenylpropanoic acids (CHEMONTID:0002551): 0.938884008459411, n_datos: 3</a:t>
             </a:r>
           </a:p>
         </p:txBody>
       </p:sp>
       <p:pic>
         <p:nvPicPr>
-          <p:cNvPr id="3" name="Picture 2" descr="diff_grafica_Phenylpropanoic acids _CHEMONTID_0002551__138.png"/>
+          <p:cNvPr id="3" name="Picture 2" descr="diff_grafica_Phenylpropanoic acids _CHEMONTID_0002551__136.png"/>
           <p:cNvPicPr>
             <a:picLocks noChangeAspect="1"/>
           </p:cNvPicPr>
@@ -8872,19 +9090,19 @@
           <a:p>
             <a:br/>
             <a:r>
-              <a:t>    pH1: 0.0  |  pH2: 0.0  |  Columna: Waters ACQUITY UPLC BEH Amide</a:t>
-            </a:r>
-            <a:br/>
-            <a:r>
-              <a:t>    USP Code: column.usp.code_L68  |  Longitud: 100.0 mm</a:t>
-            </a:r>
-            <a:br/>
-            <a:r>
-              <a:t>    Tamaño Partícula: 1.7 µm  |  Temp: 40.0°C</a:t>
-            </a:r>
-            <a:br/>
-            <a:r>
-              <a:t>    Flujo: 0.5 mL/min  |  T0: 0.4571959788769226 min</a:t>
+              <a:t>    pH1: 0.0  |  pH2: 9.0  |  Columna: Merck SeQuant ZIC-pHILIC</a:t>
+            </a:r>
+            <a:br/>
+            <a:r>
+              <a:t>    USP Code: column.usp.code_L122  |  Longitud: 150.0 mm</a:t>
+            </a:r>
+            <a:br/>
+            <a:r>
+              <a:t>    Tamaño Partícula: 5.0 µm  |  Temp: 40.0°C</a:t>
+            </a:r>
+            <a:br/>
+            <a:r>
+              <a:t>    Flujo: 0.3 mL/min  |  T0: 1.1025 min</a:t>
             </a:r>
             <a:br/>
             <a:r>
@@ -8930,7 +9148,9 @@
         </p:nvSpPr>
         <p:spPr/>
         <p:txBody>
-          <a:bodyPr/>
+          <a:bodyPr>
+            <a:normAutofit fontScale="90000"/>
+          </a:bodyPr>
           <a:lstStyle/>
           <a:p>
             <a:r>
@@ -8941,7 +9161,7 @@
       </p:sp>
       <p:pic>
         <p:nvPicPr>
-          <p:cNvPr id="3" name="Picture 2" descr="diff_grafica_Flavin nucleotides _CHEMONTID_0001329__13.png"/>
+          <p:cNvPr id="3" name="Picture 2" descr="diff_grafica_Flavin nucleotides _CHEMONTID_0001329__11.png"/>
           <p:cNvPicPr>
             <a:picLocks noChangeAspect="1"/>
           </p:cNvPicPr>
@@ -8998,19 +9218,19 @@
           <a:p>
             <a:br/>
             <a:r>
-              <a:t>    pH1: 3.0  |  pH2: 3.0  |  Columna: Waters CORTECS T3</a:t>
-            </a:r>
-            <a:br/>
-            <a:r>
-              <a:t>    USP Code: column.usp.code_L1  |  Longitud: 100.0 mm</a:t>
-            </a:r>
-            <a:br/>
-            <a:r>
-              <a:t>    Tamaño Partícula: 2.7 µm  |  Temp: 40.0°C</a:t>
-            </a:r>
-            <a:br/>
-            <a:r>
-              <a:t>    Flujo: 0.3 mL/min  |  T0: 0.735 min</a:t>
+              <a:t>    pH1: 0.0  |  pH2: 3.0  |  Columna: Merck SeQuant ZIC-HILIC</a:t>
+            </a:r>
+            <a:br/>
+            <a:r>
+              <a:t>    USP Code: column.usp.code_L114  |  Longitud: 145.45454545454547 mm</a:t>
+            </a:r>
+            <a:br/>
+            <a:r>
+              <a:t>    Tamaño Partícula: 4.863636363636363 µm  |  Temp: 25.0°C</a:t>
+            </a:r>
+            <a:br/>
+            <a:r>
+              <a:t>    Flujo: 0.25 mL/min  |  T0: 1.3300246658237755 min</a:t>
             </a:r>
             <a:br/>
             <a:r>
@@ -9056,18 +9276,20 @@
         </p:nvSpPr>
         <p:spPr/>
         <p:txBody>
-          <a:bodyPr/>
-          <a:lstStyle/>
-          <a:p>
-            <a:r>
-              <a:t>Phenylpropanoic acids (CHEMONTID:0002551): 0.7940672704851809, n_datos: 2</a:t>
+          <a:bodyPr>
+            <a:normAutofit fontScale="90000"/>
+          </a:bodyPr>
+          <a:lstStyle/>
+          <a:p>
+            <a:r>
+              <a:t>Phenylpropanoic acids (CHEMONTID:0002551): 0.8546526088131927, n_datos: 1</a:t>
             </a:r>
           </a:p>
         </p:txBody>
       </p:sp>
       <p:pic>
         <p:nvPicPr>
-          <p:cNvPr id="3" name="Picture 2" descr="diff_grafica_Phenylpropanoic acids _CHEMONTID_0002551__138.png"/>
+          <p:cNvPr id="3" name="Picture 2" descr="diff_grafica_Phenylpropanoic acids _CHEMONTID_0002551__137.png"/>
           <p:cNvPicPr>
             <a:picLocks noChangeAspect="1"/>
           </p:cNvPicPr>
@@ -9124,11 +9346,11 @@
           <a:p>
             <a:br/>
             <a:r>
-              <a:t>    pH1: 0.0  |  pH2: 0.0  |  Columna: Waters ACQUITY UPLC BEH Amide</a:t>
-            </a:r>
-            <a:br/>
-            <a:r>
-              <a:t>    USP Code: column.usp.code_L68  |  Longitud: 100.0 mm</a:t>
+              <a:t>    pH1: 0.0  |  pH2: 6.5  |  Columna: Waters ACQUITY UPLC BEH Amide</a:t>
+            </a:r>
+            <a:br/>
+            <a:r>
+              <a:t>    USP Code: column.usp.code_L68  |  Longitud: 150.0 mm</a:t>
             </a:r>
             <a:br/>
             <a:r>
@@ -9136,7 +9358,7 @@
             </a:r>
             <a:br/>
             <a:r>
-              <a:t>    Flujo: 0.5 mL/min  |  T0: 0.4571959788769226 min</a:t>
+              <a:t>    Flujo: 0.5 mL/min  |  T0: 0.6615 min</a:t>
             </a:r>
             <a:br/>
             <a:r>
@@ -9182,18 +9404,20 @@
         </p:nvSpPr>
         <p:spPr/>
         <p:txBody>
-          <a:bodyPr/>
-          <a:lstStyle/>
-          <a:p>
-            <a:r>
-              <a:t>Phenylpropanoic acids (CHEMONTID:0002551): 0.7534303228643325, n_datos: 2</a:t>
+          <a:bodyPr>
+            <a:normAutofit fontScale="90000"/>
+          </a:bodyPr>
+          <a:lstStyle/>
+          <a:p>
+            <a:r>
+              <a:t>Phenylpropanoic acids (CHEMONTID:0002551): 0.7940672704851809, n_datos: 2</a:t>
             </a:r>
           </a:p>
         </p:txBody>
       </p:sp>
       <p:pic>
         <p:nvPicPr>
-          <p:cNvPr id="3" name="Picture 2" descr="diff_grafica_Phenylpropanoic acids _CHEMONTID_0002551__140.png"/>
+          <p:cNvPr id="3" name="Picture 2" descr="diff_grafica_Phenylpropanoic acids _CHEMONTID_0002551__138.png"/>
           <p:cNvPicPr>
             <a:picLocks noChangeAspect="1"/>
           </p:cNvPicPr>
@@ -9250,19 +9474,19 @@
           <a:p>
             <a:br/>
             <a:r>
-              <a:t>    pH1: 3.0  |  pH2: 3.0  |  Columna: Merck Supelco Ascentis Express C18</a:t>
-            </a:r>
-            <a:br/>
-            <a:r>
-              <a:t>    USP Code: column.usp.code_L1  |  Longitud: 100.0 mm</a:t>
-            </a:r>
-            <a:br/>
-            <a:r>
-              <a:t>    Tamaño Partícula: 2.0 µm  |  Temp: 40.0°C</a:t>
-            </a:r>
-            <a:br/>
-            <a:r>
-              <a:t>    Flujo: 0.2 mL/min  |  T0: 1.1025 min</a:t>
+              <a:t>    pH1: 0.0  |  pH2: 0.0  |  Columna: Waters ACQUITY UPLC BEH Amide</a:t>
+            </a:r>
+            <a:br/>
+            <a:r>
+              <a:t>    USP Code: column.usp.code_L68  |  Longitud: 100.0 mm</a:t>
+            </a:r>
+            <a:br/>
+            <a:r>
+              <a:t>    Tamaño Partícula: 1.7 µm  |  Temp: 40.0°C</a:t>
+            </a:r>
+            <a:br/>
+            <a:r>
+              <a:t>    Flujo: 0.5 mL/min  |  T0: 0.4571959788769226 min</a:t>
             </a:r>
             <a:br/>
             <a:r>
@@ -9308,18 +9532,20 @@
         </p:nvSpPr>
         <p:spPr/>
         <p:txBody>
-          <a:bodyPr/>
-          <a:lstStyle/>
-          <a:p>
-            <a:r>
-              <a:t>Phenylpropanoic acids (CHEMONTID:0002551): 0.7347829998630914, n_datos: 2</a:t>
+          <a:bodyPr>
+            <a:normAutofit fontScale="90000"/>
+          </a:bodyPr>
+          <a:lstStyle/>
+          <a:p>
+            <a:r>
+              <a:t>Phenylpropanoic acids (CHEMONTID:0002551): 0.7940672704851809, n_datos: 2</a:t>
             </a:r>
           </a:p>
         </p:txBody>
       </p:sp>
       <p:pic>
         <p:nvPicPr>
-          <p:cNvPr id="3" name="Picture 2" descr="diff_grafica_Phenylpropanoic acids _CHEMONTID_0002551__141.png"/>
+          <p:cNvPr id="3" name="Picture 2" descr="diff_grafica_Phenylpropanoic acids _CHEMONTID_0002551__138.png"/>
           <p:cNvPicPr>
             <a:picLocks noChangeAspect="1"/>
           </p:cNvPicPr>
@@ -9376,11 +9602,11 @@
           <a:p>
             <a:br/>
             <a:r>
-              <a:t>    pH1: 3.0  |  pH2: 3.0  |  Columna: Waters ACQUITY UPLC BEH C18</a:t>
-            </a:r>
-            <a:br/>
-            <a:r>
-              <a:t>    USP Code: column.usp.code_L1  |  Longitud: 100.0 mm</a:t>
+              <a:t>    pH1: 0.0  |  pH2: 0.0  |  Columna: Waters ACQUITY UPLC BEH Amide</a:t>
+            </a:r>
+            <a:br/>
+            <a:r>
+              <a:t>    USP Code: column.usp.code_L68  |  Longitud: 100.0 mm</a:t>
             </a:r>
             <a:br/>
             <a:r>
@@ -9388,7 +9614,7 @@
             </a:r>
             <a:br/>
             <a:r>
-              <a:t>    Flujo: 0.4 mL/min  |  T0: 0.55125 min</a:t>
+              <a:t>    Flujo: 0.5 mL/min  |  T0: 0.4571959788769226 min</a:t>
             </a:r>
             <a:br/>
             <a:r>
@@ -9434,18 +9660,20 @@
         </p:nvSpPr>
         <p:spPr/>
         <p:txBody>
-          <a:bodyPr/>
-          <a:lstStyle/>
-          <a:p>
-            <a:r>
-              <a:t>Phenylpropanoic acids (CHEMONTID:0002551): 0.7021377139654205, n_datos: 2</a:t>
+          <a:bodyPr>
+            <a:normAutofit fontScale="90000"/>
+          </a:bodyPr>
+          <a:lstStyle/>
+          <a:p>
+            <a:r>
+              <a:t>Phenylpropanoic acids (CHEMONTID:0002551): 0.7534303228643325, n_datos: 2</a:t>
             </a:r>
           </a:p>
         </p:txBody>
       </p:sp>
       <p:pic>
         <p:nvPicPr>
-          <p:cNvPr id="3" name="Picture 2" descr="diff_grafica_Phenylpropanoic acids _CHEMONTID_0002551__141.png"/>
+          <p:cNvPr id="3" name="Picture 2" descr="diff_grafica_Phenylpropanoic acids _CHEMONTID_0002551__140.png"/>
           <p:cNvPicPr>
             <a:picLocks noChangeAspect="1"/>
           </p:cNvPicPr>
@@ -9502,7 +9730,7 @@
           <a:p>
             <a:br/>
             <a:r>
-              <a:t>    pH1: 3.0  |  pH2: 3.0  |  Columna: Phenomenex Kinetex XB-C18</a:t>
+              <a:t>    pH1: 3.0  |  pH2: 3.0  |  Columna: Merck Supelco Ascentis Express C18</a:t>
             </a:r>
             <a:br/>
             <a:r>
@@ -9510,11 +9738,11 @@
             </a:r>
             <a:br/>
             <a:r>
-              <a:t>    Tamaño Partícula: 1.7 µm  |  Temp: 40.0°C</a:t>
-            </a:r>
-            <a:br/>
-            <a:r>
-              <a:t>    Flujo: 0.4 mL/min  |  T0: 0.55125 min</a:t>
+              <a:t>    Tamaño Partícula: 2.0 µm  |  Temp: 40.0°C</a:t>
+            </a:r>
+            <a:br/>
+            <a:r>
+              <a:t>    Flujo: 0.2 mL/min  |  T0: 1.1025 min</a:t>
             </a:r>
             <a:br/>
             <a:r>
@@ -9560,18 +9788,20 @@
         </p:nvSpPr>
         <p:spPr/>
         <p:txBody>
-          <a:bodyPr/>
-          <a:lstStyle/>
-          <a:p>
-            <a:r>
-              <a:t>Phenylpropanoic acids (CHEMONTID:0002551): 0.6991563018242122, n_datos: 2</a:t>
+          <a:bodyPr>
+            <a:normAutofit fontScale="90000"/>
+          </a:bodyPr>
+          <a:lstStyle/>
+          <a:p>
+            <a:r>
+              <a:t>Phenylpropanoic acids (CHEMONTID:0002551): 0.7347829998630914, n_datos: 2</a:t>
             </a:r>
           </a:p>
         </p:txBody>
       </p:sp>
       <p:pic>
         <p:nvPicPr>
-          <p:cNvPr id="3" name="Picture 2" descr="diff_grafica_Phenylpropanoic acids _CHEMONTID_0002551__143.png"/>
+          <p:cNvPr id="3" name="Picture 2" descr="diff_grafica_Phenylpropanoic acids _CHEMONTID_0002551__141.png"/>
           <p:cNvPicPr>
             <a:picLocks noChangeAspect="1"/>
           </p:cNvPicPr>
@@ -9628,19 +9858,19 @@
           <a:p>
             <a:br/>
             <a:r>
-              <a:t>    pH1: 0.0  |  pH2: 3.0  |  Columna: Merck SeQuant ZIC-HILIC</a:t>
-            </a:r>
-            <a:br/>
-            <a:r>
-              <a:t>    USP Code: column.usp.code_L114  |  Longitud: 145.45454545454547 mm</a:t>
-            </a:r>
-            <a:br/>
-            <a:r>
-              <a:t>    Tamaño Partícula: 4.863636363636363 µm  |  Temp: 25.0°C</a:t>
-            </a:r>
-            <a:br/>
-            <a:r>
-              <a:t>    Flujo: 0.25 mL/min  |  T0: 1.3300246658237755 min</a:t>
+              <a:t>    pH1: 3.0  |  pH2: 3.0  |  Columna: Waters ACQUITY UPLC BEH C18</a:t>
+            </a:r>
+            <a:br/>
+            <a:r>
+              <a:t>    USP Code: column.usp.code_L1  |  Longitud: 100.0 mm</a:t>
+            </a:r>
+            <a:br/>
+            <a:r>
+              <a:t>    Tamaño Partícula: 1.7 µm  |  Temp: 40.0°C</a:t>
+            </a:r>
+            <a:br/>
+            <a:r>
+              <a:t>    Flujo: 0.4 mL/min  |  T0: 0.55125 min</a:t>
             </a:r>
             <a:br/>
             <a:r>
@@ -9686,11 +9916,13 @@
         </p:nvSpPr>
         <p:spPr/>
         <p:txBody>
-          <a:bodyPr/>
-          <a:lstStyle/>
-          <a:p>
-            <a:r>
-              <a:t>Phenylpropanoic acids (CHEMONTID:0002551): 0.6928877874156684, n_datos: 2</a:t>
+          <a:bodyPr>
+            <a:normAutofit fontScale="90000"/>
+          </a:bodyPr>
+          <a:lstStyle/>
+          <a:p>
+            <a:r>
+              <a:t>Phenylpropanoic acids (CHEMONTID:0002551): 0.7021377139654205, n_datos: 2</a:t>
             </a:r>
           </a:p>
         </p:txBody>
@@ -9754,7 +9986,7 @@
           <a:p>
             <a:br/>
             <a:r>
-              <a:t>    pH1: 3.0  |  pH2: 3.0  |  Columna: Waters ACQUITY UPLC BEH C18</a:t>
+              <a:t>    pH1: 3.0  |  pH2: 3.0  |  Columna: Phenomenex Kinetex XB-C18</a:t>
             </a:r>
             <a:br/>
             <a:r>
@@ -9812,18 +10044,20 @@
         </p:nvSpPr>
         <p:spPr/>
         <p:txBody>
-          <a:bodyPr/>
-          <a:lstStyle/>
-          <a:p>
-            <a:r>
-              <a:t>Organic carbonic acids and derivatives (CHEMONTID:0000364): 1.0, n_datos: 1</a:t>
+          <a:bodyPr>
+            <a:normAutofit fontScale="90000"/>
+          </a:bodyPr>
+          <a:lstStyle/>
+          <a:p>
+            <a:r>
+              <a:t>Phenylpropanoic acids (CHEMONTID:0002551): 0.6991563018242122, n_datos: 2</a:t>
             </a:r>
           </a:p>
         </p:txBody>
       </p:sp>
       <p:pic>
         <p:nvPicPr>
-          <p:cNvPr id="3" name="Picture 2" descr="diff_grafica_Organic carbonic acids and derivatives _CHEMONTID_0000364__145.png"/>
+          <p:cNvPr id="3" name="Picture 2" descr="diff_grafica_Phenylpropanoic acids _CHEMONTID_0002551__143.png"/>
           <p:cNvPicPr>
             <a:picLocks noChangeAspect="1"/>
           </p:cNvPicPr>
@@ -9880,19 +10114,19 @@
           <a:p>
             <a:br/>
             <a:r>
-              <a:t>    pH1: 2.6  |  pH2: 0.0  |  Columna: Waters ACQUITY UPLC BEH C18</a:t>
-            </a:r>
-            <a:br/>
-            <a:r>
-              <a:t>    USP Code: column.usp.code_L1  |  Longitud: 50.0 mm</a:t>
-            </a:r>
-            <a:br/>
-            <a:r>
-              <a:t>    Tamaño Partícula: 1.7 µm  |  Temp: 40.0°C</a:t>
-            </a:r>
-            <a:br/>
-            <a:r>
-              <a:t>    Flujo: 0.6 mL/min  |  T0: 0.18375 min</a:t>
+              <a:t>    pH1: 0.0  |  pH2: 3.0  |  Columna: Merck SeQuant ZIC-HILIC</a:t>
+            </a:r>
+            <a:br/>
+            <a:r>
+              <a:t>    USP Code: column.usp.code_L114  |  Longitud: 145.45454545454547 mm</a:t>
+            </a:r>
+            <a:br/>
+            <a:r>
+              <a:t>    Tamaño Partícula: 4.863636363636363 µm  |  Temp: 25.0°C</a:t>
+            </a:r>
+            <a:br/>
+            <a:r>
+              <a:t>    Flujo: 0.25 mL/min  |  T0: 1.3300246658237755 min</a:t>
             </a:r>
             <a:br/>
             <a:r>
@@ -9938,18 +10172,20 @@
         </p:nvSpPr>
         <p:spPr/>
         <p:txBody>
-          <a:bodyPr/>
-          <a:lstStyle/>
-          <a:p>
-            <a:r>
-              <a:t>Organic carbonic acids and derivatives (CHEMONTID:0000364): 0.8527478156518772, n_datos: 4</a:t>
+          <a:bodyPr>
+            <a:normAutofit fontScale="90000"/>
+          </a:bodyPr>
+          <a:lstStyle/>
+          <a:p>
+            <a:r>
+              <a:t>Phenylpropanoic acids (CHEMONTID:0002551): 0.6928877874156684, n_datos: 2</a:t>
             </a:r>
           </a:p>
         </p:txBody>
       </p:sp>
       <p:pic>
         <p:nvPicPr>
-          <p:cNvPr id="3" name="Picture 2" descr="diff_grafica_Organic carbonic acids and derivatives _CHEMONTID_0000364__146.png"/>
+          <p:cNvPr id="3" name="Picture 2" descr="diff_grafica_Phenylpropanoic acids _CHEMONTID_0002551__141.png"/>
           <p:cNvPicPr>
             <a:picLocks noChangeAspect="1"/>
           </p:cNvPicPr>
@@ -10006,7 +10242,7 @@
           <a:p>
             <a:br/>
             <a:r>
-              <a:t>    pH1: 6.2  |  pH2: 6.2  |  Columna: Thermo Scientific Acclaim RSLC 120 C18</a:t>
+              <a:t>    pH1: 3.0  |  pH2: 3.0  |  Columna: Waters ACQUITY UPLC BEH C18</a:t>
             </a:r>
             <a:br/>
             <a:r>
@@ -10014,11 +10250,11 @@
             </a:r>
             <a:br/>
             <a:r>
-              <a:t>    Tamaño Partícula: 2.2 µm  |  Temp: 30.0°C</a:t>
-            </a:r>
-            <a:br/>
-            <a:r>
-              <a:t>    Flujo: 0.2 mL/min  |  T0: 1.1025 min</a:t>
+              <a:t>    Tamaño Partícula: 1.7 µm  |  Temp: 40.0°C</a:t>
+            </a:r>
+            <a:br/>
+            <a:r>
+              <a:t>    Flujo: 0.4 mL/min  |  T0: 0.55125 min</a:t>
             </a:r>
             <a:br/>
             <a:r>
@@ -10064,18 +10300,20 @@
         </p:nvSpPr>
         <p:spPr/>
         <p:txBody>
-          <a:bodyPr/>
-          <a:lstStyle/>
-          <a:p>
-            <a:r>
-              <a:t>Organic carbonic acids and derivatives (CHEMONTID:0000364): 0.8447858625841177, n_datos: 1</a:t>
+          <a:bodyPr>
+            <a:normAutofit fontScale="90000"/>
+          </a:bodyPr>
+          <a:lstStyle/>
+          <a:p>
+            <a:r>
+              <a:t>Organic carbonic acids and derivatives (CHEMONTID:0000364): 1.0, n_datos: 1</a:t>
             </a:r>
           </a:p>
         </p:txBody>
       </p:sp>
       <p:pic>
         <p:nvPicPr>
-          <p:cNvPr id="3" name="Picture 2" descr="diff_grafica_Organic carbonic acids and derivatives _CHEMONTID_0000364__147.png"/>
+          <p:cNvPr id="3" name="Picture 2" descr="diff_grafica_Organic carbonic acids and derivatives _CHEMONTID_0000364__145.png"/>
           <p:cNvPicPr>
             <a:picLocks noChangeAspect="1"/>
           </p:cNvPicPr>
@@ -10132,19 +10370,19 @@
           <a:p>
             <a:br/>
             <a:r>
-              <a:t>    pH1: 3.0  |  pH2: 3.0  |  Columna: Phenomenex Synergi Polar-RP</a:t>
-            </a:r>
-            <a:br/>
-            <a:r>
-              <a:t>    USP Code: column.usp.code_L11  |  Longitud: 100.0 mm</a:t>
-            </a:r>
-            <a:br/>
-            <a:r>
-              <a:t>    Tamaño Partícula: 100.0 µm  |  Temp: 40.0°C</a:t>
-            </a:r>
-            <a:br/>
-            <a:r>
-              <a:t>    Flujo: 0.4 mL/min  |  T0: 0.125 min</a:t>
+              <a:t>    pH1: 2.6  |  pH2: 0.0  |  Columna: Waters ACQUITY UPLC BEH C18</a:t>
+            </a:r>
+            <a:br/>
+            <a:r>
+              <a:t>    USP Code: column.usp.code_L1  |  Longitud: 50.0 mm</a:t>
+            </a:r>
+            <a:br/>
+            <a:r>
+              <a:t>    Tamaño Partícula: 1.7 µm  |  Temp: 40.0°C</a:t>
+            </a:r>
+            <a:br/>
+            <a:r>
+              <a:t>    Flujo: 0.6 mL/min  |  T0: 0.18375 min</a:t>
             </a:r>
             <a:br/>
             <a:r>
@@ -10190,11 +10428,13 @@
         </p:nvSpPr>
         <p:spPr/>
         <p:txBody>
-          <a:bodyPr/>
-          <a:lstStyle/>
-          <a:p>
-            <a:r>
-              <a:t>Organic carbonic acids and derivatives (CHEMONTID:0000364): 0.8156637328659846, n_datos: 1</a:t>
+          <a:bodyPr>
+            <a:normAutofit fontScale="90000"/>
+          </a:bodyPr>
+          <a:lstStyle/>
+          <a:p>
+            <a:r>
+              <a:t>Organic carbonic acids and derivatives (CHEMONTID:0000364): 0.8527478156518772, n_datos: 4</a:t>
             </a:r>
           </a:p>
         </p:txBody>
@@ -10258,7 +10498,7 @@
           <a:p>
             <a:br/>
             <a:r>
-              <a:t>    pH1: 3.61  |  pH2: 3.61  |  Columna: Thermo Scientific Acclaim RSLC 120 C18</a:t>
+              <a:t>    pH1: 6.2  |  pH2: 6.2  |  Columna: Thermo Scientific Acclaim RSLC 120 C18</a:t>
             </a:r>
             <a:br/>
             <a:r>
@@ -10316,7 +10556,9 @@
         </p:nvSpPr>
         <p:spPr/>
         <p:txBody>
-          <a:bodyPr/>
+          <a:bodyPr>
+            <a:normAutofit fontScale="90000"/>
+          </a:bodyPr>
           <a:lstStyle/>
           <a:p>
             <a:r>
@@ -10327,7 +10569,7 @@
       </p:sp>
       <p:pic>
         <p:nvPicPr>
-          <p:cNvPr id="3" name="Picture 2" descr="diff_grafica_Flavin nucleotides _CHEMONTID_0001329__14.png"/>
+          <p:cNvPr id="3" name="Picture 2" descr="diff_grafica_Flavin nucleotides _CHEMONTID_0001329__12.png"/>
           <p:cNvPicPr>
             <a:picLocks noChangeAspect="1"/>
           </p:cNvPicPr>
@@ -10442,18 +10684,20 @@
         </p:nvSpPr>
         <p:spPr/>
         <p:txBody>
-          <a:bodyPr/>
-          <a:lstStyle/>
-          <a:p>
-            <a:r>
-              <a:t>Organic carbonic acids and derivatives (CHEMONTID:0000364): 0.431486512590861, n_datos: 2</a:t>
+          <a:bodyPr>
+            <a:normAutofit fontScale="90000"/>
+          </a:bodyPr>
+          <a:lstStyle/>
+          <a:p>
+            <a:r>
+              <a:t>Organic carbonic acids and derivatives (CHEMONTID:0000364): 0.8447858625841177, n_datos: 1</a:t>
             </a:r>
           </a:p>
         </p:txBody>
       </p:sp>
       <p:pic>
         <p:nvPicPr>
-          <p:cNvPr id="3" name="Picture 2" descr="diff_grafica_Organic carbonic acids and derivatives _CHEMONTID_0000364__149.png"/>
+          <p:cNvPr id="3" name="Picture 2" descr="diff_grafica_Organic carbonic acids and derivatives _CHEMONTID_0000364__147.png"/>
           <p:cNvPicPr>
             <a:picLocks noChangeAspect="1"/>
           </p:cNvPicPr>
@@ -10510,19 +10754,19 @@
           <a:p>
             <a:br/>
             <a:r>
-              <a:t>    pH1: 0.0  |  pH2: 0.0  |  Columna: Waters ACQUITY UPLC BEH C18</a:t>
-            </a:r>
-            <a:br/>
-            <a:r>
-              <a:t>    USP Code: column.usp.code_L1  |  Longitud: 100.0 mm</a:t>
-            </a:r>
-            <a:br/>
-            <a:r>
-              <a:t>    Tamaño Partícula: 1.7 µm  |  Temp: 50.0°C</a:t>
-            </a:r>
-            <a:br/>
-            <a:r>
-              <a:t>    Flujo: 0.3 mL/min  |  T0: 0.1666666666666666 min</a:t>
+              <a:t>    pH1: 3.0  |  pH2: 3.0  |  Columna: Phenomenex Synergi Polar-RP</a:t>
+            </a:r>
+            <a:br/>
+            <a:r>
+              <a:t>    USP Code: column.usp.code_L11  |  Longitud: 100.0 mm</a:t>
+            </a:r>
+            <a:br/>
+            <a:r>
+              <a:t>    Tamaño Partícula: 100.0 µm  |  Temp: 40.0°C</a:t>
+            </a:r>
+            <a:br/>
+            <a:r>
+              <a:t>    Flujo: 0.4 mL/min  |  T0: 0.125 min</a:t>
             </a:r>
             <a:br/>
             <a:r>
@@ -10568,18 +10812,20 @@
         </p:nvSpPr>
         <p:spPr/>
         <p:txBody>
-          <a:bodyPr/>
-          <a:lstStyle/>
-          <a:p>
-            <a:r>
-              <a:t>Organic carbonic acids and derivatives (CHEMONTID:0000364): 0.4089298605235479, n_datos: 1</a:t>
+          <a:bodyPr>
+            <a:normAutofit fontScale="90000"/>
+          </a:bodyPr>
+          <a:lstStyle/>
+          <a:p>
+            <a:r>
+              <a:t>Organic carbonic acids and derivatives (CHEMONTID:0000364): 0.8156637328659846, n_datos: 1</a:t>
             </a:r>
           </a:p>
         </p:txBody>
       </p:sp>
       <p:pic>
         <p:nvPicPr>
-          <p:cNvPr id="3" name="Picture 2" descr="diff_grafica_Organic carbonic acids and derivatives _CHEMONTID_0000364__150.png"/>
+          <p:cNvPr id="3" name="Picture 2" descr="diff_grafica_Organic carbonic acids and derivatives _CHEMONTID_0000364__146.png"/>
           <p:cNvPicPr>
             <a:picLocks noChangeAspect="1"/>
           </p:cNvPicPr>
@@ -10636,7 +10882,7 @@
           <a:p>
             <a:br/>
             <a:r>
-              <a:t>    pH1: 0.0  |  pH2: 0.0  |  Columna: Waters ACQUITY UPLC BEH C18</a:t>
+              <a:t>    pH1: 3.61  |  pH2: 3.61  |  Columna: Thermo Scientific Acclaim RSLC 120 C18</a:t>
             </a:r>
             <a:br/>
             <a:r>
@@ -10644,11 +10890,11 @@
             </a:r>
             <a:br/>
             <a:r>
-              <a:t>    Tamaño Partícula: 1.7 µm  |  Temp: 50.0°C</a:t>
-            </a:r>
-            <a:br/>
-            <a:r>
-              <a:t>    Flujo: 0.3 mL/min  |  T0: 0.1666666666666666 min</a:t>
+              <a:t>    Tamaño Partícula: 2.2 µm  |  Temp: 30.0°C</a:t>
+            </a:r>
+            <a:br/>
+            <a:r>
+              <a:t>    Flujo: 0.2 mL/min  |  T0: 1.1025 min</a:t>
             </a:r>
             <a:br/>
             <a:r>
@@ -10694,18 +10940,20 @@
         </p:nvSpPr>
         <p:spPr/>
         <p:txBody>
-          <a:bodyPr/>
-          <a:lstStyle/>
-          <a:p>
-            <a:r>
-              <a:t>Organic carbonic acids and derivatives (CHEMONTID:0000364): 0.3675803041965889, n_datos: 1</a:t>
+          <a:bodyPr>
+            <a:normAutofit fontScale="90000"/>
+          </a:bodyPr>
+          <a:lstStyle/>
+          <a:p>
+            <a:r>
+              <a:t>Organic carbonic acids and derivatives (CHEMONTID:0000364): 0.431486512590861, n_datos: 2</a:t>
             </a:r>
           </a:p>
         </p:txBody>
       </p:sp>
       <p:pic>
         <p:nvPicPr>
-          <p:cNvPr id="3" name="Picture 2" descr="diff_grafica_Organic carbonic acids and derivatives _CHEMONTID_0000364__151.png"/>
+          <p:cNvPr id="3" name="Picture 2" descr="diff_grafica_Organic carbonic acids and derivatives _CHEMONTID_0000364__149.png"/>
           <p:cNvPicPr>
             <a:picLocks noChangeAspect="1"/>
           </p:cNvPicPr>
@@ -10762,19 +11010,19 @@
           <a:p>
             <a:br/>
             <a:r>
-              <a:t>    pH1: 3.0  |  pH2: 3.0  |  Columna: Thermo Scientific Hypersil GOLD</a:t>
-            </a:r>
-            <a:br/>
-            <a:r>
-              <a:t>    USP Code: column.usp.code_L1  |  Longitud: 150.0 mm</a:t>
-            </a:r>
-            <a:br/>
-            <a:r>
-              <a:t>    Tamaño Partícula: 1.9 µm  |  Temp: 41.66666666666666°C</a:t>
-            </a:r>
-            <a:br/>
-            <a:r>
-              <a:t>    Flujo: 0.5 mL/min  |  T0: 0.6615 min</a:t>
+              <a:t>    pH1: 0.0  |  pH2: 0.0  |  Columna: Waters ACQUITY UPLC BEH C18</a:t>
+            </a:r>
+            <a:br/>
+            <a:r>
+              <a:t>    USP Code: column.usp.code_L1  |  Longitud: 100.0 mm</a:t>
+            </a:r>
+            <a:br/>
+            <a:r>
+              <a:t>    Tamaño Partícula: 1.7 µm  |  Temp: 50.0°C</a:t>
+            </a:r>
+            <a:br/>
+            <a:r>
+              <a:t>    Flujo: 0.3 mL/min  |  T0: 0.1666666666666666 min</a:t>
             </a:r>
             <a:br/>
             <a:r>
@@ -10820,18 +11068,20 @@
         </p:nvSpPr>
         <p:spPr/>
         <p:txBody>
-          <a:bodyPr/>
-          <a:lstStyle/>
-          <a:p>
-            <a:r>
-              <a:t>Organic carbonic acids and derivatives (CHEMONTID:0000364): 0.1602095288102115, n_datos: 1</a:t>
+          <a:bodyPr>
+            <a:normAutofit fontScale="90000"/>
+          </a:bodyPr>
+          <a:lstStyle/>
+          <a:p>
+            <a:r>
+              <a:t>Organic carbonic acids and derivatives (CHEMONTID:0000364): 0.4089298605235479, n_datos: 1</a:t>
             </a:r>
           </a:p>
         </p:txBody>
       </p:sp>
       <p:pic>
         <p:nvPicPr>
-          <p:cNvPr id="3" name="Picture 2" descr="diff_grafica_Organic carbonic acids and derivatives _CHEMONTID_0000364__152.png"/>
+          <p:cNvPr id="3" name="Picture 2" descr="diff_grafica_Organic carbonic acids and derivatives _CHEMONTID_0000364__150.png"/>
           <p:cNvPicPr>
             <a:picLocks noChangeAspect="1"/>
           </p:cNvPicPr>
@@ -10888,7 +11138,7 @@
           <a:p>
             <a:br/>
             <a:r>
-              <a:t>    pH1: 3.0  |  pH2: 3.0  |  Columna: Waters ACQUITY UPLC HSS T3</a:t>
+              <a:t>    pH1: 0.0  |  pH2: 0.0  |  Columna: Waters ACQUITY UPLC BEH C18</a:t>
             </a:r>
             <a:br/>
             <a:r>
@@ -10896,11 +11146,11 @@
             </a:r>
             <a:br/>
             <a:r>
-              <a:t>    Tamaño Partícula: 1.8 µm  |  Temp: 38.75°C</a:t>
-            </a:r>
-            <a:br/>
-            <a:r>
-              <a:t>    Flujo: 0.3 mL/min  |  T0: 0.735 min</a:t>
+              <a:t>    Tamaño Partícula: 1.7 µm  |  Temp: 50.0°C</a:t>
+            </a:r>
+            <a:br/>
+            <a:r>
+              <a:t>    Flujo: 0.3 mL/min  |  T0: 0.1666666666666666 min</a:t>
             </a:r>
             <a:br/>
             <a:r>
@@ -10946,18 +11196,20 @@
         </p:nvSpPr>
         <p:spPr/>
         <p:txBody>
-          <a:bodyPr/>
-          <a:lstStyle/>
-          <a:p>
-            <a:r>
-              <a:t>Organic carbonic acids and derivatives (CHEMONTID:0000364): 0.1387622912775012, n_datos: 1</a:t>
+          <a:bodyPr>
+            <a:normAutofit fontScale="90000"/>
+          </a:bodyPr>
+          <a:lstStyle/>
+          <a:p>
+            <a:r>
+              <a:t>Organic carbonic acids and derivatives (CHEMONTID:0000364): 0.3675803041965889, n_datos: 1</a:t>
             </a:r>
           </a:p>
         </p:txBody>
       </p:sp>
       <p:pic>
         <p:nvPicPr>
-          <p:cNvPr id="3" name="Picture 2" descr="diff_grafica_Organic carbonic acids and derivatives _CHEMONTID_0000364__153.png"/>
+          <p:cNvPr id="3" name="Picture 2" descr="diff_grafica_Organic carbonic acids and derivatives _CHEMONTID_0000364__151.png"/>
           <p:cNvPicPr>
             <a:picLocks noChangeAspect="1"/>
           </p:cNvPicPr>
@@ -11014,19 +11266,19 @@
           <a:p>
             <a:br/>
             <a:r>
-              <a:t>    pH1: 3.0  |  pH2: 3.0  |  Columna: Restek Raptor Biphenyl</a:t>
-            </a:r>
-            <a:br/>
-            <a:r>
-              <a:t>    USP Code: column.usp.code_L11  |  Longitud: 100.0 mm</a:t>
-            </a:r>
-            <a:br/>
-            <a:r>
-              <a:t>    Tamaño Partícula: 2.7 µm  |  Temp: 40.0°C</a:t>
-            </a:r>
-            <a:br/>
-            <a:r>
-              <a:t>    Flujo: 0.4 mL/min  |  T0: 0.55125 min</a:t>
+              <a:t>    pH1: 3.0  |  pH2: 3.0  |  Columna: Thermo Scientific Hypersil GOLD</a:t>
+            </a:r>
+            <a:br/>
+            <a:r>
+              <a:t>    USP Code: column.usp.code_L1  |  Longitud: 150.0 mm</a:t>
+            </a:r>
+            <a:br/>
+            <a:r>
+              <a:t>    Tamaño Partícula: 1.9 µm  |  Temp: 41.66666666666666°C</a:t>
+            </a:r>
+            <a:br/>
+            <a:r>
+              <a:t>    Flujo: 0.5 mL/min  |  T0: 0.6615 min</a:t>
             </a:r>
             <a:br/>
             <a:r>
@@ -11072,18 +11324,20 @@
         </p:nvSpPr>
         <p:spPr/>
         <p:txBody>
-          <a:bodyPr/>
-          <a:lstStyle/>
-          <a:p>
-            <a:r>
-              <a:t>Organic carbonic acids and derivatives (CHEMONTID:0000364): 0.1273138418601521, n_datos: 1</a:t>
+          <a:bodyPr>
+            <a:normAutofit fontScale="90000"/>
+          </a:bodyPr>
+          <a:lstStyle/>
+          <a:p>
+            <a:r>
+              <a:t>Organic carbonic acids and derivatives (CHEMONTID:0000364): 0.1602095288102115, n_datos: 1</a:t>
             </a:r>
           </a:p>
         </p:txBody>
       </p:sp>
       <p:pic>
         <p:nvPicPr>
-          <p:cNvPr id="3" name="Picture 2" descr="diff_grafica_Organic carbonic acids and derivatives _CHEMONTID_0000364__153.png"/>
+          <p:cNvPr id="3" name="Picture 2" descr="diff_grafica_Organic carbonic acids and derivatives _CHEMONTID_0000364__152.png"/>
           <p:cNvPicPr>
             <a:picLocks noChangeAspect="1"/>
           </p:cNvPicPr>
@@ -11140,19 +11394,19 @@
           <a:p>
             <a:br/>
             <a:r>
-              <a:t>    pH1: 3.0  |  pH2: 3.0  |  Columna: Restek Raptor Biphenyl</a:t>
-            </a:r>
-            <a:br/>
-            <a:r>
-              <a:t>    USP Code: column.usp.code_L11  |  Longitud: 100.0 mm</a:t>
-            </a:r>
-            <a:br/>
-            <a:r>
-              <a:t>    Tamaño Partícula: 2.7 µm  |  Temp: 50.0°C</a:t>
-            </a:r>
-            <a:br/>
-            <a:r>
-              <a:t>    Flujo: 0.4 mL/min  |  T0: 0.55125 min</a:t>
+              <a:t>    pH1: 3.0  |  pH2: 3.0  |  Columna: Waters ACQUITY UPLC HSS T3</a:t>
+            </a:r>
+            <a:br/>
+            <a:r>
+              <a:t>    USP Code: column.usp.code_L1  |  Longitud: 100.0 mm</a:t>
+            </a:r>
+            <a:br/>
+            <a:r>
+              <a:t>    Tamaño Partícula: 1.8 µm  |  Temp: 38.75°C</a:t>
+            </a:r>
+            <a:br/>
+            <a:r>
+              <a:t>    Flujo: 0.3 mL/min  |  T0: 0.735 min</a:t>
             </a:r>
             <a:br/>
             <a:r>
@@ -11198,18 +11452,20 @@
         </p:nvSpPr>
         <p:spPr/>
         <p:txBody>
-          <a:bodyPr/>
-          <a:lstStyle/>
-          <a:p>
-            <a:r>
-              <a:t>Carboxylic acids and derivatives (CHEMONTID:0000265): 1.0, n_datos: 9</a:t>
+          <a:bodyPr>
+            <a:normAutofit fontScale="90000"/>
+          </a:bodyPr>
+          <a:lstStyle/>
+          <a:p>
+            <a:r>
+              <a:t>Organic carbonic acids and derivatives (CHEMONTID:0000364): 0.1387622912775012, n_datos: 1</a:t>
             </a:r>
           </a:p>
         </p:txBody>
       </p:sp>
       <p:pic>
         <p:nvPicPr>
-          <p:cNvPr id="3" name="Picture 2" descr="diff_grafica_Carboxylic acids and derivatives _CHEMONTID_0000265__155.png"/>
+          <p:cNvPr id="3" name="Picture 2" descr="diff_grafica_Organic carbonic acids and derivatives _CHEMONTID_0000364__153.png"/>
           <p:cNvPicPr>
             <a:picLocks noChangeAspect="1"/>
           </p:cNvPicPr>
@@ -11266,19 +11522,19 @@
           <a:p>
             <a:br/>
             <a:r>
-              <a:t>    pH1: 2.0  |  pH2: 2.0  |  Columna: Phenomenex Kinetex PFP</a:t>
-            </a:r>
-            <a:br/>
-            <a:r>
-              <a:t>    USP Code: column.usp.code_L43  |  Longitud: 100.0 mm</a:t>
-            </a:r>
-            <a:br/>
-            <a:r>
-              <a:t>    Tamaño Partícula: 2.6 µm  |  Temp: 35.0°C</a:t>
-            </a:r>
-            <a:br/>
-            <a:r>
-              <a:t>    Flujo: 1.5 mL/min  |  T0: 0.705333333 min</a:t>
+              <a:t>    pH1: 3.0  |  pH2: 3.0  |  Columna: Restek Raptor Biphenyl</a:t>
+            </a:r>
+            <a:br/>
+            <a:r>
+              <a:t>    USP Code: column.usp.code_L11  |  Longitud: 100.0 mm</a:t>
+            </a:r>
+            <a:br/>
+            <a:r>
+              <a:t>    Tamaño Partícula: 2.7 µm  |  Temp: 40.0°C</a:t>
+            </a:r>
+            <a:br/>
+            <a:r>
+              <a:t>    Flujo: 0.4 mL/min  |  T0: 0.55125 min</a:t>
             </a:r>
             <a:br/>
             <a:r>
@@ -11324,18 +11580,20 @@
         </p:nvSpPr>
         <p:spPr/>
         <p:txBody>
-          <a:bodyPr/>
-          <a:lstStyle/>
-          <a:p>
-            <a:r>
-              <a:t>Carboxylic acids and derivatives (CHEMONTID:0000265): 0.7751032505326044, n_datos: 2</a:t>
+          <a:bodyPr>
+            <a:normAutofit fontScale="90000"/>
+          </a:bodyPr>
+          <a:lstStyle/>
+          <a:p>
+            <a:r>
+              <a:t>Organic carbonic acids and derivatives (CHEMONTID:0000364): 0.1273138418601521, n_datos: 1</a:t>
             </a:r>
           </a:p>
         </p:txBody>
       </p:sp>
       <p:pic>
         <p:nvPicPr>
-          <p:cNvPr id="3" name="Picture 2" descr="diff_grafica_Carboxylic acids and derivatives _CHEMONTID_0000265__156.png"/>
+          <p:cNvPr id="3" name="Picture 2" descr="diff_grafica_Organic carbonic acids and derivatives _CHEMONTID_0000364__153.png"/>
           <p:cNvPicPr>
             <a:picLocks noChangeAspect="1"/>
           </p:cNvPicPr>
@@ -11392,19 +11650,19 @@
           <a:p>
             <a:br/>
             <a:r>
-              <a:t>    pH1: 3.0  |  pH2: 0.0  |  Columna: Phenomenex Kinetex PS C18</a:t>
-            </a:r>
-            <a:br/>
-            <a:r>
-              <a:t>    USP Code: column.usp.code_L1  |  Longitud: 150.0 mm</a:t>
-            </a:r>
-            <a:br/>
-            <a:r>
-              <a:t>    Tamaño Partícula: 2.6 µm  |  Temp: 40.0°C</a:t>
-            </a:r>
-            <a:br/>
-            <a:r>
-              <a:t>    Flujo: 0.35 mL/min  |  T0: 1.9285714285714288 min</a:t>
+              <a:t>    pH1: 3.0  |  pH2: 3.0  |  Columna: Restek Raptor Biphenyl</a:t>
+            </a:r>
+            <a:br/>
+            <a:r>
+              <a:t>    USP Code: column.usp.code_L11  |  Longitud: 100.0 mm</a:t>
+            </a:r>
+            <a:br/>
+            <a:r>
+              <a:t>    Tamaño Partícula: 2.7 µm  |  Temp: 50.0°C</a:t>
+            </a:r>
+            <a:br/>
+            <a:r>
+              <a:t>    Flujo: 0.4 mL/min  |  T0: 0.55125 min</a:t>
             </a:r>
             <a:br/>
             <a:r>
@@ -11450,18 +11708,20 @@
         </p:nvSpPr>
         <p:spPr/>
         <p:txBody>
-          <a:bodyPr/>
-          <a:lstStyle/>
-          <a:p>
-            <a:r>
-              <a:t>Carboxylic acids and derivatives (CHEMONTID:0000265): 0.7332096533260979, n_datos: 1</a:t>
+          <a:bodyPr>
+            <a:normAutofit fontScale="90000"/>
+          </a:bodyPr>
+          <a:lstStyle/>
+          <a:p>
+            <a:r>
+              <a:t>Carboxylic acids and derivatives (CHEMONTID:0000265): 1.0, n_datos: 9</a:t>
             </a:r>
           </a:p>
         </p:txBody>
       </p:sp>
       <p:pic>
         <p:nvPicPr>
-          <p:cNvPr id="3" name="Picture 2" descr="diff_grafica_Carboxylic acids and derivatives _CHEMONTID_0000265__156.png"/>
+          <p:cNvPr id="3" name="Picture 2" descr="diff_grafica_Carboxylic acids and derivatives _CHEMONTID_0000265__155.png"/>
           <p:cNvPicPr>
             <a:picLocks noChangeAspect="1"/>
           </p:cNvPicPr>
@@ -11518,19 +11778,19 @@
           <a:p>
             <a:br/>
             <a:r>
-              <a:t>    pH1: 5.0  |  pH2: 0.0  |  Columna: Phenomenex Kinetex EVO C18</a:t>
-            </a:r>
-            <a:br/>
-            <a:r>
-              <a:t>    USP Code: column.usp.code_L1  |  Longitud: 150.0 mm</a:t>
-            </a:r>
-            <a:br/>
-            <a:r>
-              <a:t>    Tamaño Partícula: 2.6 µm  |  Temp: 40.0°C</a:t>
-            </a:r>
-            <a:br/>
-            <a:r>
-              <a:t>    Flujo: 0.35 mL/min  |  T0: 1.9285714285714288 min</a:t>
+              <a:t>    pH1: 2.0  |  pH2: 2.0  |  Columna: Phenomenex Kinetex PFP</a:t>
+            </a:r>
+            <a:br/>
+            <a:r>
+              <a:t>    USP Code: column.usp.code_L43  |  Longitud: 100.0 mm</a:t>
+            </a:r>
+            <a:br/>
+            <a:r>
+              <a:t>    Tamaño Partícula: 2.6 µm  |  Temp: 35.0°C</a:t>
+            </a:r>
+            <a:br/>
+            <a:r>
+              <a:t>    Flujo: 1.5 mL/min  |  T0: 0.705333333 min</a:t>
             </a:r>
             <a:br/>
             <a:r>
@@ -11576,18 +11836,20 @@
         </p:nvSpPr>
         <p:spPr/>
         <p:txBody>
-          <a:bodyPr/>
-          <a:lstStyle/>
-          <a:p>
-            <a:r>
-              <a:t>Carboxylic acids and derivatives (CHEMONTID:0000265): 0.7255173912247745, n_datos: 2</a:t>
+          <a:bodyPr>
+            <a:normAutofit fontScale="90000"/>
+          </a:bodyPr>
+          <a:lstStyle/>
+          <a:p>
+            <a:r>
+              <a:t>Carboxylic acids and derivatives (CHEMONTID:0000265): 0.7751032505326044, n_datos: 2</a:t>
             </a:r>
           </a:p>
         </p:txBody>
       </p:sp>
       <p:pic>
         <p:nvPicPr>
-          <p:cNvPr id="3" name="Picture 2" descr="diff_grafica_Carboxylic acids and derivatives _CHEMONTID_0000265__158.png"/>
+          <p:cNvPr id="3" name="Picture 2" descr="diff_grafica_Carboxylic acids and derivatives _CHEMONTID_0000265__156.png"/>
           <p:cNvPicPr>
             <a:picLocks noChangeAspect="1"/>
           </p:cNvPicPr>
@@ -11644,7 +11906,7 @@
           <a:p>
             <a:br/>
             <a:r>
-              <a:t>    pH1: 2.0  |  pH2: 0.0  |  Columna: Phenomenex Kinetex PS C18</a:t>
+              <a:t>    pH1: 3.0  |  pH2: 0.0  |  Columna: Phenomenex Kinetex PS C18</a:t>
             </a:r>
             <a:br/>
             <a:r>
@@ -11702,7 +11964,9 @@
         </p:nvSpPr>
         <p:spPr/>
         <p:txBody>
-          <a:bodyPr/>
+          <a:bodyPr>
+            <a:normAutofit fontScale="90000"/>
+          </a:bodyPr>
           <a:lstStyle/>
           <a:p>
             <a:r>
@@ -11713,7 +11977,7 @@
       </p:sp>
       <p:pic>
         <p:nvPicPr>
-          <p:cNvPr id="3" name="Picture 2" descr="diff_grafica_Flavin nucleotides _CHEMONTID_0001329__15.png"/>
+          <p:cNvPr id="3" name="Picture 2" descr="diff_grafica_Flavin nucleotides _CHEMONTID_0001329__13.png"/>
           <p:cNvPicPr>
             <a:picLocks noChangeAspect="1"/>
           </p:cNvPicPr>
@@ -11770,7 +12034,135 @@
           <a:p>
             <a:br/>
             <a:r>
-              <a:t>    pH1: 3.0  |  pH2: 3.0  |  Columna: Phenomenex Kinetex C18</a:t>
+              <a:t>    pH1: 3.0  |  pH2: 3.0  |  Columna: Waters CORTECS T3</a:t>
+            </a:r>
+            <a:br/>
+            <a:r>
+              <a:t>    USP Code: column.usp.code_L1  |  Longitud: 100.0 mm</a:t>
+            </a:r>
+            <a:br/>
+            <a:r>
+              <a:t>    Tamaño Partícula: 2.7 µm  |  Temp: 40.0°C</a:t>
+            </a:r>
+            <a:br/>
+            <a:r>
+              <a:t>    Flujo: 0.3 mL/min  |  T0: 0.735 min</a:t>
+            </a:r>
+            <a:br/>
+            <a:r>
+              <a:t>    </a:t>
+            </a:r>
+          </a:p>
+        </p:txBody>
+      </p:sp>
+    </p:spTree>
+  </p:cSld>
+  <p:clrMapOvr>
+    <a:masterClrMapping/>
+  </p:clrMapOvr>
+</p:sld>
+</file>
+
+<file path=ppt/slides/slide160.xml><?xml version="1.0" encoding="utf-8"?>
+<p:sld xmlns:a="http://schemas.openxmlformats.org/drawingml/2006/main" xmlns:r="http://schemas.openxmlformats.org/officeDocument/2006/relationships" xmlns:p="http://schemas.openxmlformats.org/presentationml/2006/main">
+  <p:cSld>
+    <p:spTree>
+      <p:nvGrpSpPr>
+        <p:cNvPr id="1" name=""/>
+        <p:cNvGrpSpPr/>
+        <p:nvPr/>
+      </p:nvGrpSpPr>
+      <p:grpSpPr>
+        <a:xfrm>
+          <a:off x="0" y="0"/>
+          <a:ext cx="0" cy="0"/>
+          <a:chOff x="0" y="0"/>
+          <a:chExt cx="0" cy="0"/>
+        </a:xfrm>
+      </p:grpSpPr>
+      <p:sp>
+        <p:nvSpPr>
+          <p:cNvPr id="2" name="Title 1"/>
+          <p:cNvSpPr>
+            <a:spLocks noGrp="1"/>
+          </p:cNvSpPr>
+          <p:nvPr>
+            <p:ph type="title"/>
+          </p:nvPr>
+        </p:nvSpPr>
+        <p:spPr/>
+        <p:txBody>
+          <a:bodyPr>
+            <a:normAutofit fontScale="90000"/>
+          </a:bodyPr>
+          <a:lstStyle/>
+          <a:p>
+            <a:r>
+              <a:t>Carboxylic acids and derivatives (CHEMONTID:0000265): 0.7332096533260979, n_datos: 1</a:t>
+            </a:r>
+          </a:p>
+        </p:txBody>
+      </p:sp>
+      <p:pic>
+        <p:nvPicPr>
+          <p:cNvPr id="3" name="Picture 2" descr="diff_grafica_Carboxylic acids and derivatives _CHEMONTID_0000265__156.png"/>
+          <p:cNvPicPr>
+            <a:picLocks noChangeAspect="1"/>
+          </p:cNvPicPr>
+          <p:nvPr/>
+        </p:nvPicPr>
+        <p:blipFill>
+          <a:blip r:embed="rId2"/>
+          <a:stretch>
+            <a:fillRect/>
+          </a:stretch>
+        </p:blipFill>
+        <p:spPr>
+          <a:xfrm>
+            <a:off x="914400" y="1371600"/>
+            <a:ext cx="5486400" cy="3657600"/>
+          </a:xfrm>
+          <a:prstGeom prst="rect">
+            <a:avLst/>
+          </a:prstGeom>
+        </p:spPr>
+      </p:pic>
+      <p:sp>
+        <p:nvSpPr>
+          <p:cNvPr id="4" name="TextBox 3"/>
+          <p:cNvSpPr txBox="1"/>
+          <p:nvPr/>
+        </p:nvSpPr>
+        <p:spPr>
+          <a:xfrm>
+            <a:off x="914400" y="5303520"/>
+            <a:ext cx="5486400" cy="1371600"/>
+          </a:xfrm>
+          <a:prstGeom prst="rect">
+            <a:avLst/>
+          </a:prstGeom>
+          <a:noFill/>
+        </p:spPr>
+        <p:txBody>
+          <a:bodyPr wrap="none">
+            <a:spAutoFit/>
+          </a:bodyPr>
+          <a:lstStyle/>
+          <a:p>
+            <a:endParaRPr/>
+          </a:p>
+          <a:p>
+            <a:pPr>
+              <a:defRPr sz="1400" b="1"/>
+            </a:pPr>
+            <a:r>
+              <a:t>Configuración Columna:</a:t>
+            </a:r>
+          </a:p>
+          <a:p>
+            <a:br/>
+            <a:r>
+              <a:t>    pH1: 5.0  |  pH2: 0.0  |  Columna: Phenomenex Kinetex EVO C18</a:t>
             </a:r>
             <a:br/>
             <a:r>
@@ -11778,11 +12170,139 @@
             </a:r>
             <a:br/>
             <a:r>
-              <a:t>    Tamaño Partícula: 1.7 µm  |  Temp: 30.0°C</a:t>
-            </a:r>
-            <a:br/>
-            <a:r>
-              <a:t>    Flujo: 0.3 mL/min  |  T0: 1.1025 min</a:t>
+              <a:t>    Tamaño Partícula: 2.6 µm  |  Temp: 40.0°C</a:t>
+            </a:r>
+            <a:br/>
+            <a:r>
+              <a:t>    Flujo: 0.35 mL/min  |  T0: 1.9285714285714288 min</a:t>
+            </a:r>
+            <a:br/>
+            <a:r>
+              <a:t>    </a:t>
+            </a:r>
+          </a:p>
+        </p:txBody>
+      </p:sp>
+    </p:spTree>
+  </p:cSld>
+  <p:clrMapOvr>
+    <a:masterClrMapping/>
+  </p:clrMapOvr>
+</p:sld>
+</file>
+
+<file path=ppt/slides/slide161.xml><?xml version="1.0" encoding="utf-8"?>
+<p:sld xmlns:a="http://schemas.openxmlformats.org/drawingml/2006/main" xmlns:r="http://schemas.openxmlformats.org/officeDocument/2006/relationships" xmlns:p="http://schemas.openxmlformats.org/presentationml/2006/main">
+  <p:cSld>
+    <p:spTree>
+      <p:nvGrpSpPr>
+        <p:cNvPr id="1" name=""/>
+        <p:cNvGrpSpPr/>
+        <p:nvPr/>
+      </p:nvGrpSpPr>
+      <p:grpSpPr>
+        <a:xfrm>
+          <a:off x="0" y="0"/>
+          <a:ext cx="0" cy="0"/>
+          <a:chOff x="0" y="0"/>
+          <a:chExt cx="0" cy="0"/>
+        </a:xfrm>
+      </p:grpSpPr>
+      <p:sp>
+        <p:nvSpPr>
+          <p:cNvPr id="2" name="Title 1"/>
+          <p:cNvSpPr>
+            <a:spLocks noGrp="1"/>
+          </p:cNvSpPr>
+          <p:nvPr>
+            <p:ph type="title"/>
+          </p:nvPr>
+        </p:nvSpPr>
+        <p:spPr/>
+        <p:txBody>
+          <a:bodyPr>
+            <a:normAutofit fontScale="90000"/>
+          </a:bodyPr>
+          <a:lstStyle/>
+          <a:p>
+            <a:r>
+              <a:t>Carboxylic acids and derivatives (CHEMONTID:0000265): 0.7255173912247745, n_datos: 2</a:t>
+            </a:r>
+          </a:p>
+        </p:txBody>
+      </p:sp>
+      <p:pic>
+        <p:nvPicPr>
+          <p:cNvPr id="3" name="Picture 2" descr="diff_grafica_Carboxylic acids and derivatives _CHEMONTID_0000265__158.png"/>
+          <p:cNvPicPr>
+            <a:picLocks noChangeAspect="1"/>
+          </p:cNvPicPr>
+          <p:nvPr/>
+        </p:nvPicPr>
+        <p:blipFill>
+          <a:blip r:embed="rId2"/>
+          <a:stretch>
+            <a:fillRect/>
+          </a:stretch>
+        </p:blipFill>
+        <p:spPr>
+          <a:xfrm>
+            <a:off x="914400" y="1371600"/>
+            <a:ext cx="5486400" cy="3657600"/>
+          </a:xfrm>
+          <a:prstGeom prst="rect">
+            <a:avLst/>
+          </a:prstGeom>
+        </p:spPr>
+      </p:pic>
+      <p:sp>
+        <p:nvSpPr>
+          <p:cNvPr id="4" name="TextBox 3"/>
+          <p:cNvSpPr txBox="1"/>
+          <p:nvPr/>
+        </p:nvSpPr>
+        <p:spPr>
+          <a:xfrm>
+            <a:off x="914400" y="5303520"/>
+            <a:ext cx="5486400" cy="1371600"/>
+          </a:xfrm>
+          <a:prstGeom prst="rect">
+            <a:avLst/>
+          </a:prstGeom>
+          <a:noFill/>
+        </p:spPr>
+        <p:txBody>
+          <a:bodyPr wrap="none">
+            <a:spAutoFit/>
+          </a:bodyPr>
+          <a:lstStyle/>
+          <a:p>
+            <a:endParaRPr/>
+          </a:p>
+          <a:p>
+            <a:pPr>
+              <a:defRPr sz="1400" b="1"/>
+            </a:pPr>
+            <a:r>
+              <a:t>Configuración Columna:</a:t>
+            </a:r>
+          </a:p>
+          <a:p>
+            <a:br/>
+            <a:r>
+              <a:t>    pH1: 2.0  |  pH2: 0.0  |  Columna: Phenomenex Kinetex PS C18</a:t>
+            </a:r>
+            <a:br/>
+            <a:r>
+              <a:t>    USP Code: column.usp.code_L1  |  Longitud: 150.0 mm</a:t>
+            </a:r>
+            <a:br/>
+            <a:r>
+              <a:t>    Tamaño Partícula: 2.6 µm  |  Temp: 40.0°C</a:t>
+            </a:r>
+            <a:br/>
+            <a:r>
+              <a:t>    Flujo: 0.35 mL/min  |  T0: 1.9285714285714288 min</a:t>
             </a:r>
             <a:br/>
             <a:r>
@@ -11828,7 +12348,9 @@
         </p:nvSpPr>
         <p:spPr/>
         <p:txBody>
-          <a:bodyPr/>
+          <a:bodyPr>
+            <a:normAutofit fontScale="90000"/>
+          </a:bodyPr>
           <a:lstStyle/>
           <a:p>
             <a:r>
@@ -11839,7 +12361,7 @@
       </p:sp>
       <p:pic>
         <p:nvPicPr>
-          <p:cNvPr id="3" name="Picture 2" descr="diff_grafica_Flavin nucleotides _CHEMONTID_0001329__15.png"/>
+          <p:cNvPr id="3" name="Picture 2" descr="diff_grafica_Flavin nucleotides _CHEMONTID_0001329__14.png"/>
           <p:cNvPicPr>
             <a:picLocks noChangeAspect="1"/>
           </p:cNvPicPr>
@@ -11896,19 +12418,19 @@
           <a:p>
             <a:br/>
             <a:r>
-              <a:t>    pH1: 3.0  |  pH2: 3.0  |  Columna: Phenomenex Kinetex C18</a:t>
-            </a:r>
-            <a:br/>
-            <a:r>
-              <a:t>    USP Code: column.usp.code_L1  |  Longitud: 150.0 mm</a:t>
-            </a:r>
-            <a:br/>
-            <a:r>
-              <a:t>    Tamaño Partícula: 1.7 µm  |  Temp: 30.0°C</a:t>
-            </a:r>
-            <a:br/>
-            <a:r>
-              <a:t>    Flujo: 0.3 mL/min  |  T0: 1.1025 min</a:t>
+              <a:t>    pH1: 3.0  |  pH2: 3.0  |  Columna: Waters CORTECS T3</a:t>
+            </a:r>
+            <a:br/>
+            <a:r>
+              <a:t>    USP Code: column.usp.code_L1  |  Longitud: 100.0 mm</a:t>
+            </a:r>
+            <a:br/>
+            <a:r>
+              <a:t>    Tamaño Partícula: 2.7 µm  |  Temp: 40.0°C</a:t>
+            </a:r>
+            <a:br/>
+            <a:r>
+              <a:t>    Flujo: 0.3 mL/min  |  T0: 0.735 min</a:t>
             </a:r>
             <a:br/>
             <a:r>
@@ -11954,18 +12476,20 @@
         </p:nvSpPr>
         <p:spPr/>
         <p:txBody>
-          <a:bodyPr/>
-          <a:lstStyle/>
-          <a:p>
-            <a:r>
-              <a:t>(5'-&gt;5')-dinucleotides (CHEMONTID:0003468): 1.0, n_datos: 1</a:t>
+          <a:bodyPr>
+            <a:normAutofit fontScale="90000"/>
+          </a:bodyPr>
+          <a:lstStyle/>
+          <a:p>
+            <a:r>
+              <a:t>Flavin nucleotides (CHEMONTID:0001329): 0.0, n_datos: 1</a:t>
             </a:r>
           </a:p>
         </p:txBody>
       </p:sp>
       <p:pic>
         <p:nvPicPr>
-          <p:cNvPr id="3" name="Picture 2" descr="diff_grafica__5_-_5__-dinucleotides _CHEMONTID_0003468__17.png"/>
+          <p:cNvPr id="3" name="Picture 2" descr="diff_grafica_Flavin nucleotides _CHEMONTID_0001329__15.png"/>
           <p:cNvPicPr>
             <a:picLocks noChangeAspect="1"/>
           </p:cNvPicPr>
@@ -12022,19 +12546,19 @@
           <a:p>
             <a:br/>
             <a:r>
-              <a:t>    pH1: 3.0  |  pH2: 3.0  |  Columna: Thermo Scientific Hypersil GOLD</a:t>
-            </a:r>
-            <a:br/>
-            <a:r>
-              <a:t>    USP Code: column.usp.code_L1  |  Longitud: 113.75 mm</a:t>
-            </a:r>
-            <a:br/>
-            <a:r>
-              <a:t>    Tamaño Partícula: 1.9 µm  |  Temp: 40.0°C</a:t>
-            </a:r>
-            <a:br/>
-            <a:r>
-              <a:t>    Flujo: 0.4 mL/min  |  T0: 0.6500755324656243 min</a:t>
+              <a:t>    pH1: 3.0  |  pH2: 3.0  |  Columna: Phenomenex Kinetex C18</a:t>
+            </a:r>
+            <a:br/>
+            <a:r>
+              <a:t>    USP Code: column.usp.code_L1  |  Longitud: 150.0 mm</a:t>
+            </a:r>
+            <a:br/>
+            <a:r>
+              <a:t>    Tamaño Partícula: 1.7 µm  |  Temp: 30.0°C</a:t>
+            </a:r>
+            <a:br/>
+            <a:r>
+              <a:t>    Flujo: 0.3 mL/min  |  T0: 1.1025 min</a:t>
             </a:r>
             <a:br/>
             <a:r>
@@ -12080,18 +12604,20 @@
         </p:nvSpPr>
         <p:spPr/>
         <p:txBody>
-          <a:bodyPr/>
-          <a:lstStyle/>
-          <a:p>
-            <a:r>
-              <a:t>(5'-&gt;5')-dinucleotides (CHEMONTID:0003468): 0.5139012231228017, n_datos: 4</a:t>
+          <a:bodyPr>
+            <a:normAutofit fontScale="90000"/>
+          </a:bodyPr>
+          <a:lstStyle/>
+          <a:p>
+            <a:r>
+              <a:t>Flavin nucleotides (CHEMONTID:0001329): 0.0, n_datos: 1</a:t>
             </a:r>
           </a:p>
         </p:txBody>
       </p:sp>
       <p:pic>
         <p:nvPicPr>
-          <p:cNvPr id="3" name="Picture 2" descr="diff_grafica__5_-_5__-dinucleotides _CHEMONTID_0003468__18.png"/>
+          <p:cNvPr id="3" name="Picture 2" descr="diff_grafica_Flavin nucleotides _CHEMONTID_0001329__15.png"/>
           <p:cNvPicPr>
             <a:picLocks noChangeAspect="1"/>
           </p:cNvPicPr>
@@ -12148,19 +12674,19 @@
           <a:p>
             <a:br/>
             <a:r>
-              <a:t>    pH1: 0.0  |  pH2: 0.0  |  Columna: HILICON iHILIC-(P) Classic, HILIC, PEEK</a:t>
-            </a:r>
-            <a:br/>
-            <a:r>
-              <a:t>    USP Code: column.usp.code_L122  |  Longitud: 50.0 mm</a:t>
-            </a:r>
-            <a:br/>
-            <a:r>
-              <a:t>    Tamaño Partícula: 5.0 µm  |  Temp: 30.0°C</a:t>
-            </a:r>
-            <a:br/>
-            <a:r>
-              <a:t>    Flujo: 0.12 mL/min  |  T0: 0.91875 min</a:t>
+              <a:t>    pH1: 3.0  |  pH2: 3.0  |  Columna: Phenomenex Kinetex C18</a:t>
+            </a:r>
+            <a:br/>
+            <a:r>
+              <a:t>    USP Code: column.usp.code_L1  |  Longitud: 150.0 mm</a:t>
+            </a:r>
+            <a:br/>
+            <a:r>
+              <a:t>    Tamaño Partícula: 1.7 µm  |  Temp: 30.0°C</a:t>
+            </a:r>
+            <a:br/>
+            <a:r>
+              <a:t>    Flujo: 0.3 mL/min  |  T0: 1.1025 min</a:t>
             </a:r>
             <a:br/>
             <a:r>
@@ -12182,7 +12708,13 @@
   <p:cSld>
     <p:spTree>
       <p:nvGrpSpPr>
-        <p:cNvPr id="1" name=""/>
+        <p:cNvPr id="1" name="">
+          <a:extLst>
+            <a:ext uri="{FF2B5EF4-FFF2-40B4-BE49-F238E27FC236}">
+              <a16:creationId xmlns:a16="http://schemas.microsoft.com/office/drawing/2014/main" id="{7757E4B1-643B-FB45-150D-87AA5B0A7DF9}"/>
+            </a:ext>
+          </a:extLst>
+        </p:cNvPr>
         <p:cNvGrpSpPr/>
         <p:nvPr/>
       </p:nvGrpSpPr>
@@ -12196,7 +12728,13 @@
       </p:grpSpPr>
       <p:sp>
         <p:nvSpPr>
-          <p:cNvPr id="2" name="Title 1"/>
+          <p:cNvPr id="2" name="Title 1">
+            <a:extLst>
+              <a:ext uri="{FF2B5EF4-FFF2-40B4-BE49-F238E27FC236}">
+                <a16:creationId xmlns:a16="http://schemas.microsoft.com/office/drawing/2014/main" id="{E6D5C778-F2C9-9D12-5A5A-554B1AAAD640}"/>
+              </a:ext>
+            </a:extLst>
+          </p:cNvPr>
           <p:cNvSpPr>
             <a:spLocks noGrp="1"/>
           </p:cNvSpPr>
@@ -12204,51 +12742,42 @@
             <p:ph type="title"/>
           </p:nvPr>
         </p:nvSpPr>
-        <p:spPr/>
-        <p:txBody>
-          <a:bodyPr/>
-          <a:lstStyle/>
-          <a:p>
-            <a:r>
-              <a:t>Purine nucleotides (CHEMONTID:0001506): 0.986427914549758, n_datos: 1</a:t>
-            </a:r>
-          </a:p>
-        </p:txBody>
-      </p:sp>
-      <p:pic>
-        <p:nvPicPr>
-          <p:cNvPr id="3" name="Picture 2" descr="diff_grafica_Purine nucleotides _CHEMONTID_0001506__0.png"/>
-          <p:cNvPicPr>
-            <a:picLocks noChangeAspect="1"/>
-          </p:cNvPicPr>
-          <p:nvPr/>
-        </p:nvPicPr>
-        <p:blipFill>
-          <a:blip r:embed="rId2"/>
-          <a:stretch>
-            <a:fillRect/>
-          </a:stretch>
-        </p:blipFill>
-        <p:spPr>
-          <a:xfrm>
-            <a:off x="1828800" y="1926772"/>
-            <a:ext cx="5486400" cy="3657600"/>
-          </a:xfrm>
-          <a:prstGeom prst="rect">
-            <a:avLst/>
-          </a:prstGeom>
-        </p:spPr>
-      </p:pic>
-      <p:sp>
-        <p:nvSpPr>
-          <p:cNvPr id="4" name="TextBox 3"/>
+        <p:spPr>
+          <a:xfrm>
+            <a:off x="457200" y="-27215"/>
+            <a:ext cx="8229600" cy="1143000"/>
+          </a:xfrm>
+        </p:spPr>
+        <p:txBody>
+          <a:bodyPr>
+            <a:normAutofit/>
+          </a:bodyPr>
+          <a:lstStyle/>
+          <a:p>
+            <a:r>
+              <a:rPr lang="es-ES" dirty="0"/>
+              <a:t>Estructura de las diapositivas</a:t>
+            </a:r>
+            <a:endParaRPr dirty="0"/>
+          </a:p>
+        </p:txBody>
+      </p:sp>
+      <p:sp>
+        <p:nvSpPr>
+          <p:cNvPr id="4" name="TextBox 3">
+            <a:extLst>
+              <a:ext uri="{FF2B5EF4-FFF2-40B4-BE49-F238E27FC236}">
+                <a16:creationId xmlns:a16="http://schemas.microsoft.com/office/drawing/2014/main" id="{AE926E5F-E57A-D516-4594-601AFEDB5102}"/>
+              </a:ext>
+            </a:extLst>
+          </p:cNvPr>
           <p:cNvSpPr txBox="1"/>
           <p:nvPr/>
         </p:nvSpPr>
         <p:spPr>
           <a:xfrm>
-            <a:off x="914400" y="5303520"/>
-            <a:ext cx="5486400" cy="1371600"/>
+            <a:off x="457200" y="4773385"/>
+            <a:ext cx="5057475" cy="2246769"/>
           </a:xfrm>
           <a:prstGeom prst="rect">
             <a:avLst/>
@@ -12261,41 +12790,346 @@
           </a:bodyPr>
           <a:lstStyle/>
           <a:p>
-            <a:endParaRPr/>
+            <a:endParaRPr dirty="0"/>
           </a:p>
           <a:p>
             <a:pPr>
               <a:defRPr sz="1400" b="1"/>
             </a:pPr>
             <a:r>
-              <a:t>Configuración Columna:</a:t>
-            </a:r>
-          </a:p>
-          <a:p>
-            <a:br/>
-            <a:r>
-              <a:t>    pH1: 3.0  |  pH2: 3.0  |  Columna: Waters CORTECS T3</a:t>
-            </a:r>
-            <a:br/>
-            <a:r>
-              <a:t>    USP Code: column.usp.code_L1  |  Longitud: 100.0 mm</a:t>
-            </a:r>
-            <a:br/>
-            <a:r>
-              <a:t>    Tamaño Partícula: 2.7 µm  |  Temp: 40.0°C</a:t>
-            </a:r>
-            <a:br/>
-            <a:r>
-              <a:t>    Flujo: 0.15 mL/min  |  T0: 1.47 min</a:t>
-            </a:r>
-            <a:br/>
-            <a:r>
+              <a:rPr dirty="0" err="1"/>
+              <a:t>Configuración</a:t>
+            </a:r>
+            <a:r>
+              <a:rPr dirty="0"/>
+              <a:t> Columna:</a:t>
+            </a:r>
+          </a:p>
+          <a:p>
+            <a:br>
+              <a:rPr dirty="0"/>
+            </a:br>
+            <a:r>
+              <a:rPr dirty="0"/>
+              <a:t>    pH1: </a:t>
+            </a:r>
+            <a:r>
+              <a:rPr lang="es-ES" dirty="0"/>
+              <a:t>*</a:t>
+            </a:r>
+            <a:r>
+              <a:rPr dirty="0"/>
+              <a:t>  |  pH2: </a:t>
+            </a:r>
+            <a:r>
+              <a:rPr lang="es-ES" dirty="0"/>
+              <a:t>*</a:t>
+            </a:r>
+            <a:r>
+              <a:rPr dirty="0"/>
+              <a:t>  |  Columna: </a:t>
+            </a:r>
+            <a:r>
+              <a:rPr lang="es-ES" dirty="0"/>
+              <a:t>nombre columna</a:t>
+            </a:r>
+            <a:br>
+              <a:rPr dirty="0"/>
+            </a:br>
+            <a:r>
+              <a:rPr dirty="0"/>
+              <a:t>    USP Code: </a:t>
+            </a:r>
+            <a:r>
+              <a:rPr lang="es-ES" dirty="0" err="1"/>
+              <a:t>código_usp</a:t>
+            </a:r>
+            <a:r>
+              <a:rPr dirty="0"/>
+              <a:t>  |  </a:t>
+            </a:r>
+            <a:r>
+              <a:rPr dirty="0" err="1"/>
+              <a:t>Longitud</a:t>
+            </a:r>
+            <a:r>
+              <a:rPr dirty="0"/>
+              <a:t>: </a:t>
+            </a:r>
+            <a:r>
+              <a:rPr lang="es-ES" dirty="0"/>
+              <a:t>longitud</a:t>
+            </a:r>
+            <a:r>
+              <a:rPr dirty="0"/>
+              <a:t> mm</a:t>
+            </a:r>
+            <a:br>
+              <a:rPr dirty="0"/>
+            </a:br>
+            <a:r>
+              <a:rPr dirty="0"/>
               <a:t>    </a:t>
             </a:r>
+            <a:r>
+              <a:rPr dirty="0" err="1"/>
+              <a:t>Tamaño</a:t>
+            </a:r>
+            <a:r>
+              <a:rPr dirty="0"/>
+              <a:t> </a:t>
+            </a:r>
+            <a:r>
+              <a:rPr dirty="0" err="1"/>
+              <a:t>Partícula</a:t>
+            </a:r>
+            <a:r>
+              <a:rPr dirty="0"/>
+              <a:t>: </a:t>
+            </a:r>
+            <a:r>
+              <a:rPr lang="es-ES" dirty="0"/>
+              <a:t>*</a:t>
+            </a:r>
+            <a:r>
+              <a:rPr dirty="0"/>
+              <a:t> µm  |  Temp: </a:t>
+            </a:r>
+            <a:r>
+              <a:rPr lang="es-ES" dirty="0"/>
+              <a:t>*</a:t>
+            </a:r>
+            <a:r>
+              <a:rPr dirty="0"/>
+              <a:t>°C</a:t>
+            </a:r>
+            <a:br>
+              <a:rPr dirty="0"/>
+            </a:br>
+            <a:r>
+              <a:rPr dirty="0"/>
+              <a:t>    </a:t>
+            </a:r>
+            <a:r>
+              <a:rPr dirty="0" err="1"/>
+              <a:t>Flujo</a:t>
+            </a:r>
+            <a:r>
+              <a:rPr dirty="0"/>
+              <a:t>: </a:t>
+            </a:r>
+            <a:r>
+              <a:rPr lang="es-ES" dirty="0"/>
+              <a:t>*</a:t>
+            </a:r>
+            <a:r>
+              <a:rPr dirty="0"/>
+              <a:t> mL/min  |  T0: </a:t>
+            </a:r>
+            <a:r>
+              <a:rPr lang="es-ES" dirty="0"/>
+              <a:t>*</a:t>
+            </a:r>
+            <a:r>
+              <a:rPr dirty="0"/>
+              <a:t> min</a:t>
+            </a:r>
+            <a:br>
+              <a:rPr dirty="0"/>
+            </a:br>
+            <a:r>
+              <a:rPr dirty="0"/>
+              <a:t>    </a:t>
+            </a:r>
+          </a:p>
+        </p:txBody>
+      </p:sp>
+      <p:sp>
+        <p:nvSpPr>
+          <p:cNvPr id="5" name="Title 1">
+            <a:extLst>
+              <a:ext uri="{FF2B5EF4-FFF2-40B4-BE49-F238E27FC236}">
+                <a16:creationId xmlns:a16="http://schemas.microsoft.com/office/drawing/2014/main" id="{258BC34D-2CFE-F676-1B25-33D0D622CFE1}"/>
+              </a:ext>
+            </a:extLst>
+          </p:cNvPr>
+          <p:cNvSpPr txBox="1">
+            <a:spLocks/>
+          </p:cNvSpPr>
+          <p:nvPr/>
+        </p:nvSpPr>
+        <p:spPr>
+          <a:xfrm>
+            <a:off x="609600" y="887185"/>
+            <a:ext cx="8229600" cy="1143000"/>
+          </a:xfrm>
+          <a:prstGeom prst="rect">
+            <a:avLst/>
+          </a:prstGeom>
+        </p:spPr>
+        <p:txBody>
+          <a:bodyPr vert="horz" lIns="91440" tIns="45720" rIns="91440" bIns="45720" rtlCol="0" anchor="ctr">
+            <a:normAutofit fontScale="90000" lnSpcReduction="20000"/>
+          </a:bodyPr>
+          <a:lstStyle>
+            <a:lvl1pPr algn="ctr" defTabSz="457200" rtl="0" eaLnBrk="1" latinLnBrk="0" hangingPunct="1">
+              <a:spcBef>
+                <a:spcPct val="0"/>
+              </a:spcBef>
+              <a:buNone/>
+              <a:defRPr sz="4400" kern="1200">
+                <a:solidFill>
+                  <a:schemeClr val="tx1"/>
+                </a:solidFill>
+                <a:latin typeface="+mj-lt"/>
+                <a:ea typeface="+mj-ea"/>
+                <a:cs typeface="+mj-cs"/>
+              </a:defRPr>
+            </a:lvl1pPr>
+          </a:lstStyle>
+          <a:p>
+            <a:r>
+              <a:rPr lang="en-US" dirty="0"/>
+              <a:t>Familia: Score, </a:t>
+            </a:r>
+          </a:p>
+          <a:p>
+            <a:r>
+              <a:rPr lang="en-US" dirty="0" err="1"/>
+              <a:t>n_datos</a:t>
+            </a:r>
+            <a:r>
+              <a:rPr lang="en-US" dirty="0"/>
+              <a:t>: </a:t>
+            </a:r>
+            <a:r>
+              <a:rPr lang="en-US" dirty="0" err="1"/>
+              <a:t>número</a:t>
+            </a:r>
+            <a:r>
+              <a:rPr lang="en-US" dirty="0"/>
+              <a:t> de </a:t>
+            </a:r>
+            <a:r>
+              <a:rPr lang="en-US" dirty="0" err="1"/>
+              <a:t>datos</a:t>
+            </a:r>
+            <a:endParaRPr lang="en-US" dirty="0"/>
+          </a:p>
+        </p:txBody>
+      </p:sp>
+      <p:sp>
+        <p:nvSpPr>
+          <p:cNvPr id="6" name="Rectángulo 5">
+            <a:extLst>
+              <a:ext uri="{FF2B5EF4-FFF2-40B4-BE49-F238E27FC236}">
+                <a16:creationId xmlns:a16="http://schemas.microsoft.com/office/drawing/2014/main" id="{7D09B592-E801-BDBF-E610-296B890E94F4}"/>
+              </a:ext>
+            </a:extLst>
+          </p:cNvPr>
+          <p:cNvSpPr/>
+          <p:nvPr/>
+        </p:nvSpPr>
+        <p:spPr>
+          <a:xfrm>
+            <a:off x="2427514" y="2231571"/>
+            <a:ext cx="4517572" cy="2394858"/>
+          </a:xfrm>
+          <a:prstGeom prst="rect">
+            <a:avLst/>
+          </a:prstGeom>
+        </p:spPr>
+        <p:style>
+          <a:lnRef idx="1">
+            <a:schemeClr val="accent1"/>
+          </a:lnRef>
+          <a:fillRef idx="3">
+            <a:schemeClr val="accent1"/>
+          </a:fillRef>
+          <a:effectRef idx="2">
+            <a:schemeClr val="accent1"/>
+          </a:effectRef>
+          <a:fontRef idx="minor">
+            <a:schemeClr val="lt1"/>
+          </a:fontRef>
+        </p:style>
+        <p:txBody>
+          <a:bodyPr rtlCol="0" anchor="ctr"/>
+          <a:lstStyle/>
+          <a:p>
+            <a:pPr algn="ctr"/>
+            <a:endParaRPr lang="es-ES"/>
+          </a:p>
+        </p:txBody>
+      </p:sp>
+      <p:sp>
+        <p:nvSpPr>
+          <p:cNvPr id="7" name="Title 1">
+            <a:extLst>
+              <a:ext uri="{FF2B5EF4-FFF2-40B4-BE49-F238E27FC236}">
+                <a16:creationId xmlns:a16="http://schemas.microsoft.com/office/drawing/2014/main" id="{6CBBBD38-AD64-FBDE-3036-F649C3E4F9C3}"/>
+              </a:ext>
+            </a:extLst>
+          </p:cNvPr>
+          <p:cNvSpPr txBox="1">
+            <a:spLocks/>
+          </p:cNvSpPr>
+          <p:nvPr/>
+        </p:nvSpPr>
+        <p:spPr>
+          <a:xfrm>
+            <a:off x="674913" y="2830285"/>
+            <a:ext cx="8229600" cy="1143000"/>
+          </a:xfrm>
+          <a:prstGeom prst="rect">
+            <a:avLst/>
+          </a:prstGeom>
+        </p:spPr>
+        <p:txBody>
+          <a:bodyPr vert="horz" lIns="91440" tIns="45720" rIns="91440" bIns="45720" rtlCol="0" anchor="ctr">
+            <a:normAutofit fontScale="90000" lnSpcReduction="20000"/>
+          </a:bodyPr>
+          <a:lstStyle>
+            <a:lvl1pPr algn="ctr" defTabSz="457200" rtl="0" eaLnBrk="1" latinLnBrk="0" hangingPunct="1">
+              <a:spcBef>
+                <a:spcPct val="0"/>
+              </a:spcBef>
+              <a:buNone/>
+              <a:defRPr sz="4400" kern="1200">
+                <a:solidFill>
+                  <a:schemeClr val="tx1"/>
+                </a:solidFill>
+                <a:latin typeface="+mj-lt"/>
+                <a:ea typeface="+mj-ea"/>
+                <a:cs typeface="+mj-cs"/>
+              </a:defRPr>
+            </a:lvl1pPr>
+          </a:lstStyle>
+          <a:p>
+            <a:r>
+              <a:rPr lang="en-US" dirty="0" err="1"/>
+              <a:t>Gráfico</a:t>
+            </a:r>
+            <a:r>
+              <a:rPr lang="en-US" dirty="0"/>
+              <a:t> del </a:t>
+            </a:r>
+          </a:p>
+          <a:p>
+            <a:r>
+              <a:rPr lang="en-US" dirty="0" err="1"/>
+              <a:t>gradiente</a:t>
+            </a:r>
+            <a:endParaRPr lang="en-US" dirty="0"/>
           </a:p>
         </p:txBody>
       </p:sp>
     </p:spTree>
+    <p:extLst>
+      <p:ext uri="{BB962C8B-B14F-4D97-AF65-F5344CB8AC3E}">
+        <p14:creationId xmlns:p14="http://schemas.microsoft.com/office/powerpoint/2010/main" val="692043845"/>
+      </p:ext>
+    </p:extLst>
   </p:cSld>
   <p:clrMapOvr>
     <a:masterClrMapping/>
@@ -12332,18 +13166,20 @@
         </p:nvSpPr>
         <p:spPr/>
         <p:txBody>
-          <a:bodyPr/>
-          <a:lstStyle/>
-          <a:p>
-            <a:r>
-              <a:t>(5'-&gt;5')-dinucleotides (CHEMONTID:0003468): 0.5094453628324749, n_datos: 1</a:t>
+          <a:bodyPr>
+            <a:normAutofit fontScale="90000"/>
+          </a:bodyPr>
+          <a:lstStyle/>
+          <a:p>
+            <a:r>
+              <a:t>(5'-&gt;5')-dinucleotides (CHEMONTID:0003468): 1.0, n_datos: 1</a:t>
             </a:r>
           </a:p>
         </p:txBody>
       </p:sp>
       <p:pic>
         <p:nvPicPr>
-          <p:cNvPr id="3" name="Picture 2" descr="diff_grafica__5_-_5__-dinucleotides _CHEMONTID_0003468__18.png"/>
+          <p:cNvPr id="3" name="Picture 2" descr="diff_grafica__5_-_5__-dinucleotides _CHEMONTID_0003468__17.png"/>
           <p:cNvPicPr>
             <a:picLocks noChangeAspect="1"/>
           </p:cNvPicPr>
@@ -12400,19 +13236,19 @@
           <a:p>
             <a:br/>
             <a:r>
-              <a:t>    pH1: 0.0  |  pH2: 0.0  |  Columna: HILICON iHILIC-(P) Classic, HILIC, PEEK</a:t>
-            </a:r>
-            <a:br/>
-            <a:r>
-              <a:t>    USP Code: column.usp.code_L122  |  Longitud: 50.0 mm</a:t>
-            </a:r>
-            <a:br/>
-            <a:r>
-              <a:t>    Tamaño Partícula: 5.0 µm  |  Temp: 45.0°C</a:t>
-            </a:r>
-            <a:br/>
-            <a:r>
-              <a:t>    Flujo: 0.12 mL/min  |  T0: 0.91875 min</a:t>
+              <a:t>    pH1: 3.0  |  pH2: 3.0  |  Columna: Thermo Scientific Hypersil GOLD</a:t>
+            </a:r>
+            <a:br/>
+            <a:r>
+              <a:t>    USP Code: column.usp.code_L1  |  Longitud: 113.75 mm</a:t>
+            </a:r>
+            <a:br/>
+            <a:r>
+              <a:t>    Tamaño Partícula: 1.9 µm  |  Temp: 40.0°C</a:t>
+            </a:r>
+            <a:br/>
+            <a:r>
+              <a:t>    Flujo: 0.4 mL/min  |  T0: 0.6500755324656243 min</a:t>
             </a:r>
             <a:br/>
             <a:r>
@@ -12458,18 +13294,20 @@
         </p:nvSpPr>
         <p:spPr/>
         <p:txBody>
-          <a:bodyPr/>
-          <a:lstStyle/>
-          <a:p>
-            <a:r>
-              <a:t>(5'-&gt;5')-dinucleotides (CHEMONTID:0003468): 0.5076000653861445, n_datos: 1</a:t>
+          <a:bodyPr>
+            <a:normAutofit fontScale="90000"/>
+          </a:bodyPr>
+          <a:lstStyle/>
+          <a:p>
+            <a:r>
+              <a:t>(5'-&gt;5')-dinucleotides (CHEMONTID:0003468): 0.5139012231228017, n_datos: 4</a:t>
             </a:r>
           </a:p>
         </p:txBody>
       </p:sp>
       <p:pic>
         <p:nvPicPr>
-          <p:cNvPr id="3" name="Picture 2" descr="diff_grafica__5_-_5__-dinucleotides _CHEMONTID_0003468__20.png"/>
+          <p:cNvPr id="3" name="Picture 2" descr="diff_grafica__5_-_5__-dinucleotides _CHEMONTID_0003468__18.png"/>
           <p:cNvPicPr>
             <a:picLocks noChangeAspect="1"/>
           </p:cNvPicPr>
@@ -12584,11 +13422,13 @@
         </p:nvSpPr>
         <p:spPr/>
         <p:txBody>
-          <a:bodyPr/>
-          <a:lstStyle/>
-          <a:p>
-            <a:r>
-              <a:t>(5'-&gt;5')-dinucleotides (CHEMONTID:0003468): 0.5060839570897764, n_datos: 4</a:t>
+          <a:bodyPr>
+            <a:normAutofit fontScale="90000"/>
+          </a:bodyPr>
+          <a:lstStyle/>
+          <a:p>
+            <a:r>
+              <a:t>(5'-&gt;5')-dinucleotides (CHEMONTID:0003468): 0.5094453628324749, n_datos: 1</a:t>
             </a:r>
           </a:p>
         </p:txBody>
@@ -12660,7 +13500,7 @@
             </a:r>
             <a:br/>
             <a:r>
-              <a:t>    Tamaño Partícula: 5.0 µm  |  Temp: 30.0°C</a:t>
+              <a:t>    Tamaño Partícula: 5.0 µm  |  Temp: 45.0°C</a:t>
             </a:r>
             <a:br/>
             <a:r>
@@ -12710,18 +13550,20 @@
         </p:nvSpPr>
         <p:spPr/>
         <p:txBody>
-          <a:bodyPr/>
-          <a:lstStyle/>
-          <a:p>
-            <a:r>
-              <a:t>(5'-&gt;5')-dinucleotides (CHEMONTID:0003468): 0.4971777498161612, n_datos: 3</a:t>
+          <a:bodyPr>
+            <a:normAutofit fontScale="90000"/>
+          </a:bodyPr>
+          <a:lstStyle/>
+          <a:p>
+            <a:r>
+              <a:t>(5'-&gt;5')-dinucleotides (CHEMONTID:0003468): 0.5076000653861445, n_datos: 1</a:t>
             </a:r>
           </a:p>
         </p:txBody>
       </p:sp>
       <p:pic>
         <p:nvPicPr>
-          <p:cNvPr id="3" name="Picture 2" descr="diff_grafica__5_-_5__-dinucleotides _CHEMONTID_0003468__22.png"/>
+          <p:cNvPr id="3" name="Picture 2" descr="diff_grafica__5_-_5__-dinucleotides _CHEMONTID_0003468__20.png"/>
           <p:cNvPicPr>
             <a:picLocks noChangeAspect="1"/>
           </p:cNvPicPr>
@@ -12778,19 +13620,19 @@
           <a:p>
             <a:br/>
             <a:r>
-              <a:t>    pH1: 0.0  |  pH2: 0.0  |  Columna: Waters Atlantis Premier BEH Z-HILIC</a:t>
-            </a:r>
-            <a:br/>
-            <a:r>
-              <a:t>    USP Code: column.usp.code_L122  |  Longitud: 100.0 mm</a:t>
-            </a:r>
-            <a:br/>
-            <a:r>
-              <a:t>    Tamaño Partícula: 1.7 µm  |  Temp: 40.0°C</a:t>
-            </a:r>
-            <a:br/>
-            <a:r>
-              <a:t>    Flujo: 0.15 mL/min  |  T0: 1.47 min</a:t>
+              <a:t>    pH1: 0.0  |  pH2: 0.0  |  Columna: HILICON iHILIC-(P) Classic, HILIC, PEEK</a:t>
+            </a:r>
+            <a:br/>
+            <a:r>
+              <a:t>    USP Code: column.usp.code_L122  |  Longitud: 50.0 mm</a:t>
+            </a:r>
+            <a:br/>
+            <a:r>
+              <a:t>    Tamaño Partícula: 5.0 µm  |  Temp: 30.0°C</a:t>
+            </a:r>
+            <a:br/>
+            <a:r>
+              <a:t>    Flujo: 0.12 mL/min  |  T0: 0.91875 min</a:t>
             </a:r>
             <a:br/>
             <a:r>
@@ -12836,18 +13678,20 @@
         </p:nvSpPr>
         <p:spPr/>
         <p:txBody>
-          <a:bodyPr/>
-          <a:lstStyle/>
-          <a:p>
-            <a:r>
-              <a:t>(5'-&gt;5')-dinucleotides (CHEMONTID:0003468): 0.4906280712034398, n_datos: 1</a:t>
+          <a:bodyPr>
+            <a:normAutofit fontScale="90000"/>
+          </a:bodyPr>
+          <a:lstStyle/>
+          <a:p>
+            <a:r>
+              <a:t>(5'-&gt;5')-dinucleotides (CHEMONTID:0003468): 0.5060839570897764, n_datos: 4</a:t>
             </a:r>
           </a:p>
         </p:txBody>
       </p:sp>
       <p:pic>
         <p:nvPicPr>
-          <p:cNvPr id="3" name="Picture 2" descr="diff_grafica__5_-_5__-dinucleotides _CHEMONTID_0003468__20.png"/>
+          <p:cNvPr id="3" name="Picture 2" descr="diff_grafica__5_-_5__-dinucleotides _CHEMONTID_0003468__18.png"/>
           <p:cNvPicPr>
             <a:picLocks noChangeAspect="1"/>
           </p:cNvPicPr>
@@ -12962,18 +13806,20 @@
         </p:nvSpPr>
         <p:spPr/>
         <p:txBody>
-          <a:bodyPr/>
-          <a:lstStyle/>
-          <a:p>
-            <a:r>
-              <a:t>(5'-&gt;5')-dinucleotides (CHEMONTID:0003468): 0.4855437881631964, n_datos: 1</a:t>
+          <a:bodyPr>
+            <a:normAutofit fontScale="90000"/>
+          </a:bodyPr>
+          <a:lstStyle/>
+          <a:p>
+            <a:r>
+              <a:t>(5'-&gt;5')-dinucleotides (CHEMONTID:0003468): 0.4971777498161612, n_datos: 3</a:t>
             </a:r>
           </a:p>
         </p:txBody>
       </p:sp>
       <p:pic>
         <p:nvPicPr>
-          <p:cNvPr id="3" name="Picture 2" descr="diff_grafica__5_-_5__-dinucleotides _CHEMONTID_0003468__18.png"/>
+          <p:cNvPr id="3" name="Picture 2" descr="diff_grafica__5_-_5__-dinucleotides _CHEMONTID_0003468__22.png"/>
           <p:cNvPicPr>
             <a:picLocks noChangeAspect="1"/>
           </p:cNvPicPr>
@@ -13030,19 +13876,19 @@
           <a:p>
             <a:br/>
             <a:r>
-              <a:t>    pH1: 0.0  |  pH2: 0.0  |  Columna: Agilent InfinityLab Poroshell 120 HILIC-Z (Peek-lined)</a:t>
-            </a:r>
-            <a:br/>
-            <a:r>
-              <a:t>    USP Code: column.usp.code_L114  |  Longitud: 50.0 mm</a:t>
-            </a:r>
-            <a:br/>
-            <a:r>
-              <a:t>    Tamaño Partícula: 2.7 µm  |  Temp: 30.0°C</a:t>
-            </a:r>
-            <a:br/>
-            <a:r>
-              <a:t>    Flujo: 0.12 mL/min  |  T0: 0.91875 min</a:t>
+              <a:t>    pH1: 0.0  |  pH2: 0.0  |  Columna: Waters Atlantis Premier BEH Z-HILIC</a:t>
+            </a:r>
+            <a:br/>
+            <a:r>
+              <a:t>    USP Code: column.usp.code_L122  |  Longitud: 100.0 mm</a:t>
+            </a:r>
+            <a:br/>
+            <a:r>
+              <a:t>    Tamaño Partícula: 1.7 µm  |  Temp: 40.0°C</a:t>
+            </a:r>
+            <a:br/>
+            <a:r>
+              <a:t>    Flujo: 0.15 mL/min  |  T0: 1.47 min</a:t>
             </a:r>
             <a:br/>
             <a:r>
@@ -13088,18 +13934,20 @@
         </p:nvSpPr>
         <p:spPr/>
         <p:txBody>
-          <a:bodyPr/>
-          <a:lstStyle/>
-          <a:p>
-            <a:r>
-              <a:t>(5'-&gt;5')-dinucleotides (CHEMONTID:0003468): 0.4712550689684996, n_datos: 1</a:t>
+          <a:bodyPr>
+            <a:normAutofit fontScale="90000"/>
+          </a:bodyPr>
+          <a:lstStyle/>
+          <a:p>
+            <a:r>
+              <a:t>(5'-&gt;5')-dinucleotides (CHEMONTID:0003468): 0.4906280712034398, n_datos: 1</a:t>
             </a:r>
           </a:p>
         </p:txBody>
       </p:sp>
       <p:pic>
         <p:nvPicPr>
-          <p:cNvPr id="3" name="Picture 2" descr="diff_grafica__5_-_5__-dinucleotides _CHEMONTID_0003468__25.png"/>
+          <p:cNvPr id="3" name="Picture 2" descr="diff_grafica__5_-_5__-dinucleotides _CHEMONTID_0003468__20.png"/>
           <p:cNvPicPr>
             <a:picLocks noChangeAspect="1"/>
           </p:cNvPicPr>
@@ -13156,19 +14004,19 @@
           <a:p>
             <a:br/>
             <a:r>
-              <a:t>    pH1: 3.0  |  pH2: 3.0  |  Columna: Waters CORTECS T3</a:t>
-            </a:r>
-            <a:br/>
-            <a:r>
-              <a:t>    USP Code: column.usp.code_L1  |  Longitud: 100.0 mm</a:t>
-            </a:r>
-            <a:br/>
-            <a:r>
-              <a:t>    Tamaño Partícula: 2.7 µm  |  Temp: 40.0°C</a:t>
-            </a:r>
-            <a:br/>
-            <a:r>
-              <a:t>    Flujo: 0.2 mL/min  |  T0: 1.1025 min</a:t>
+              <a:t>    pH1: 0.0  |  pH2: 0.0  |  Columna: HILICON iHILIC-(P) Classic, HILIC, PEEK</a:t>
+            </a:r>
+            <a:br/>
+            <a:r>
+              <a:t>    USP Code: column.usp.code_L122  |  Longitud: 50.0 mm</a:t>
+            </a:r>
+            <a:br/>
+            <a:r>
+              <a:t>    Tamaño Partícula: 5.0 µm  |  Temp: 30.0°C</a:t>
+            </a:r>
+            <a:br/>
+            <a:r>
+              <a:t>    Flujo: 0.12 mL/min  |  T0: 0.91875 min</a:t>
             </a:r>
             <a:br/>
             <a:r>
@@ -13214,18 +14062,20 @@
         </p:nvSpPr>
         <p:spPr/>
         <p:txBody>
-          <a:bodyPr/>
-          <a:lstStyle/>
-          <a:p>
-            <a:r>
-              <a:t>(5'-&gt;5')-dinucleotides (CHEMONTID:0003468): 0.4673782075783495, n_datos: 1</a:t>
+          <a:bodyPr>
+            <a:normAutofit fontScale="90000"/>
+          </a:bodyPr>
+          <a:lstStyle/>
+          <a:p>
+            <a:r>
+              <a:t>(5'-&gt;5')-dinucleotides (CHEMONTID:0003468): 0.4855437881631964, n_datos: 1</a:t>
             </a:r>
           </a:p>
         </p:txBody>
       </p:sp>
       <p:pic>
         <p:nvPicPr>
-          <p:cNvPr id="3" name="Picture 2" descr="diff_grafica__5_-_5__-dinucleotides _CHEMONTID_0003468__26.png"/>
+          <p:cNvPr id="3" name="Picture 2" descr="diff_grafica__5_-_5__-dinucleotides _CHEMONTID_0003468__18.png"/>
           <p:cNvPicPr>
             <a:picLocks noChangeAspect="1"/>
           </p:cNvPicPr>
@@ -13282,19 +14132,19 @@
           <a:p>
             <a:br/>
             <a:r>
-              <a:t>    pH1: 0.0  |  pH2: 0.0  |  Columna: Waters Atlantis Premier BEH Z-HILIC</a:t>
-            </a:r>
-            <a:br/>
-            <a:r>
-              <a:t>    USP Code: column.usp.code_L122  |  Longitud: 100.0 mm</a:t>
-            </a:r>
-            <a:br/>
-            <a:r>
-              <a:t>    Tamaño Partícula: 1.7 µm  |  Temp: 40.0°C</a:t>
-            </a:r>
-            <a:br/>
-            <a:r>
-              <a:t>    Flujo: 0.15 mL/min  |  T0: 1.47 min</a:t>
+              <a:t>    pH1: 0.0  |  pH2: 0.0  |  Columna: Agilent InfinityLab Poroshell 120 HILIC-Z (Peek-lined)</a:t>
+            </a:r>
+            <a:br/>
+            <a:r>
+              <a:t>    USP Code: column.usp.code_L114  |  Longitud: 50.0 mm</a:t>
+            </a:r>
+            <a:br/>
+            <a:r>
+              <a:t>    Tamaño Partícula: 2.7 µm  |  Temp: 30.0°C</a:t>
+            </a:r>
+            <a:br/>
+            <a:r>
+              <a:t>    Flujo: 0.12 mL/min  |  T0: 0.91875 min</a:t>
             </a:r>
             <a:br/>
             <a:r>
@@ -13340,18 +14190,20 @@
         </p:nvSpPr>
         <p:spPr/>
         <p:txBody>
-          <a:bodyPr/>
-          <a:lstStyle/>
-          <a:p>
-            <a:r>
-              <a:t>Pyridine nucleotides (CHEMONTID:0001297): 0.0, n_datos: 1</a:t>
+          <a:bodyPr>
+            <a:normAutofit fontScale="90000"/>
+          </a:bodyPr>
+          <a:lstStyle/>
+          <a:p>
+            <a:r>
+              <a:t>(5'-&gt;5')-dinucleotides (CHEMONTID:0003468): 0.4712550689684996, n_datos: 1</a:t>
             </a:r>
           </a:p>
         </p:txBody>
       </p:sp>
       <p:pic>
         <p:nvPicPr>
-          <p:cNvPr id="3" name="Picture 2" descr="diff_grafica_Pyridine nucleotides _CHEMONTID_0001297__27.png"/>
+          <p:cNvPr id="3" name="Picture 2" descr="diff_grafica__5_-_5__-dinucleotides _CHEMONTID_0003468__25.png"/>
           <p:cNvPicPr>
             <a:picLocks noChangeAspect="1"/>
           </p:cNvPicPr>
@@ -13408,7 +14260,7 @@
           <a:p>
             <a:br/>
             <a:r>
-              <a:t>    pH1: 3.0  |  pH2: 3.0  |  Columna: Waters ACQUITY UPLC HSS T3</a:t>
+              <a:t>    pH1: 3.0  |  pH2: 3.0  |  Columna: Waters CORTECS T3</a:t>
             </a:r>
             <a:br/>
             <a:r>
@@ -13416,11 +14268,11 @@
             </a:r>
             <a:br/>
             <a:r>
-              <a:t>    Tamaño Partícula: 1.8 µm  |  Temp: 30.0°C</a:t>
-            </a:r>
-            <a:br/>
-            <a:r>
-              <a:t>    Flujo: 0.3 mL/min  |  T0: 0.735 min</a:t>
+              <a:t>    Tamaño Partícula: 2.7 µm  |  Temp: 40.0°C</a:t>
+            </a:r>
+            <a:br/>
+            <a:r>
+              <a:t>    Flujo: 0.2 mL/min  |  T0: 1.1025 min</a:t>
             </a:r>
             <a:br/>
             <a:r>
@@ -13466,18 +14318,20 @@
         </p:nvSpPr>
         <p:spPr/>
         <p:txBody>
-          <a:bodyPr/>
-          <a:lstStyle/>
-          <a:p>
-            <a:r>
-              <a:t>Pyridine nucleotides (CHEMONTID:0001297): 0.0, n_datos: 1</a:t>
+          <a:bodyPr>
+            <a:normAutofit fontScale="90000"/>
+          </a:bodyPr>
+          <a:lstStyle/>
+          <a:p>
+            <a:r>
+              <a:t>(5'-&gt;5')-dinucleotides (CHEMONTID:0003468): 0.4673782075783495, n_datos: 1</a:t>
             </a:r>
           </a:p>
         </p:txBody>
       </p:sp>
       <p:pic>
         <p:nvPicPr>
-          <p:cNvPr id="3" name="Picture 2" descr="diff_grafica_Pyridine nucleotides _CHEMONTID_0001297__28.png"/>
+          <p:cNvPr id="3" name="Picture 2" descr="diff_grafica__5_-_5__-dinucleotides _CHEMONTID_0003468__26.png"/>
           <p:cNvPicPr>
             <a:picLocks noChangeAspect="1"/>
           </p:cNvPicPr>
@@ -13534,19 +14388,19 @@
           <a:p>
             <a:br/>
             <a:r>
-              <a:t>    pH1: 0.0  |  pH2: 3.0  |  Columna: Merck SeQuant ZIC-HILIC</a:t>
-            </a:r>
-            <a:br/>
-            <a:r>
-              <a:t>    USP Code: column.usp.code_L114  |  Longitud: 145.45454545454547 mm</a:t>
-            </a:r>
-            <a:br/>
-            <a:r>
-              <a:t>    Tamaño Partícula: 4.863636363636363 µm  |  Temp: 25.0°C</a:t>
-            </a:r>
-            <a:br/>
-            <a:r>
-              <a:t>    Flujo: 0.25 mL/min  |  T0: 1.3300246658237755 min</a:t>
+              <a:t>    pH1: 0.0  |  pH2: 0.0  |  Columna: Waters Atlantis Premier BEH Z-HILIC</a:t>
+            </a:r>
+            <a:br/>
+            <a:r>
+              <a:t>    USP Code: column.usp.code_L122  |  Longitud: 100.0 mm</a:t>
+            </a:r>
+            <a:br/>
+            <a:r>
+              <a:t>    Tamaño Partícula: 1.7 µm  |  Temp: 40.0°C</a:t>
+            </a:r>
+            <a:br/>
+            <a:r>
+              <a:t>    Flujo: 0.15 mL/min  |  T0: 1.47 min</a:t>
             </a:r>
             <a:br/>
             <a:r>
@@ -13592,18 +14446,20 @@
         </p:nvSpPr>
         <p:spPr/>
         <p:txBody>
-          <a:bodyPr/>
-          <a:lstStyle/>
-          <a:p>
-            <a:r>
-              <a:t>Purine nucleotides (CHEMONTID:0001506): 0.8234532218032401, n_datos: 1</a:t>
+          <a:bodyPr>
+            <a:normAutofit fontScale="90000"/>
+          </a:bodyPr>
+          <a:lstStyle/>
+          <a:p>
+            <a:r>
+              <a:t>Purine nucleotides (CHEMONTID:0001506): 1.0, n_datos: 3</a:t>
             </a:r>
           </a:p>
         </p:txBody>
       </p:sp>
       <p:pic>
         <p:nvPicPr>
-          <p:cNvPr id="3" name="Picture 2" descr="diff_grafica_Purine nucleotides _CHEMONTID_0001506__2.png"/>
+          <p:cNvPr id="3" name="Picture 2" descr="diff_grafica_Purine nucleotides _CHEMONTID_0001506__0.png"/>
           <p:cNvPicPr>
             <a:picLocks noChangeAspect="1"/>
           </p:cNvPicPr>
@@ -13617,7 +14473,7 @@
         </p:blipFill>
         <p:spPr>
           <a:xfrm>
-            <a:off x="1828800" y="2030186"/>
+            <a:off x="1431471" y="1807028"/>
             <a:ext cx="5486400" cy="3657600"/>
           </a:xfrm>
           <a:prstGeom prst="rect">
@@ -13672,7 +14528,7 @@
             </a:r>
             <a:br/>
             <a:r>
-              <a:t>    Flujo: 0.3 mL/min  |  T0: 0.735 min</a:t>
+              <a:t>    Flujo: 0.2 mL/min  |  T0: 1.1025 min</a:t>
             </a:r>
             <a:br/>
             <a:r>
@@ -13718,7 +14574,9 @@
         </p:nvSpPr>
         <p:spPr/>
         <p:txBody>
-          <a:bodyPr/>
+          <a:bodyPr>
+            <a:normAutofit fontScale="90000"/>
+          </a:bodyPr>
           <a:lstStyle/>
           <a:p>
             <a:r>
@@ -13729,7 +14587,7 @@
       </p:sp>
       <p:pic>
         <p:nvPicPr>
-          <p:cNvPr id="3" name="Picture 2" descr="diff_grafica_Pyridine nucleotides _CHEMONTID_0001297__29.png"/>
+          <p:cNvPr id="3" name="Picture 2" descr="diff_grafica_Pyridine nucleotides _CHEMONTID_0001297__27.png"/>
           <p:cNvPicPr>
             <a:picLocks noChangeAspect="1"/>
           </p:cNvPicPr>
@@ -13786,19 +14644,19 @@
           <a:p>
             <a:br/>
             <a:r>
-              <a:t>    pH1: 3.0  |  pH2: 3.0  |  Columna: Thermo Scientific Hypersil GOLD</a:t>
-            </a:r>
-            <a:br/>
-            <a:r>
-              <a:t>    USP Code: column.usp.code_L1  |  Longitud: 113.75 mm</a:t>
-            </a:r>
-            <a:br/>
-            <a:r>
-              <a:t>    Tamaño Partícula: 1.9 µm  |  Temp: 40.0°C</a:t>
-            </a:r>
-            <a:br/>
-            <a:r>
-              <a:t>    Flujo: 0.4 mL/min  |  T0: 0.6500755324656243 min</a:t>
+              <a:t>    pH1: 3.0  |  pH2: 3.0  |  Columna: Waters ACQUITY UPLC HSS T3</a:t>
+            </a:r>
+            <a:br/>
+            <a:r>
+              <a:t>    USP Code: column.usp.code_L1  |  Longitud: 100.0 mm</a:t>
+            </a:r>
+            <a:br/>
+            <a:r>
+              <a:t>    Tamaño Partícula: 1.8 µm  |  Temp: 30.0°C</a:t>
+            </a:r>
+            <a:br/>
+            <a:r>
+              <a:t>    Flujo: 0.3 mL/min  |  T0: 0.735 min</a:t>
             </a:r>
             <a:br/>
             <a:r>
@@ -13844,7 +14702,9 @@
         </p:nvSpPr>
         <p:spPr/>
         <p:txBody>
-          <a:bodyPr/>
+          <a:bodyPr>
+            <a:normAutofit fontScale="90000"/>
+          </a:bodyPr>
           <a:lstStyle/>
           <a:p>
             <a:r>
@@ -13855,7 +14715,7 @@
       </p:sp>
       <p:pic>
         <p:nvPicPr>
-          <p:cNvPr id="3" name="Picture 2" descr="diff_grafica_Pyridine nucleotides _CHEMONTID_0001297__30.png"/>
+          <p:cNvPr id="3" name="Picture 2" descr="diff_grafica_Pyridine nucleotides _CHEMONTID_0001297__28.png"/>
           <p:cNvPicPr>
             <a:picLocks noChangeAspect="1"/>
           </p:cNvPicPr>
@@ -13912,19 +14772,19 @@
           <a:p>
             <a:br/>
             <a:r>
-              <a:t>    pH1: 3.0  |  pH2: 3.0  |  Columna: Merck Supelco Ascentis Express C18</a:t>
-            </a:r>
-            <a:br/>
-            <a:r>
-              <a:t>    USP Code: column.usp.code_L1  |  Longitud: 100.0 mm</a:t>
-            </a:r>
-            <a:br/>
-            <a:r>
-              <a:t>    Tamaño Partícula: 5.0 µm  |  Temp: 40.78947368421053°C</a:t>
-            </a:r>
-            <a:br/>
-            <a:r>
-              <a:t>    Flujo: 0.1 mL/min  |  T0: 2.205 min</a:t>
+              <a:t>    pH1: 0.0  |  pH2: 3.0  |  Columna: Merck SeQuant ZIC-HILIC</a:t>
+            </a:r>
+            <a:br/>
+            <a:r>
+              <a:t>    USP Code: column.usp.code_L114  |  Longitud: 145.45454545454547 mm</a:t>
+            </a:r>
+            <a:br/>
+            <a:r>
+              <a:t>    Tamaño Partícula: 4.863636363636363 µm  |  Temp: 25.0°C</a:t>
+            </a:r>
+            <a:br/>
+            <a:r>
+              <a:t>    Flujo: 0.25 mL/min  |  T0: 1.3300246658237755 min</a:t>
             </a:r>
             <a:br/>
             <a:r>
@@ -13970,7 +14830,9 @@
         </p:nvSpPr>
         <p:spPr/>
         <p:txBody>
-          <a:bodyPr/>
+          <a:bodyPr>
+            <a:normAutofit fontScale="90000"/>
+          </a:bodyPr>
           <a:lstStyle/>
           <a:p>
             <a:r>
@@ -13981,7 +14843,7 @@
       </p:sp>
       <p:pic>
         <p:nvPicPr>
-          <p:cNvPr id="3" name="Picture 2" descr="diff_grafica_Pyridine nucleotides _CHEMONTID_0001297__30.png"/>
+          <p:cNvPr id="3" name="Picture 2" descr="diff_grafica_Pyridine nucleotides _CHEMONTID_0001297__29.png"/>
           <p:cNvPicPr>
             <a:picLocks noChangeAspect="1"/>
           </p:cNvPicPr>
@@ -14038,19 +14900,19 @@
           <a:p>
             <a:br/>
             <a:r>
-              <a:t>    pH1: 3.0  |  pH2: 3.0  |  Columna: Merck Supelco Ascentis Express ES-Cyano</a:t>
-            </a:r>
-            <a:br/>
-            <a:r>
-              <a:t>    USP Code: column.usp.code_L10  |  Longitud: 100.0 mm</a:t>
-            </a:r>
-            <a:br/>
-            <a:r>
-              <a:t>    Tamaño Partícula: 2.7 µm  |  Temp: 40.78947368421053°C</a:t>
-            </a:r>
-            <a:br/>
-            <a:r>
-              <a:t>    Flujo: 0.1 mL/min  |  T0: 2.205 min</a:t>
+              <a:t>    pH1: 3.0  |  pH2: 3.0  |  Columna: Thermo Scientific Hypersil GOLD</a:t>
+            </a:r>
+            <a:br/>
+            <a:r>
+              <a:t>    USP Code: column.usp.code_L1  |  Longitud: 113.75 mm</a:t>
+            </a:r>
+            <a:br/>
+            <a:r>
+              <a:t>    Tamaño Partícula: 1.9 µm  |  Temp: 40.0°C</a:t>
+            </a:r>
+            <a:br/>
+            <a:r>
+              <a:t>    Flujo: 0.4 mL/min  |  T0: 0.6500755324656243 min</a:t>
             </a:r>
             <a:br/>
             <a:r>
@@ -14096,7 +14958,9 @@
         </p:nvSpPr>
         <p:spPr/>
         <p:txBody>
-          <a:bodyPr/>
+          <a:bodyPr>
+            <a:normAutofit fontScale="90000"/>
+          </a:bodyPr>
           <a:lstStyle/>
           <a:p>
             <a:r>
@@ -14164,15 +15028,15 @@
           <a:p>
             <a:br/>
             <a:r>
-              <a:t>    pH1: 3.0  |  pH2: 3.0  |  Columna: Merck Supelco Ascentis Express F5 (PFP)</a:t>
-            </a:r>
-            <a:br/>
-            <a:r>
-              <a:t>    USP Code: column.usp.code_L43  |  Longitud: 100.0 mm</a:t>
-            </a:r>
-            <a:br/>
-            <a:r>
-              <a:t>    Tamaño Partícula: 2.7 µm  |  Temp: 40.78947368421053°C</a:t>
+              <a:t>    pH1: 3.0  |  pH2: 3.0  |  Columna: Merck Supelco Ascentis Express C18</a:t>
+            </a:r>
+            <a:br/>
+            <a:r>
+              <a:t>    USP Code: column.usp.code_L1  |  Longitud: 100.0 mm</a:t>
+            </a:r>
+            <a:br/>
+            <a:r>
+              <a:t>    Tamaño Partícula: 5.0 µm  |  Temp: 40.78947368421053°C</a:t>
             </a:r>
             <a:br/>
             <a:r>
@@ -14222,7 +15086,9 @@
         </p:nvSpPr>
         <p:spPr/>
         <p:txBody>
-          <a:bodyPr/>
+          <a:bodyPr>
+            <a:normAutofit fontScale="90000"/>
+          </a:bodyPr>
           <a:lstStyle/>
           <a:p>
             <a:r>
@@ -14290,11 +15156,11 @@
           <a:p>
             <a:br/>
             <a:r>
-              <a:t>    pH1: 3.0  |  pH2: 3.0  |  Columna: Merck Supelco Ascentis Express Phenyl-Hexyl</a:t>
-            </a:r>
-            <a:br/>
-            <a:r>
-              <a:t>    USP Code: column.usp.code_L11  |  Longitud: 100.0 mm</a:t>
+              <a:t>    pH1: 3.0  |  pH2: 3.0  |  Columna: Merck Supelco Ascentis Express ES-Cyano</a:t>
+            </a:r>
+            <a:br/>
+            <a:r>
+              <a:t>    USP Code: column.usp.code_L10  |  Longitud: 100.0 mm</a:t>
             </a:r>
             <a:br/>
             <a:r>
@@ -14348,7 +15214,9 @@
         </p:nvSpPr>
         <p:spPr/>
         <p:txBody>
-          <a:bodyPr/>
+          <a:bodyPr>
+            <a:normAutofit fontScale="90000"/>
+          </a:bodyPr>
           <a:lstStyle/>
           <a:p>
             <a:r>
@@ -14416,15 +15284,15 @@
           <a:p>
             <a:br/>
             <a:r>
-              <a:t>    pH1: 3.0  |  pH2: 3.0  |  Columna: Waters ACQUITY UPLC BEH C18</a:t>
-            </a:r>
-            <a:br/>
-            <a:r>
-              <a:t>    USP Code: column.usp.code_L1  |  Longitud: 100.0 mm</a:t>
-            </a:r>
-            <a:br/>
-            <a:r>
-              <a:t>    Tamaño Partícula: 1.7 µm  |  Temp: 40.54166666666666°C</a:t>
+              <a:t>    pH1: 3.0  |  pH2: 3.0  |  Columna: Merck Supelco Ascentis Express F5 (PFP)</a:t>
+            </a:r>
+            <a:br/>
+            <a:r>
+              <a:t>    USP Code: column.usp.code_L43  |  Longitud: 100.0 mm</a:t>
+            </a:r>
+            <a:br/>
+            <a:r>
+              <a:t>    Tamaño Partícula: 2.7 µm  |  Temp: 40.78947368421053°C</a:t>
             </a:r>
             <a:br/>
             <a:r>
@@ -14474,7 +15342,9 @@
         </p:nvSpPr>
         <p:spPr/>
         <p:txBody>
-          <a:bodyPr/>
+          <a:bodyPr>
+            <a:normAutofit fontScale="90000"/>
+          </a:bodyPr>
           <a:lstStyle/>
           <a:p>
             <a:r>
@@ -14542,15 +15412,15 @@
           <a:p>
             <a:br/>
             <a:r>
-              <a:t>    pH1: 3.0  |  pH2: 3.0  |  Columna: Waters CORTECS T3</a:t>
-            </a:r>
-            <a:br/>
-            <a:r>
-              <a:t>    USP Code: column.usp.code_L1  |  Longitud: 100.0 mm</a:t>
-            </a:r>
-            <a:br/>
-            <a:r>
-              <a:t>    Tamaño Partícula: 2.7 µm  |  Temp: 40.0°C</a:t>
+              <a:t>    pH1: 3.0  |  pH2: 3.0  |  Columna: Merck Supelco Ascentis Express Phenyl-Hexyl</a:t>
+            </a:r>
+            <a:br/>
+            <a:r>
+              <a:t>    USP Code: column.usp.code_L11  |  Longitud: 100.0 mm</a:t>
+            </a:r>
+            <a:br/>
+            <a:r>
+              <a:t>    Tamaño Partícula: 2.7 µm  |  Temp: 40.78947368421053°C</a:t>
             </a:r>
             <a:br/>
             <a:r>
@@ -14600,7 +15470,9 @@
         </p:nvSpPr>
         <p:spPr/>
         <p:txBody>
-          <a:bodyPr/>
+          <a:bodyPr>
+            <a:normAutofit fontScale="90000"/>
+          </a:bodyPr>
           <a:lstStyle/>
           <a:p>
             <a:r>
@@ -14611,7 +15483,7 @@
       </p:sp>
       <p:pic>
         <p:nvPicPr>
-          <p:cNvPr id="3" name="Picture 2" descr="diff_grafica_Pyridine nucleotides _CHEMONTID_0001297__36.png"/>
+          <p:cNvPr id="3" name="Picture 2" descr="diff_grafica_Pyridine nucleotides _CHEMONTID_0001297__30.png"/>
           <p:cNvPicPr>
             <a:picLocks noChangeAspect="1"/>
           </p:cNvPicPr>
@@ -14668,7 +15540,7 @@
           <a:p>
             <a:br/>
             <a:r>
-              <a:t>    pH1: 3.0  |  pH2: 3.0  |  Columna: Waters CORTECS T3</a:t>
+              <a:t>    pH1: 3.0  |  pH2: 3.0  |  Columna: Waters ACQUITY UPLC BEH C18</a:t>
             </a:r>
             <a:br/>
             <a:r>
@@ -14676,7 +15548,7 @@
             </a:r>
             <a:br/>
             <a:r>
-              <a:t>    Tamaño Partícula: 2.7 µm  |  Temp: 40.0°C</a:t>
+              <a:t>    Tamaño Partícula: 1.7 µm  |  Temp: 40.54166666666666°C</a:t>
             </a:r>
             <a:br/>
             <a:r>
@@ -14726,18 +15598,20 @@
         </p:nvSpPr>
         <p:spPr/>
         <p:txBody>
-          <a:bodyPr/>
-          <a:lstStyle/>
-          <a:p>
-            <a:r>
-              <a:t>Pyrimidine nucleosides (CHEMONTID:0000480): 1.0, n_datos: 1</a:t>
+          <a:bodyPr>
+            <a:normAutofit fontScale="90000"/>
+          </a:bodyPr>
+          <a:lstStyle/>
+          <a:p>
+            <a:r>
+              <a:t>Pyridine nucleotides (CHEMONTID:0001297): 0.0, n_datos: 1</a:t>
             </a:r>
           </a:p>
         </p:txBody>
       </p:sp>
       <p:pic>
         <p:nvPicPr>
-          <p:cNvPr id="3" name="Picture 2" descr="diff_grafica_Pyrimidine nucleosides _CHEMONTID_0000480__37.png"/>
+          <p:cNvPr id="3" name="Picture 2" descr="diff_grafica_Pyridine nucleotides _CHEMONTID_0001297__30.png"/>
           <p:cNvPicPr>
             <a:picLocks noChangeAspect="1"/>
           </p:cNvPicPr>
@@ -14794,19 +15668,19 @@
           <a:p>
             <a:br/>
             <a:r>
-              <a:t>    pH1: 6.0  |  pH2: 6.0  |  Columna: Thermo Scientific Accucore HILIC</a:t>
-            </a:r>
-            <a:br/>
-            <a:r>
-              <a:t>    USP Code: column.usp.code_L3  |  Longitud: 100.0 mm</a:t>
-            </a:r>
-            <a:br/>
-            <a:r>
-              <a:t>    Tamaño Partícula: 2.6 µm  |  Temp: 36.36363636363637°C</a:t>
-            </a:r>
-            <a:br/>
-            <a:r>
-              <a:t>    Flujo: 0.5 mL/min  |  T0: 0.441 min</a:t>
+              <a:t>    pH1: 3.0  |  pH2: 3.0  |  Columna: Waters CORTECS T3</a:t>
+            </a:r>
+            <a:br/>
+            <a:r>
+              <a:t>    USP Code: column.usp.code_L1  |  Longitud: 100.0 mm</a:t>
+            </a:r>
+            <a:br/>
+            <a:r>
+              <a:t>    Tamaño Partícula: 2.7 µm  |  Temp: 40.0°C</a:t>
+            </a:r>
+            <a:br/>
+            <a:r>
+              <a:t>    Flujo: 0.1 mL/min  |  T0: 2.205 min</a:t>
             </a:r>
             <a:br/>
             <a:r>
@@ -14852,18 +15726,20 @@
         </p:nvSpPr>
         <p:spPr/>
         <p:txBody>
-          <a:bodyPr/>
-          <a:lstStyle/>
-          <a:p>
-            <a:r>
-              <a:t>Pyrimidine nucleosides (CHEMONTID:0000480): 0.9914148909036102, n_datos: 3</a:t>
+          <a:bodyPr>
+            <a:normAutofit fontScale="90000"/>
+          </a:bodyPr>
+          <a:lstStyle/>
+          <a:p>
+            <a:r>
+              <a:t>Pyridine nucleotides (CHEMONTID:0001297): 0.0, n_datos: 1</a:t>
             </a:r>
           </a:p>
         </p:txBody>
       </p:sp>
       <p:pic>
         <p:nvPicPr>
-          <p:cNvPr id="3" name="Picture 2" descr="diff_grafica_Pyrimidine nucleosides _CHEMONTID_0000480__37.png"/>
+          <p:cNvPr id="3" name="Picture 2" descr="diff_grafica_Pyridine nucleotides _CHEMONTID_0001297__36.png"/>
           <p:cNvPicPr>
             <a:picLocks noChangeAspect="1"/>
           </p:cNvPicPr>
@@ -14920,19 +15796,19 @@
           <a:p>
             <a:br/>
             <a:r>
-              <a:t>    pH1: 6.0  |  pH2: 6.0  |  Columna: Thermo Scientific Accucore HILIC</a:t>
-            </a:r>
-            <a:br/>
-            <a:r>
-              <a:t>    USP Code: column.usp.code_L3  |  Longitud: 100.0 mm</a:t>
-            </a:r>
-            <a:br/>
-            <a:r>
-              <a:t>    Tamaño Partícula: 2.6 µm  |  Temp: 36.36363636363637°C</a:t>
-            </a:r>
-            <a:br/>
-            <a:r>
-              <a:t>    Flujo: 0.5 mL/min  |  T0: 0.441 min</a:t>
+              <a:t>    pH1: 3.0  |  pH2: 3.0  |  Columna: Waters CORTECS T3</a:t>
+            </a:r>
+            <a:br/>
+            <a:r>
+              <a:t>    USP Code: column.usp.code_L1  |  Longitud: 100.0 mm</a:t>
+            </a:r>
+            <a:br/>
+            <a:r>
+              <a:t>    Tamaño Partícula: 2.7 µm  |  Temp: 40.0°C</a:t>
+            </a:r>
+            <a:br/>
+            <a:r>
+              <a:t>    Flujo: 0.1 mL/min  |  T0: 2.205 min</a:t>
             </a:r>
             <a:br/>
             <a:r>
@@ -14978,18 +15854,20 @@
         </p:nvSpPr>
         <p:spPr/>
         <p:txBody>
-          <a:bodyPr/>
-          <a:lstStyle/>
-          <a:p>
-            <a:r>
-              <a:t>Purine nucleotides (CHEMONTID:0001506): 0.8108091825840159, n_datos: 1</a:t>
+          <a:bodyPr>
+            <a:normAutofit fontScale="90000"/>
+          </a:bodyPr>
+          <a:lstStyle/>
+          <a:p>
+            <a:r>
+              <a:t>Purine nucleotides (CHEMONTID:0001506): 0.986427914549758, n_datos: 1</a:t>
             </a:r>
           </a:p>
         </p:txBody>
       </p:sp>
       <p:pic>
         <p:nvPicPr>
-          <p:cNvPr id="3" name="Picture 2" descr="diff_grafica_Purine nucleotides _CHEMONTID_0001506__3.png"/>
+          <p:cNvPr id="3" name="Picture 2" descr="diff_grafica_Purine nucleotides _CHEMONTID_0001506__0.png"/>
           <p:cNvPicPr>
             <a:picLocks noChangeAspect="1"/>
           </p:cNvPicPr>
@@ -15003,7 +15881,7 @@
         </p:blipFill>
         <p:spPr>
           <a:xfrm>
-            <a:off x="1953985" y="1790700"/>
+            <a:off x="1828800" y="1926772"/>
             <a:ext cx="5486400" cy="3657600"/>
           </a:xfrm>
           <a:prstGeom prst="rect">
@@ -15104,18 +15982,20 @@
         </p:nvSpPr>
         <p:spPr/>
         <p:txBody>
-          <a:bodyPr/>
-          <a:lstStyle/>
-          <a:p>
-            <a:r>
-              <a:t>Pyrimidine nucleosides (CHEMONTID:0000480): 0.9424731454090162, n_datos: 3</a:t>
+          <a:bodyPr>
+            <a:normAutofit fontScale="90000"/>
+          </a:bodyPr>
+          <a:lstStyle/>
+          <a:p>
+            <a:r>
+              <a:t>Pyrimidine nucleosides (CHEMONTID:0000480): 1.0, n_datos: 1</a:t>
             </a:r>
           </a:p>
         </p:txBody>
       </p:sp>
       <p:pic>
         <p:nvPicPr>
-          <p:cNvPr id="3" name="Picture 2" descr="diff_grafica_Pyrimidine nucleosides _CHEMONTID_0000480__39.png"/>
+          <p:cNvPr id="3" name="Picture 2" descr="diff_grafica_Pyrimidine nucleosides _CHEMONTID_0000480__37.png"/>
           <p:cNvPicPr>
             <a:picLocks noChangeAspect="1"/>
           </p:cNvPicPr>
@@ -15172,19 +16052,19 @@
           <a:p>
             <a:br/>
             <a:r>
-              <a:t>    pH1: 3.0  |  pH2: 3.0  |  Columna: Waters ACQUITY UPLC HSS C18</a:t>
-            </a:r>
-            <a:br/>
-            <a:r>
-              <a:t>    USP Code: column.usp.code_L1  |  Longitud: 100.0 mm</a:t>
-            </a:r>
-            <a:br/>
-            <a:r>
-              <a:t>    Tamaño Partícula: 1.8 µm  |  Temp: 30.0°C</a:t>
-            </a:r>
-            <a:br/>
-            <a:r>
-              <a:t>    Flujo: 0.4 mL/min  |  T0: 0.55125 min</a:t>
+              <a:t>    pH1: 6.0  |  pH2: 6.0  |  Columna: Thermo Scientific Accucore HILIC</a:t>
+            </a:r>
+            <a:br/>
+            <a:r>
+              <a:t>    USP Code: column.usp.code_L3  |  Longitud: 100.0 mm</a:t>
+            </a:r>
+            <a:br/>
+            <a:r>
+              <a:t>    Tamaño Partícula: 2.6 µm  |  Temp: 36.36363636363637°C</a:t>
+            </a:r>
+            <a:br/>
+            <a:r>
+              <a:t>    Flujo: 0.5 mL/min  |  T0: 0.441 min</a:t>
             </a:r>
             <a:br/>
             <a:r>
@@ -15230,18 +16110,20 @@
         </p:nvSpPr>
         <p:spPr/>
         <p:txBody>
-          <a:bodyPr/>
-          <a:lstStyle/>
-          <a:p>
-            <a:r>
-              <a:t>Pyrimidine nucleosides (CHEMONTID:0000480): 0.9422325171599968, n_datos: 4</a:t>
+          <a:bodyPr>
+            <a:normAutofit fontScale="90000"/>
+          </a:bodyPr>
+          <a:lstStyle/>
+          <a:p>
+            <a:r>
+              <a:t>Pyrimidine nucleosides (CHEMONTID:0000480): 0.9914148909036102, n_datos: 3</a:t>
             </a:r>
           </a:p>
         </p:txBody>
       </p:sp>
       <p:pic>
         <p:nvPicPr>
-          <p:cNvPr id="3" name="Picture 2" descr="diff_grafica_Pyrimidine nucleosides _CHEMONTID_0000480__39.png"/>
+          <p:cNvPr id="3" name="Picture 2" descr="diff_grafica_Pyrimidine nucleosides _CHEMONTID_0000480__37.png"/>
           <p:cNvPicPr>
             <a:picLocks noChangeAspect="1"/>
           </p:cNvPicPr>
@@ -15298,19 +16180,19 @@
           <a:p>
             <a:br/>
             <a:r>
-              <a:t>    pH1: 3.0  |  pH2: 3.0  |  Columna: Restek Raptor Biphenyl</a:t>
-            </a:r>
-            <a:br/>
-            <a:r>
-              <a:t>    USP Code: column.usp.code_L11  |  Longitud: 100.0 mm</a:t>
-            </a:r>
-            <a:br/>
-            <a:r>
-              <a:t>    Tamaño Partícula: 2.7 µm  |  Temp: 30.0°C</a:t>
-            </a:r>
-            <a:br/>
-            <a:r>
-              <a:t>    Flujo: 0.4 mL/min  |  T0: 0.55125 min</a:t>
+              <a:t>    pH1: 6.0  |  pH2: 6.0  |  Columna: Thermo Scientific Accucore HILIC</a:t>
+            </a:r>
+            <a:br/>
+            <a:r>
+              <a:t>    USP Code: column.usp.code_L3  |  Longitud: 100.0 mm</a:t>
+            </a:r>
+            <a:br/>
+            <a:r>
+              <a:t>    Tamaño Partícula: 2.6 µm  |  Temp: 36.36363636363637°C</a:t>
+            </a:r>
+            <a:br/>
+            <a:r>
+              <a:t>    Flujo: 0.5 mL/min  |  T0: 0.441 min</a:t>
             </a:r>
             <a:br/>
             <a:r>
@@ -15356,11 +16238,13 @@
         </p:nvSpPr>
         <p:spPr/>
         <p:txBody>
-          <a:bodyPr/>
-          <a:lstStyle/>
-          <a:p>
-            <a:r>
-              <a:t>Pyrimidine nucleosides (CHEMONTID:0000480): 0.9386972113328584, n_datos: 2</a:t>
+          <a:bodyPr>
+            <a:normAutofit fontScale="90000"/>
+          </a:bodyPr>
+          <a:lstStyle/>
+          <a:p>
+            <a:r>
+              <a:t>Pyrimidine nucleosides (CHEMONTID:0000480): 0.9424731454090162, n_datos: 3</a:t>
             </a:r>
           </a:p>
         </p:txBody>
@@ -15424,15 +16308,15 @@
           <a:p>
             <a:br/>
             <a:r>
-              <a:t>    pH1: 3.0  |  pH2: 3.0  |  Columna: Restek Raptor Biphenyl</a:t>
-            </a:r>
-            <a:br/>
-            <a:r>
-              <a:t>    USP Code: column.usp.code_L11  |  Longitud: 100.0 mm</a:t>
-            </a:r>
-            <a:br/>
-            <a:r>
-              <a:t>    Tamaño Partícula: 2.7 µm  |  Temp: 30.0°C</a:t>
+              <a:t>    pH1: 3.0  |  pH2: 3.0  |  Columna: Waters ACQUITY UPLC HSS C18</a:t>
+            </a:r>
+            <a:br/>
+            <a:r>
+              <a:t>    USP Code: column.usp.code_L1  |  Longitud: 100.0 mm</a:t>
+            </a:r>
+            <a:br/>
+            <a:r>
+              <a:t>    Tamaño Partícula: 1.8 µm  |  Temp: 30.0°C</a:t>
             </a:r>
             <a:br/>
             <a:r>
@@ -15482,11 +16366,13 @@
         </p:nvSpPr>
         <p:spPr/>
         <p:txBody>
-          <a:bodyPr/>
-          <a:lstStyle/>
-          <a:p>
-            <a:r>
-              <a:t>Pyrimidine nucleosides (CHEMONTID:0000480): 0.9384511840494708, n_datos: 1</a:t>
+          <a:bodyPr>
+            <a:normAutofit fontScale="90000"/>
+          </a:bodyPr>
+          <a:lstStyle/>
+          <a:p>
+            <a:r>
+              <a:t>Pyrimidine nucleosides (CHEMONTID:0000480): 0.9422325171599968, n_datos: 4</a:t>
             </a:r>
           </a:p>
         </p:txBody>
@@ -15550,15 +16436,15 @@
           <a:p>
             <a:br/>
             <a:r>
-              <a:t>    pH1: 3.0  |  pH2: 3.0  |  Columna: Waters CORTECS UPLC C18</a:t>
-            </a:r>
-            <a:br/>
-            <a:r>
-              <a:t>    USP Code: column.usp.code_L1  |  Longitud: 100.0 mm</a:t>
-            </a:r>
-            <a:br/>
-            <a:r>
-              <a:t>    Tamaño Partícula: 1.6 µm  |  Temp: 30.0°C</a:t>
+              <a:t>    pH1: 3.0  |  pH2: 3.0  |  Columna: Restek Raptor Biphenyl</a:t>
+            </a:r>
+            <a:br/>
+            <a:r>
+              <a:t>    USP Code: column.usp.code_L11  |  Longitud: 100.0 mm</a:t>
+            </a:r>
+            <a:br/>
+            <a:r>
+              <a:t>    Tamaño Partícula: 2.7 µm  |  Temp: 30.0°C</a:t>
             </a:r>
             <a:br/>
             <a:r>
@@ -15608,11 +16494,13 @@
         </p:nvSpPr>
         <p:spPr/>
         <p:txBody>
-          <a:bodyPr/>
-          <a:lstStyle/>
-          <a:p>
-            <a:r>
-              <a:t>Pyrimidine nucleosides (CHEMONTID:0000480): 0.9291124402887851, n_datos: 1</a:t>
+          <a:bodyPr>
+            <a:normAutofit fontScale="90000"/>
+          </a:bodyPr>
+          <a:lstStyle/>
+          <a:p>
+            <a:r>
+              <a:t>Pyrimidine nucleosides (CHEMONTID:0000480): 0.9386972113328584, n_datos: 2</a:t>
             </a:r>
           </a:p>
         </p:txBody>
@@ -15676,15 +16564,15 @@
           <a:p>
             <a:br/>
             <a:r>
-              <a:t>    pH1: 3.0  |  pH2: 3.0  |  Columna: Waters ACQUITY UPLC HSS C18</a:t>
-            </a:r>
-            <a:br/>
-            <a:r>
-              <a:t>    USP Code: column.usp.code_L1  |  Longitud: 100.0 mm</a:t>
-            </a:r>
-            <a:br/>
-            <a:r>
-              <a:t>    Tamaño Partícula: 1.8 µm  |  Temp: 40.0°C</a:t>
+              <a:t>    pH1: 3.0  |  pH2: 3.0  |  Columna: Restek Raptor Biphenyl</a:t>
+            </a:r>
+            <a:br/>
+            <a:r>
+              <a:t>    USP Code: column.usp.code_L11  |  Longitud: 100.0 mm</a:t>
+            </a:r>
+            <a:br/>
+            <a:r>
+              <a:t>    Tamaño Partícula: 2.7 µm  |  Temp: 30.0°C</a:t>
             </a:r>
             <a:br/>
             <a:r>
@@ -15734,11 +16622,13 @@
         </p:nvSpPr>
         <p:spPr/>
         <p:txBody>
-          <a:bodyPr/>
-          <a:lstStyle/>
-          <a:p>
-            <a:r>
-              <a:t>Pyrimidine nucleosides (CHEMONTID:0000480): 0.9224012277934016, n_datos: 1</a:t>
+          <a:bodyPr>
+            <a:normAutofit fontScale="90000"/>
+          </a:bodyPr>
+          <a:lstStyle/>
+          <a:p>
+            <a:r>
+              <a:t>Pyrimidine nucleosides (CHEMONTID:0000480): 0.9384511840494708, n_datos: 1</a:t>
             </a:r>
           </a:p>
         </p:txBody>
@@ -15802,15 +16692,15 @@
           <a:p>
             <a:br/>
             <a:r>
-              <a:t>    pH1: 3.0  |  pH2: 3.0  |  Columna: Restek Raptor Biphenyl</a:t>
-            </a:r>
-            <a:br/>
-            <a:r>
-              <a:t>    USP Code: column.usp.code_L11  |  Longitud: 100.0 mm</a:t>
-            </a:r>
-            <a:br/>
-            <a:r>
-              <a:t>    Tamaño Partícula: 2.7 µm  |  Temp: 40.0°C</a:t>
+              <a:t>    pH1: 3.0  |  pH2: 3.0  |  Columna: Waters CORTECS UPLC C18</a:t>
+            </a:r>
+            <a:br/>
+            <a:r>
+              <a:t>    USP Code: column.usp.code_L1  |  Longitud: 100.0 mm</a:t>
+            </a:r>
+            <a:br/>
+            <a:r>
+              <a:t>    Tamaño Partícula: 1.6 µm  |  Temp: 30.0°C</a:t>
             </a:r>
             <a:br/>
             <a:r>
@@ -15860,11 +16750,13 @@
         </p:nvSpPr>
         <p:spPr/>
         <p:txBody>
-          <a:bodyPr/>
-          <a:lstStyle/>
-          <a:p>
-            <a:r>
-              <a:t>Pyrimidine nucleosides (CHEMONTID:0000480): 0.9216299893086244, n_datos: 3</a:t>
+          <a:bodyPr>
+            <a:normAutofit fontScale="90000"/>
+          </a:bodyPr>
+          <a:lstStyle/>
+          <a:p>
+            <a:r>
+              <a:t>Pyrimidine nucleosides (CHEMONTID:0000480): 0.9291124402887851, n_datos: 1</a:t>
             </a:r>
           </a:p>
         </p:txBody>
@@ -15928,15 +16820,15 @@
           <a:p>
             <a:br/>
             <a:r>
-              <a:t>    pH1: 3.0  |  pH2: 3.0  |  Columna: Restek Raptor Biphenyl</a:t>
-            </a:r>
-            <a:br/>
-            <a:r>
-              <a:t>    USP Code: column.usp.code_L11  |  Longitud: 100.0 mm</a:t>
-            </a:r>
-            <a:br/>
-            <a:r>
-              <a:t>    Tamaño Partícula: 2.7 µm  |  Temp: 40.0°C</a:t>
+              <a:t>    pH1: 3.0  |  pH2: 3.0  |  Columna: Waters ACQUITY UPLC HSS C18</a:t>
+            </a:r>
+            <a:br/>
+            <a:r>
+              <a:t>    USP Code: column.usp.code_L1  |  Longitud: 100.0 mm</a:t>
+            </a:r>
+            <a:br/>
+            <a:r>
+              <a:t>    Tamaño Partícula: 1.8 µm  |  Temp: 40.0°C</a:t>
             </a:r>
             <a:br/>
             <a:r>
@@ -15986,11 +16878,13 @@
         </p:nvSpPr>
         <p:spPr/>
         <p:txBody>
-          <a:bodyPr/>
-          <a:lstStyle/>
-          <a:p>
-            <a:r>
-              <a:t>Pyrimidine nucleosides (CHEMONTID:0000480): 0.9199355352996224, n_datos: 4</a:t>
+          <a:bodyPr>
+            <a:normAutofit fontScale="90000"/>
+          </a:bodyPr>
+          <a:lstStyle/>
+          <a:p>
+            <a:r>
+              <a:t>Pyrimidine nucleosides (CHEMONTID:0000480): 0.9224012277934016, n_datos: 1</a:t>
             </a:r>
           </a:p>
         </p:txBody>
@@ -16112,18 +17006,20 @@
         </p:nvSpPr>
         <p:spPr/>
         <p:txBody>
-          <a:bodyPr/>
-          <a:lstStyle/>
-          <a:p>
-            <a:r>
-              <a:t>Pyrrolopyrimidine nucleosides and nucleotides (CHEMONTID:0002306): 1.0, n_datos: 2</a:t>
+          <a:bodyPr>
+            <a:normAutofit fontScale="90000"/>
+          </a:bodyPr>
+          <a:lstStyle/>
+          <a:p>
+            <a:r>
+              <a:t>Pyrimidine nucleosides (CHEMONTID:0000480): 0.9216299893086244, n_datos: 3</a:t>
             </a:r>
           </a:p>
         </p:txBody>
       </p:sp>
       <p:pic>
         <p:nvPicPr>
-          <p:cNvPr id="3" name="Picture 2" descr="diff_grafica_Pyrrolopyrimidine nucleosides and nucleotides _CHEMONTID_0002306__47.png"/>
+          <p:cNvPr id="3" name="Picture 2" descr="diff_grafica_Pyrimidine nucleosides _CHEMONTID_0000480__39.png"/>
           <p:cNvPicPr>
             <a:picLocks noChangeAspect="1"/>
           </p:cNvPicPr>
@@ -16180,19 +17076,19 @@
           <a:p>
             <a:br/>
             <a:r>
-              <a:t>    pH1: 2.6  |  pH2: 0.0  |  Columna: Waters ACQUITY UPLC BEH C18</a:t>
-            </a:r>
-            <a:br/>
-            <a:r>
-              <a:t>    USP Code: column.usp.code_L1  |  Longitud: 50.0 mm</a:t>
-            </a:r>
-            <a:br/>
-            <a:r>
-              <a:t>    Tamaño Partícula: 1.7 µm  |  Temp: 40.0°C</a:t>
-            </a:r>
-            <a:br/>
-            <a:r>
-              <a:t>    Flujo: 0.6 mL/min  |  T0: 0.18375 min</a:t>
+              <a:t>    pH1: 3.0  |  pH2: 3.0  |  Columna: Restek Raptor Biphenyl</a:t>
+            </a:r>
+            <a:br/>
+            <a:r>
+              <a:t>    USP Code: column.usp.code_L11  |  Longitud: 100.0 mm</a:t>
+            </a:r>
+            <a:br/>
+            <a:r>
+              <a:t>    Tamaño Partícula: 2.7 µm  |  Temp: 40.0°C</a:t>
+            </a:r>
+            <a:br/>
+            <a:r>
+              <a:t>    Flujo: 0.4 mL/min  |  T0: 0.55125 min</a:t>
             </a:r>
             <a:br/>
             <a:r>
@@ -16238,18 +17134,20 @@
         </p:nvSpPr>
         <p:spPr/>
         <p:txBody>
-          <a:bodyPr/>
-          <a:lstStyle/>
-          <a:p>
-            <a:r>
-              <a:t>Pyrrolopyrimidine nucleosides and nucleotides (CHEMONTID:0002306): 0.0819064507824272, n_datos: 4</a:t>
+          <a:bodyPr>
+            <a:normAutofit fontScale="90000"/>
+          </a:bodyPr>
+          <a:lstStyle/>
+          <a:p>
+            <a:r>
+              <a:t>Pyrimidine nucleosides (CHEMONTID:0000480): 0.9199355352996224, n_datos: 4</a:t>
             </a:r>
           </a:p>
         </p:txBody>
       </p:sp>
       <p:pic>
         <p:nvPicPr>
-          <p:cNvPr id="3" name="Picture 2" descr="diff_grafica_Pyrrolopyrimidine nucleosides and nucleotides _CHEMONTID_0002306__48.png"/>
+          <p:cNvPr id="3" name="Picture 2" descr="diff_grafica_Pyrimidine nucleosides _CHEMONTID_0000480__39.png"/>
           <p:cNvPicPr>
             <a:picLocks noChangeAspect="1"/>
           </p:cNvPicPr>
@@ -16306,19 +17204,19 @@
           <a:p>
             <a:br/>
             <a:r>
-              <a:t>    pH1: 3.0  |  pH2: 3.0  |  Columna: Agilent ZORBAX Extend-C18</a:t>
-            </a:r>
-            <a:br/>
-            <a:r>
-              <a:t>    USP Code: column.usp.code_L1  |  Longitud: 50.0 mm</a:t>
-            </a:r>
-            <a:br/>
-            <a:r>
-              <a:t>    Tamaño Partícula: 1.8 µm  |  Temp: 35.0°C</a:t>
-            </a:r>
-            <a:br/>
-            <a:r>
-              <a:t>    Flujo: 0.1 mL/min  |  T0: 1.1025 min</a:t>
+              <a:t>    pH1: 3.0  |  pH2: 3.0  |  Columna: Restek Raptor Biphenyl</a:t>
+            </a:r>
+            <a:br/>
+            <a:r>
+              <a:t>    USP Code: column.usp.code_L11  |  Longitud: 100.0 mm</a:t>
+            </a:r>
+            <a:br/>
+            <a:r>
+              <a:t>    Tamaño Partícula: 2.7 µm  |  Temp: 40.0°C</a:t>
+            </a:r>
+            <a:br/>
+            <a:r>
+              <a:t>    Flujo: 0.4 mL/min  |  T0: 0.55125 min</a:t>
             </a:r>
             <a:br/>
             <a:r>
@@ -16364,18 +17262,20 @@
         </p:nvSpPr>
         <p:spPr/>
         <p:txBody>
-          <a:bodyPr/>
-          <a:lstStyle/>
-          <a:p>
-            <a:r>
-              <a:t>Purine nucleotides (CHEMONTID:0001506): 0.808487697582645, n_datos: 3</a:t>
+          <a:bodyPr>
+            <a:normAutofit fontScale="90000"/>
+          </a:bodyPr>
+          <a:lstStyle/>
+          <a:p>
+            <a:r>
+              <a:t>Purine nucleotides (CHEMONTID:0001506): 0.8234532218032401, n_datos: 1</a:t>
             </a:r>
           </a:p>
         </p:txBody>
       </p:sp>
       <p:pic>
         <p:nvPicPr>
-          <p:cNvPr id="3" name="Picture 2" descr="diff_grafica_Purine nucleotides _CHEMONTID_0001506__3.png"/>
+          <p:cNvPr id="3" name="Picture 2" descr="diff_grafica_Purine nucleotides _CHEMONTID_0001506__2.png"/>
           <p:cNvPicPr>
             <a:picLocks noChangeAspect="1"/>
           </p:cNvPicPr>
@@ -16389,7 +17289,7 @@
         </p:blipFill>
         <p:spPr>
           <a:xfrm>
-            <a:off x="1828800" y="2019300"/>
+            <a:off x="1828800" y="2030186"/>
             <a:ext cx="5486400" cy="3657600"/>
           </a:xfrm>
           <a:prstGeom prst="rect">
@@ -16444,7 +17344,7 @@
             </a:r>
             <a:br/>
             <a:r>
-              <a:t>    Flujo: 0.25 mL/min  |  T0: 0.882 min</a:t>
+              <a:t>    Flujo: 0.3 mL/min  |  T0: 0.735 min</a:t>
             </a:r>
             <a:br/>
             <a:r>
@@ -16490,18 +17390,20 @@
         </p:nvSpPr>
         <p:spPr/>
         <p:txBody>
-          <a:bodyPr/>
-          <a:lstStyle/>
-          <a:p>
-            <a:r>
-              <a:t>Purine nucleosides (CHEMONTID:0000479): 1.0, n_datos: 6</a:t>
+          <a:bodyPr>
+            <a:normAutofit fontScale="90000"/>
+          </a:bodyPr>
+          <a:lstStyle/>
+          <a:p>
+            <a:r>
+              <a:t>Pyrrolopyrimidine nucleosides and nucleotides (CHEMONTID:0002306): 1.0, n_datos: 2</a:t>
             </a:r>
           </a:p>
         </p:txBody>
       </p:sp>
       <p:pic>
         <p:nvPicPr>
-          <p:cNvPr id="3" name="Picture 2" descr="diff_grafica_Purine nucleosides _CHEMONTID_0000479__49.png"/>
+          <p:cNvPr id="3" name="Picture 2" descr="diff_grafica_Pyrrolopyrimidine nucleosides and nucleotides _CHEMONTID_0002306__47.png"/>
           <p:cNvPicPr>
             <a:picLocks noChangeAspect="1"/>
           </p:cNvPicPr>
@@ -16558,19 +17460,19 @@
           <a:p>
             <a:br/>
             <a:r>
-              <a:t>    pH1: 6.0  |  pH2: 6.0  |  Columna: Merck SeQuant ZIC-HILIC</a:t>
-            </a:r>
-            <a:br/>
-            <a:r>
-              <a:t>    USP Code: column.usp.code_L114  |  Longitud: 150.0 mm</a:t>
-            </a:r>
-            <a:br/>
-            <a:r>
-              <a:t>    Tamaño Partícula: 5.0 µm  |  Temp: 25.0°C</a:t>
-            </a:r>
-            <a:br/>
-            <a:r>
-              <a:t>    Flujo: 0.75 mL/min  |  T0: 0.441 min</a:t>
+              <a:t>    pH1: 2.6  |  pH2: 0.0  |  Columna: Waters ACQUITY UPLC BEH C18</a:t>
+            </a:r>
+            <a:br/>
+            <a:r>
+              <a:t>    USP Code: column.usp.code_L1  |  Longitud: 50.0 mm</a:t>
+            </a:r>
+            <a:br/>
+            <a:r>
+              <a:t>    Tamaño Partícula: 1.7 µm  |  Temp: 40.0°C</a:t>
+            </a:r>
+            <a:br/>
+            <a:r>
+              <a:t>    Flujo: 0.6 mL/min  |  T0: 0.18375 min</a:t>
             </a:r>
             <a:br/>
             <a:r>
@@ -16616,18 +17518,20 @@
         </p:nvSpPr>
         <p:spPr/>
         <p:txBody>
-          <a:bodyPr/>
-          <a:lstStyle/>
-          <a:p>
-            <a:r>
-              <a:t>Purine nucleosides (CHEMONTID:0000479): 0.998761945463918, n_datos: 5</a:t>
+          <a:bodyPr>
+            <a:normAutofit fontScale="90000"/>
+          </a:bodyPr>
+          <a:lstStyle/>
+          <a:p>
+            <a:r>
+              <a:t>Pyrrolopyrimidine nucleosides and nucleotides (CHEMONTID:0002306): 0.0819064507824272, n_datos: 4</a:t>
             </a:r>
           </a:p>
         </p:txBody>
       </p:sp>
       <p:pic>
         <p:nvPicPr>
-          <p:cNvPr id="3" name="Picture 2" descr="diff_grafica_Purine nucleosides _CHEMONTID_0000479__49.png"/>
+          <p:cNvPr id="3" name="Picture 2" descr="diff_grafica_Pyrrolopyrimidine nucleosides and nucleotides _CHEMONTID_0002306__48.png"/>
           <p:cNvPicPr>
             <a:picLocks noChangeAspect="1"/>
           </p:cNvPicPr>
@@ -16684,19 +17588,19 @@
           <a:p>
             <a:br/>
             <a:r>
-              <a:t>    pH1: 6.0  |  pH2: 6.0  |  Columna: Merck SeQuant ZIC-HILIC</a:t>
-            </a:r>
-            <a:br/>
-            <a:r>
-              <a:t>    USP Code: column.usp.code_L114  |  Longitud: 150.0 mm</a:t>
-            </a:r>
-            <a:br/>
-            <a:r>
-              <a:t>    Tamaño Partícula: 5.0 µm  |  Temp: 25.0°C</a:t>
-            </a:r>
-            <a:br/>
-            <a:r>
-              <a:t>    Flujo: 0.75 mL/min  |  T0: 0.441 min</a:t>
+              <a:t>    pH1: 3.0  |  pH2: 3.0  |  Columna: Agilent ZORBAX Extend-C18</a:t>
+            </a:r>
+            <a:br/>
+            <a:r>
+              <a:t>    USP Code: column.usp.code_L1  |  Longitud: 50.0 mm</a:t>
+            </a:r>
+            <a:br/>
+            <a:r>
+              <a:t>    Tamaño Partícula: 1.8 µm  |  Temp: 35.0°C</a:t>
+            </a:r>
+            <a:br/>
+            <a:r>
+              <a:t>    Flujo: 0.1 mL/min  |  T0: 1.1025 min</a:t>
             </a:r>
             <a:br/>
             <a:r>
@@ -16742,11 +17646,13 @@
         </p:nvSpPr>
         <p:spPr/>
         <p:txBody>
-          <a:bodyPr/>
-          <a:lstStyle/>
-          <a:p>
-            <a:r>
-              <a:t>Purine nucleosides (CHEMONTID:0000479): 0.9938148682738916, n_datos: 2</a:t>
+          <a:bodyPr>
+            <a:normAutofit fontScale="90000"/>
+          </a:bodyPr>
+          <a:lstStyle/>
+          <a:p>
+            <a:r>
+              <a:t>Purine nucleosides (CHEMONTID:0000479): 1.0, n_datos: 6</a:t>
             </a:r>
           </a:p>
         </p:txBody>
@@ -16868,11 +17774,13 @@
         </p:nvSpPr>
         <p:spPr/>
         <p:txBody>
-          <a:bodyPr/>
-          <a:lstStyle/>
-          <a:p>
-            <a:r>
-              <a:t>Purine nucleosides (CHEMONTID:0000479): 0.9600672209686056, n_datos: 6</a:t>
+          <a:bodyPr>
+            <a:normAutofit fontScale="90000"/>
+          </a:bodyPr>
+          <a:lstStyle/>
+          <a:p>
+            <a:r>
+              <a:t>Purine nucleosides (CHEMONTID:0000479): 0.998761945463918, n_datos: 5</a:t>
             </a:r>
           </a:p>
         </p:txBody>
@@ -16936,19 +17844,19 @@
           <a:p>
             <a:br/>
             <a:r>
-              <a:t>    pH1: 6.0  |  pH2: 6.0  |  Columna: Waters XBridge BEH Amide</a:t>
-            </a:r>
-            <a:br/>
-            <a:r>
-              <a:t>    USP Code: column.usp.code_L68  |  Longitud: 100.0 mm</a:t>
-            </a:r>
-            <a:br/>
-            <a:r>
-              <a:t>    Tamaño Partícula: 2.5 µm  |  Temp: 30.0°C</a:t>
-            </a:r>
-            <a:br/>
-            <a:r>
-              <a:t>    Flujo: 0.5 mL/min  |  T0: 0.441 min</a:t>
+              <a:t>    pH1: 6.0  |  pH2: 6.0  |  Columna: Merck SeQuant ZIC-HILIC</a:t>
+            </a:r>
+            <a:br/>
+            <a:r>
+              <a:t>    USP Code: column.usp.code_L114  |  Longitud: 150.0 mm</a:t>
+            </a:r>
+            <a:br/>
+            <a:r>
+              <a:t>    Tamaño Partícula: 5.0 µm  |  Temp: 25.0°C</a:t>
+            </a:r>
+            <a:br/>
+            <a:r>
+              <a:t>    Flujo: 0.75 mL/min  |  T0: 0.441 min</a:t>
             </a:r>
             <a:br/>
             <a:r>
@@ -16994,11 +17902,13 @@
         </p:nvSpPr>
         <p:spPr/>
         <p:txBody>
-          <a:bodyPr/>
-          <a:lstStyle/>
-          <a:p>
-            <a:r>
-              <a:t>Purine nucleosides (CHEMONTID:0000479): 0.9199948500064375, n_datos: 4</a:t>
+          <a:bodyPr>
+            <a:normAutofit fontScale="90000"/>
+          </a:bodyPr>
+          <a:lstStyle/>
+          <a:p>
+            <a:r>
+              <a:t>Purine nucleosides (CHEMONTID:0000479): 0.9938148682738916, n_datos: 2</a:t>
             </a:r>
           </a:p>
         </p:txBody>
@@ -17062,19 +17972,19 @@
           <a:p>
             <a:br/>
             <a:r>
-              <a:t>    pH1: 4.0  |  pH2: 4.0  |  Columna: Waters XBridge BEH Amide</a:t>
-            </a:r>
-            <a:br/>
-            <a:r>
-              <a:t>    USP Code: column.usp.code_L68  |  Longitud: 100.0 mm</a:t>
-            </a:r>
-            <a:br/>
-            <a:r>
-              <a:t>    Tamaño Partícula: 2.5 µm  |  Temp: 30.0°C</a:t>
-            </a:r>
-            <a:br/>
-            <a:r>
-              <a:t>    Flujo: 0.5 mL/min  |  T0: 0.441 min</a:t>
+              <a:t>    pH1: 6.0  |  pH2: 6.0  |  Columna: Merck SeQuant ZIC-HILIC</a:t>
+            </a:r>
+            <a:br/>
+            <a:r>
+              <a:t>    USP Code: column.usp.code_L114  |  Longitud: 150.0 mm</a:t>
+            </a:r>
+            <a:br/>
+            <a:r>
+              <a:t>    Tamaño Partícula: 5.0 µm  |  Temp: 25.0°C</a:t>
+            </a:r>
+            <a:br/>
+            <a:r>
+              <a:t>    Flujo: 0.75 mL/min  |  T0: 0.441 min</a:t>
             </a:r>
             <a:br/>
             <a:r>
@@ -17120,11 +18030,13 @@
         </p:nvSpPr>
         <p:spPr/>
         <p:txBody>
-          <a:bodyPr/>
-          <a:lstStyle/>
-          <a:p>
-            <a:r>
-              <a:t>Purine nucleosides (CHEMONTID:0000479): 0.9088064889918888, n_datos: 2</a:t>
+          <a:bodyPr>
+            <a:normAutofit fontScale="90000"/>
+          </a:bodyPr>
+          <a:lstStyle/>
+          <a:p>
+            <a:r>
+              <a:t>Purine nucleosides (CHEMONTID:0000479): 0.9600672209686056, n_datos: 6</a:t>
             </a:r>
           </a:p>
         </p:txBody>
@@ -17246,11 +18158,13 @@
         </p:nvSpPr>
         <p:spPr/>
         <p:txBody>
-          <a:bodyPr/>
-          <a:lstStyle/>
-          <a:p>
-            <a:r>
-              <a:t>Purine nucleosides (CHEMONTID:0000479): 0.9083600472910576, n_datos: 5</a:t>
+          <a:bodyPr>
+            <a:normAutofit fontScale="90000"/>
+          </a:bodyPr>
+          <a:lstStyle/>
+          <a:p>
+            <a:r>
+              <a:t>Purine nucleosides (CHEMONTID:0000479): 0.9199948500064375, n_datos: 4</a:t>
             </a:r>
           </a:p>
         </p:txBody>
@@ -17372,11 +18286,13 @@
         </p:nvSpPr>
         <p:spPr/>
         <p:txBody>
-          <a:bodyPr/>
-          <a:lstStyle/>
-          <a:p>
-            <a:r>
-              <a:t>Purine nucleosides (CHEMONTID:0000479): 0.9071695360888412, n_datos: 1</a:t>
+          <a:bodyPr>
+            <a:normAutofit fontScale="90000"/>
+          </a:bodyPr>
+          <a:lstStyle/>
+          <a:p>
+            <a:r>
+              <a:t>Purine nucleosides (CHEMONTID:0000479): 0.9088064889918888, n_datos: 2</a:t>
             </a:r>
           </a:p>
         </p:txBody>
@@ -17440,7 +18356,7 @@
           <a:p>
             <a:br/>
             <a:r>
-              <a:t>    pH1: 4.0  |  pH2: 4.0  |  Columna: Waters XBridge BEH Amide</a:t>
+              <a:t>    pH1: 6.0  |  pH2: 6.0  |  Columna: Waters XBridge BEH Amide</a:t>
             </a:r>
             <a:br/>
             <a:r>
@@ -17498,11 +18414,13 @@
         </p:nvSpPr>
         <p:spPr/>
         <p:txBody>
-          <a:bodyPr/>
-          <a:lstStyle/>
-          <a:p>
-            <a:r>
-              <a:t>Purine nucleosides (CHEMONTID:0000479): 0.8803113365856192, n_datos: 9</a:t>
+          <a:bodyPr>
+            <a:normAutofit fontScale="90000"/>
+          </a:bodyPr>
+          <a:lstStyle/>
+          <a:p>
+            <a:r>
+              <a:t>Purine nucleosides (CHEMONTID:0000479): 0.9083600472910576, n_datos: 5</a:t>
             </a:r>
           </a:p>
         </p:txBody>
@@ -17566,15 +18484,15 @@
           <a:p>
             <a:br/>
             <a:r>
-              <a:t>    pH1: 6.0  |  pH2: 6.0  |  Columna: Thermo Scientific Accucore HILIC</a:t>
-            </a:r>
-            <a:br/>
-            <a:r>
-              <a:t>    USP Code: column.usp.code_L3  |  Longitud: 100.0 mm</a:t>
-            </a:r>
-            <a:br/>
-            <a:r>
-              <a:t>    Tamaño Partícula: 2.6 µm  |  Temp: 36.36363636363637°C</a:t>
+              <a:t>    pH1: 4.0  |  pH2: 4.0  |  Columna: Waters XBridge BEH Amide</a:t>
+            </a:r>
+            <a:br/>
+            <a:r>
+              <a:t>    USP Code: column.usp.code_L68  |  Longitud: 100.0 mm</a:t>
+            </a:r>
+            <a:br/>
+            <a:r>
+              <a:t>    Tamaño Partícula: 2.5 µm  |  Temp: 30.0°C</a:t>
             </a:r>
             <a:br/>
             <a:r>
@@ -17624,18 +18542,20 @@
         </p:nvSpPr>
         <p:spPr/>
         <p:txBody>
-          <a:bodyPr/>
-          <a:lstStyle/>
-          <a:p>
-            <a:r>
-              <a:t>Purine nucleosides (CHEMONTID:0000479): 0.8678081182759053, n_datos: 9</a:t>
+          <a:bodyPr>
+            <a:normAutofit fontScale="90000"/>
+          </a:bodyPr>
+          <a:lstStyle/>
+          <a:p>
+            <a:r>
+              <a:t>Purine nucleosides (CHEMONTID:0000479): 0.9071695360888412, n_datos: 1</a:t>
             </a:r>
           </a:p>
         </p:txBody>
       </p:sp>
       <p:pic>
         <p:nvPicPr>
-          <p:cNvPr id="3" name="Picture 2" descr="diff_grafica_Purine nucleosides _CHEMONTID_0000479__58.png"/>
+          <p:cNvPr id="3" name="Picture 2" descr="diff_grafica_Purine nucleosides _CHEMONTID_0000479__49.png"/>
           <p:cNvPicPr>
             <a:picLocks noChangeAspect="1"/>
           </p:cNvPicPr>
@@ -17692,19 +18612,19 @@
           <a:p>
             <a:br/>
             <a:r>
-              <a:t>    pH1: 3.0  |  pH2: 3.0  |  Columna: Waters ACQUITY UPLC BEH C18</a:t>
-            </a:r>
-            <a:br/>
-            <a:r>
-              <a:t>    USP Code: column.usp.code_L1  |  Longitud: 100.0 mm</a:t>
-            </a:r>
-            <a:br/>
-            <a:r>
-              <a:t>    Tamaño Partícula: 1.7 µm  |  Temp: 40.54166666666666°C</a:t>
-            </a:r>
-            <a:br/>
-            <a:r>
-              <a:t>    Flujo: 0.1 mL/min  |  T0: 2.205 min</a:t>
+              <a:t>    pH1: 4.0  |  pH2: 4.0  |  Columna: Waters XBridge BEH Amide</a:t>
+            </a:r>
+            <a:br/>
+            <a:r>
+              <a:t>    USP Code: column.usp.code_L68  |  Longitud: 100.0 mm</a:t>
+            </a:r>
+            <a:br/>
+            <a:r>
+              <a:t>    Tamaño Partícula: 2.5 µm  |  Temp: 30.0°C</a:t>
+            </a:r>
+            <a:br/>
+            <a:r>
+              <a:t>    Flujo: 0.5 mL/min  |  T0: 0.441 min</a:t>
             </a:r>
             <a:br/>
             <a:r>
@@ -17750,18 +18670,20 @@
         </p:nvSpPr>
         <p:spPr/>
         <p:txBody>
-          <a:bodyPr/>
-          <a:lstStyle/>
-          <a:p>
-            <a:r>
-              <a:t>Purine nucleotides (CHEMONTID:0001506): 0.7716404634233737, n_datos: 3</a:t>
+          <a:bodyPr>
+            <a:normAutofit fontScale="90000"/>
+          </a:bodyPr>
+          <a:lstStyle/>
+          <a:p>
+            <a:r>
+              <a:t>Purine nucleotides (CHEMONTID:0001506): 0.8108091825840159, n_datos: 1</a:t>
             </a:r>
           </a:p>
         </p:txBody>
       </p:sp>
       <p:pic>
         <p:nvPicPr>
-          <p:cNvPr id="3" name="Picture 2" descr="diff_grafica_Purine nucleotides _CHEMONTID_0001506__0.png"/>
+          <p:cNvPr id="3" name="Picture 2" descr="diff_grafica_Purine nucleotides _CHEMONTID_0001506__3.png"/>
           <p:cNvPicPr>
             <a:picLocks noChangeAspect="1"/>
           </p:cNvPicPr>
@@ -17775,7 +18697,7 @@
         </p:blipFill>
         <p:spPr>
           <a:xfrm>
-            <a:off x="914400" y="1371600"/>
+            <a:off x="1953985" y="1790700"/>
             <a:ext cx="5486400" cy="3657600"/>
           </a:xfrm>
           <a:prstGeom prst="rect">
@@ -17830,7 +18752,7 @@
             </a:r>
             <a:br/>
             <a:r>
-              <a:t>    Flujo: 0.3 mL/min  |  T0: 0.735 min</a:t>
+              <a:t>    Flujo: 0.15 mL/min  |  T0: 1.47 min</a:t>
             </a:r>
             <a:br/>
             <a:r>
@@ -17876,18 +18798,20 @@
         </p:nvSpPr>
         <p:spPr/>
         <p:txBody>
-          <a:bodyPr/>
-          <a:lstStyle/>
-          <a:p>
-            <a:r>
-              <a:t>Ribonucleoside 3'-phosphates (CHEMONTID:0004404): 1.0, n_datos: 2</a:t>
+          <a:bodyPr>
+            <a:normAutofit fontScale="90000"/>
+          </a:bodyPr>
+          <a:lstStyle/>
+          <a:p>
+            <a:r>
+              <a:t>Purine nucleosides (CHEMONTID:0000479): 0.8803113365856192, n_datos: 9</a:t>
             </a:r>
           </a:p>
         </p:txBody>
       </p:sp>
       <p:pic>
         <p:nvPicPr>
-          <p:cNvPr id="3" name="Picture 2" descr="diff_grafica_Ribonucleoside 3_-phosphates _CHEMONTID_0004404__59.png"/>
+          <p:cNvPr id="3" name="Picture 2" descr="diff_grafica_Purine nucleosides _CHEMONTID_0000479__49.png"/>
           <p:cNvPicPr>
             <a:picLocks noChangeAspect="1"/>
           </p:cNvPicPr>
@@ -17944,19 +18868,19 @@
           <a:p>
             <a:br/>
             <a:r>
-              <a:t>    pH1: 0.0  |  pH2: 0.0  |  Columna: Waters ACQUITY UPLC BEH Amide</a:t>
-            </a:r>
-            <a:br/>
-            <a:r>
-              <a:t>    USP Code: column.usp.code_L68  |  Longitud: 100.0 mm</a:t>
-            </a:r>
-            <a:br/>
-            <a:r>
-              <a:t>    Tamaño Partícula: 1.7 µm  |  Temp: 40.0°C</a:t>
-            </a:r>
-            <a:br/>
-            <a:r>
-              <a:t>    Flujo: 0.5 mL/min  |  T0: 0.4571959788769226 min</a:t>
+              <a:t>    pH1: 6.0  |  pH2: 6.0  |  Columna: Thermo Scientific Accucore HILIC</a:t>
+            </a:r>
+            <a:br/>
+            <a:r>
+              <a:t>    USP Code: column.usp.code_L3  |  Longitud: 100.0 mm</a:t>
+            </a:r>
+            <a:br/>
+            <a:r>
+              <a:t>    Tamaño Partícula: 2.6 µm  |  Temp: 36.36363636363637°C</a:t>
+            </a:r>
+            <a:br/>
+            <a:r>
+              <a:t>    Flujo: 0.5 mL/min  |  T0: 0.441 min</a:t>
             </a:r>
             <a:br/>
             <a:r>
@@ -18002,18 +18926,20 @@
         </p:nvSpPr>
         <p:spPr/>
         <p:txBody>
-          <a:bodyPr/>
-          <a:lstStyle/>
-          <a:p>
-            <a:r>
-              <a:t>Ribonucleoside 3'-phosphates (CHEMONTID:0004404): 1.0, n_datos: 1</a:t>
+          <a:bodyPr>
+            <a:normAutofit fontScale="90000"/>
+          </a:bodyPr>
+          <a:lstStyle/>
+          <a:p>
+            <a:r>
+              <a:t>Purine nucleosides (CHEMONTID:0000479): 0.8678081182759053, n_datos: 9</a:t>
             </a:r>
           </a:p>
         </p:txBody>
       </p:sp>
       <p:pic>
         <p:nvPicPr>
-          <p:cNvPr id="3" name="Picture 2" descr="diff_grafica_Ribonucleoside 3_-phosphates _CHEMONTID_0004404__59.png"/>
+          <p:cNvPr id="3" name="Picture 2" descr="diff_grafica_Purine nucleosides _CHEMONTID_0000479__58.png"/>
           <p:cNvPicPr>
             <a:picLocks noChangeAspect="1"/>
           </p:cNvPicPr>
@@ -18070,19 +18996,19 @@
           <a:p>
             <a:br/>
             <a:r>
-              <a:t>    pH1: 0.0  |  pH2: 0.0  |  Columna: Waters ACQUITY UPLC BEH Amide</a:t>
-            </a:r>
-            <a:br/>
-            <a:r>
-              <a:t>    USP Code: column.usp.code_L68  |  Longitud: 100.0 mm</a:t>
-            </a:r>
-            <a:br/>
-            <a:r>
-              <a:t>    Tamaño Partícula: 1.7 µm  |  Temp: 40.0°C</a:t>
-            </a:r>
-            <a:br/>
-            <a:r>
-              <a:t>    Flujo: 0.5 mL/min  |  T0: 0.4571959788769226 min</a:t>
+              <a:t>    pH1: 3.0  |  pH2: 3.0  |  Columna: Waters ACQUITY UPLC BEH C18</a:t>
+            </a:r>
+            <a:br/>
+            <a:r>
+              <a:t>    USP Code: column.usp.code_L1  |  Longitud: 100.0 mm</a:t>
+            </a:r>
+            <a:br/>
+            <a:r>
+              <a:t>    Tamaño Partícula: 1.7 µm  |  Temp: 40.54166666666666°C</a:t>
+            </a:r>
+            <a:br/>
+            <a:r>
+              <a:t>    Flujo: 0.1 mL/min  |  T0: 2.205 min</a:t>
             </a:r>
             <a:br/>
             <a:r>
@@ -18128,18 +19054,20 @@
         </p:nvSpPr>
         <p:spPr/>
         <p:txBody>
-          <a:bodyPr/>
-          <a:lstStyle/>
-          <a:p>
-            <a:r>
-              <a:t>Ribonucleoside 3'-phosphates (CHEMONTID:0004404): 0.2207942494594268, n_datos: 1</a:t>
+          <a:bodyPr>
+            <a:normAutofit fontScale="90000"/>
+          </a:bodyPr>
+          <a:lstStyle/>
+          <a:p>
+            <a:r>
+              <a:t>Ribonucleoside 3'-phosphates (CHEMONTID:0004404): 1.0, n_datos: 2</a:t>
             </a:r>
           </a:p>
         </p:txBody>
       </p:sp>
       <p:pic>
         <p:nvPicPr>
-          <p:cNvPr id="3" name="Picture 2" descr="diff_grafica_Ribonucleoside 3_-phosphates _CHEMONTID_0004404__61.png"/>
+          <p:cNvPr id="3" name="Picture 2" descr="diff_grafica_Ribonucleoside 3_-phosphates _CHEMONTID_0004404__59.png"/>
           <p:cNvPicPr>
             <a:picLocks noChangeAspect="1"/>
           </p:cNvPicPr>
@@ -18196,19 +19124,19 @@
           <a:p>
             <a:br/>
             <a:r>
-              <a:t>    pH1: 0.0  |  pH2: 0.0  |  Columna: Waters ACQUITY UPLC HSS T3</a:t>
-            </a:r>
-            <a:br/>
-            <a:r>
-              <a:t>    USP Code: column.usp.code_L1  |  Longitud: 150.0 mm</a:t>
-            </a:r>
-            <a:br/>
-            <a:r>
-              <a:t>    Tamaño Partícula: 1.7 µm  |  Temp: 30.0°C</a:t>
-            </a:r>
-            <a:br/>
-            <a:r>
-              <a:t>    Flujo: 0.4 mL/min  |  T0: 0.8268749999999999 min</a:t>
+              <a:t>    pH1: 0.0  |  pH2: 0.0  |  Columna: Waters ACQUITY UPLC BEH Amide</a:t>
+            </a:r>
+            <a:br/>
+            <a:r>
+              <a:t>    USP Code: column.usp.code_L68  |  Longitud: 100.0 mm</a:t>
+            </a:r>
+            <a:br/>
+            <a:r>
+              <a:t>    Tamaño Partícula: 1.7 µm  |  Temp: 40.0°C</a:t>
+            </a:r>
+            <a:br/>
+            <a:r>
+              <a:t>    Flujo: 0.5 mL/min  |  T0: 0.4571959788769226 min</a:t>
             </a:r>
             <a:br/>
             <a:r>
@@ -18254,18 +19182,20 @@
         </p:nvSpPr>
         <p:spPr/>
         <p:txBody>
-          <a:bodyPr/>
-          <a:lstStyle/>
-          <a:p>
-            <a:r>
-              <a:t>Ribonucleoside 3'-phosphates (CHEMONTID:0004404): 0.0, n_datos: 2</a:t>
+          <a:bodyPr>
+            <a:normAutofit fontScale="90000"/>
+          </a:bodyPr>
+          <a:lstStyle/>
+          <a:p>
+            <a:r>
+              <a:t>Ribonucleoside 3'-phosphates (CHEMONTID:0004404): 1.0, n_datos: 1</a:t>
             </a:r>
           </a:p>
         </p:txBody>
       </p:sp>
       <p:pic>
         <p:nvPicPr>
-          <p:cNvPr id="3" name="Picture 2" descr="diff_grafica_Ribonucleoside 3_-phosphates _CHEMONTID_0004404__62.png"/>
+          <p:cNvPr id="3" name="Picture 2" descr="diff_grafica_Ribonucleoside 3_-phosphates _CHEMONTID_0004404__59.png"/>
           <p:cNvPicPr>
             <a:picLocks noChangeAspect="1"/>
           </p:cNvPicPr>
@@ -18322,19 +19252,19 @@
           <a:p>
             <a:br/>
             <a:r>
-              <a:t>    pH1: 0.0  |  pH2: 3.0  |  Columna: Merck SeQuant ZIC-HILIC</a:t>
-            </a:r>
-            <a:br/>
-            <a:r>
-              <a:t>    USP Code: column.usp.code_L114  |  Longitud: 145.45454545454547 mm</a:t>
-            </a:r>
-            <a:br/>
-            <a:r>
-              <a:t>    Tamaño Partícula: 4.863636363636363 µm  |  Temp: 25.0°C</a:t>
-            </a:r>
-            <a:br/>
-            <a:r>
-              <a:t>    Flujo: 0.25 mL/min  |  T0: 1.3300246658237755 min</a:t>
+              <a:t>    pH1: 0.0  |  pH2: 0.0  |  Columna: Waters ACQUITY UPLC BEH Amide</a:t>
+            </a:r>
+            <a:br/>
+            <a:r>
+              <a:t>    USP Code: column.usp.code_L68  |  Longitud: 100.0 mm</a:t>
+            </a:r>
+            <a:br/>
+            <a:r>
+              <a:t>    Tamaño Partícula: 1.7 µm  |  Temp: 40.0°C</a:t>
+            </a:r>
+            <a:br/>
+            <a:r>
+              <a:t>    Flujo: 0.5 mL/min  |  T0: 0.4571959788769226 min</a:t>
             </a:r>
             <a:br/>
             <a:r>
@@ -18380,18 +19310,20 @@
         </p:nvSpPr>
         <p:spPr/>
         <p:txBody>
-          <a:bodyPr/>
-          <a:lstStyle/>
-          <a:p>
-            <a:r>
-              <a:t>Ribonucleoside 3'-phosphates (CHEMONTID:0004404): 0.0, n_datos: 2</a:t>
+          <a:bodyPr>
+            <a:normAutofit fontScale="90000"/>
+          </a:bodyPr>
+          <a:lstStyle/>
+          <a:p>
+            <a:r>
+              <a:t>Ribonucleoside 3'-phosphates (CHEMONTID:0004404): 0.2207942494594268, n_datos: 1</a:t>
             </a:r>
           </a:p>
         </p:txBody>
       </p:sp>
       <p:pic>
         <p:nvPicPr>
-          <p:cNvPr id="3" name="Picture 2" descr="diff_grafica_Ribonucleoside 3_-phosphates _CHEMONTID_0004404__63.png"/>
+          <p:cNvPr id="3" name="Picture 2" descr="diff_grafica_Ribonucleoside 3_-phosphates _CHEMONTID_0004404__61.png"/>
           <p:cNvPicPr>
             <a:picLocks noChangeAspect="1"/>
           </p:cNvPicPr>
@@ -18448,19 +19380,19 @@
           <a:p>
             <a:br/>
             <a:r>
-              <a:t>    pH1: 3.0  |  pH2: 3.0  |  Columna: Thermo Scientific Hypersil GOLD</a:t>
-            </a:r>
-            <a:br/>
-            <a:r>
-              <a:t>    USP Code: column.usp.code_L1  |  Longitud: 113.75 mm</a:t>
-            </a:r>
-            <a:br/>
-            <a:r>
-              <a:t>    Tamaño Partícula: 1.9 µm  |  Temp: 40.0°C</a:t>
-            </a:r>
-            <a:br/>
-            <a:r>
-              <a:t>    Flujo: 0.4 mL/min  |  T0: 0.6500755324656243 min</a:t>
+              <a:t>    pH1: 0.0  |  pH2: 0.0  |  Columna: Waters ACQUITY UPLC HSS T3</a:t>
+            </a:r>
+            <a:br/>
+            <a:r>
+              <a:t>    USP Code: column.usp.code_L1  |  Longitud: 150.0 mm</a:t>
+            </a:r>
+            <a:br/>
+            <a:r>
+              <a:t>    Tamaño Partícula: 1.7 µm  |  Temp: 30.0°C</a:t>
+            </a:r>
+            <a:br/>
+            <a:r>
+              <a:t>    Flujo: 0.4 mL/min  |  T0: 0.8268749999999999 min</a:t>
             </a:r>
             <a:br/>
             <a:r>
@@ -18506,18 +19438,20 @@
         </p:nvSpPr>
         <p:spPr/>
         <p:txBody>
-          <a:bodyPr/>
-          <a:lstStyle/>
-          <a:p>
-            <a:r>
-              <a:t>5'-deoxyribonucleosides (CHEMONTID:0004502): 1.0, n_datos: 1</a:t>
+          <a:bodyPr>
+            <a:normAutofit fontScale="90000"/>
+          </a:bodyPr>
+          <a:lstStyle/>
+          <a:p>
+            <a:r>
+              <a:t>Ribonucleoside 3'-phosphates (CHEMONTID:0004404): 0.0, n_datos: 2</a:t>
             </a:r>
           </a:p>
         </p:txBody>
       </p:sp>
       <p:pic>
         <p:nvPicPr>
-          <p:cNvPr id="3" name="Picture 2" descr="diff_grafica_5_-deoxyribonucleosides _CHEMONTID_0004502__64.png"/>
+          <p:cNvPr id="3" name="Picture 2" descr="diff_grafica_Ribonucleoside 3_-phosphates _CHEMONTID_0004404__62.png"/>
           <p:cNvPicPr>
             <a:picLocks noChangeAspect="1"/>
           </p:cNvPicPr>
@@ -18574,19 +19508,19 @@
           <a:p>
             <a:br/>
             <a:r>
-              <a:t>    pH1: 6.0  |  pH2: 6.0  |  Columna: Thermo Scientific Accucore HILIC</a:t>
-            </a:r>
-            <a:br/>
-            <a:r>
-              <a:t>    USP Code: column.usp.code_L3  |  Longitud: 100.0 mm</a:t>
-            </a:r>
-            <a:br/>
-            <a:r>
-              <a:t>    Tamaño Partícula: 2.6 µm  |  Temp: 36.36363636363637°C</a:t>
-            </a:r>
-            <a:br/>
-            <a:r>
-              <a:t>    Flujo: 0.5 mL/min  |  T0: 0.441 min</a:t>
+              <a:t>    pH1: 0.0  |  pH2: 3.0  |  Columna: Merck SeQuant ZIC-HILIC</a:t>
+            </a:r>
+            <a:br/>
+            <a:r>
+              <a:t>    USP Code: column.usp.code_L114  |  Longitud: 145.45454545454547 mm</a:t>
+            </a:r>
+            <a:br/>
+            <a:r>
+              <a:t>    Tamaño Partícula: 4.863636363636363 µm  |  Temp: 25.0°C</a:t>
+            </a:r>
+            <a:br/>
+            <a:r>
+              <a:t>    Flujo: 0.25 mL/min  |  T0: 1.3300246658237755 min</a:t>
             </a:r>
             <a:br/>
             <a:r>
@@ -18632,18 +19566,20 @@
         </p:nvSpPr>
         <p:spPr/>
         <p:txBody>
-          <a:bodyPr/>
-          <a:lstStyle/>
-          <a:p>
-            <a:r>
-              <a:t>5'-deoxyribonucleosides (CHEMONTID:0004502): 0.9882970241437397, n_datos: 3</a:t>
+          <a:bodyPr>
+            <a:normAutofit fontScale="90000"/>
+          </a:bodyPr>
+          <a:lstStyle/>
+          <a:p>
+            <a:r>
+              <a:t>Ribonucleoside 3'-phosphates (CHEMONTID:0004404): 0.0, n_datos: 2</a:t>
             </a:r>
           </a:p>
         </p:txBody>
       </p:sp>
       <p:pic>
         <p:nvPicPr>
-          <p:cNvPr id="3" name="Picture 2" descr="diff_grafica_5_-deoxyribonucleosides _CHEMONTID_0004502__64.png"/>
+          <p:cNvPr id="3" name="Picture 2" descr="diff_grafica_Ribonucleoside 3_-phosphates _CHEMONTID_0004404__63.png"/>
           <p:cNvPicPr>
             <a:picLocks noChangeAspect="1"/>
           </p:cNvPicPr>
@@ -18700,19 +19636,19 @@
           <a:p>
             <a:br/>
             <a:r>
-              <a:t>    pH1: 6.0  |  pH2: 6.0  |  Columna: Thermo Scientific Accucore HILIC</a:t>
-            </a:r>
-            <a:br/>
-            <a:r>
-              <a:t>    USP Code: column.usp.code_L3  |  Longitud: 100.0 mm</a:t>
-            </a:r>
-            <a:br/>
-            <a:r>
-              <a:t>    Tamaño Partícula: 2.6 µm  |  Temp: 36.36363636363637°C</a:t>
-            </a:r>
-            <a:br/>
-            <a:r>
-              <a:t>    Flujo: 0.5 mL/min  |  T0: 0.441 min</a:t>
+              <a:t>    pH1: 3.0  |  pH2: 3.0  |  Columna: Thermo Scientific Hypersil GOLD</a:t>
+            </a:r>
+            <a:br/>
+            <a:r>
+              <a:t>    USP Code: column.usp.code_L1  |  Longitud: 113.75 mm</a:t>
+            </a:r>
+            <a:br/>
+            <a:r>
+              <a:t>    Tamaño Partícula: 1.9 µm  |  Temp: 40.0°C</a:t>
+            </a:r>
+            <a:br/>
+            <a:r>
+              <a:t>    Flujo: 0.4 mL/min  |  T0: 0.6500755324656243 min</a:t>
             </a:r>
             <a:br/>
             <a:r>
@@ -18758,11 +19694,13 @@
         </p:nvSpPr>
         <p:spPr/>
         <p:txBody>
-          <a:bodyPr/>
-          <a:lstStyle/>
-          <a:p>
-            <a:r>
-              <a:t>5'-deoxyribonucleosides (CHEMONTID:0004502): 0.980008553797275, n_datos: 1</a:t>
+          <a:bodyPr>
+            <a:normAutofit fontScale="90000"/>
+          </a:bodyPr>
+          <a:lstStyle/>
+          <a:p>
+            <a:r>
+              <a:t>5'-deoxyribonucleosides (CHEMONTID:0004502): 1.0, n_datos: 1</a:t>
             </a:r>
           </a:p>
         </p:txBody>
@@ -18826,7 +19764,7 @@
           <a:p>
             <a:br/>
             <a:r>
-              <a:t>    pH1: 4.0  |  pH2: 4.0  |  Columna: Thermo Scientific Accucore HILIC</a:t>
+              <a:t>    pH1: 6.0  |  pH2: 6.0  |  Columna: Thermo Scientific Accucore HILIC</a:t>
             </a:r>
             <a:br/>
             <a:r>
@@ -18884,11 +19822,13 @@
         </p:nvSpPr>
         <p:spPr/>
         <p:txBody>
-          <a:bodyPr/>
-          <a:lstStyle/>
-          <a:p>
-            <a:r>
-              <a:t>5'-deoxyribonucleosides (CHEMONTID:0004502): 0.974340258281864, n_datos: 1</a:t>
+          <a:bodyPr>
+            <a:normAutofit fontScale="90000"/>
+          </a:bodyPr>
+          <a:lstStyle/>
+          <a:p>
+            <a:r>
+              <a:t>5'-deoxyribonucleosides (CHEMONTID:0004502): 0.9882970241437397, n_datos: 3</a:t>
             </a:r>
           </a:p>
         </p:txBody>
@@ -18952,19 +19892,19 @@
           <a:p>
             <a:br/>
             <a:r>
-              <a:t>    pH1: 4.0  |  pH2: 4.0  |  Columna: Merck SeQuant ZIC-HILIC</a:t>
-            </a:r>
-            <a:br/>
-            <a:r>
-              <a:t>    USP Code: column.usp.code_L114  |  Longitud: 150.0 mm</a:t>
-            </a:r>
-            <a:br/>
-            <a:r>
-              <a:t>    Tamaño Partícula: 5.0 µm  |  Temp: 25.0°C</a:t>
-            </a:r>
-            <a:br/>
-            <a:r>
-              <a:t>    Flujo: 0.75 mL/min  |  T0: 0.441 min</a:t>
+              <a:t>    pH1: 6.0  |  pH2: 6.0  |  Columna: Thermo Scientific Accucore HILIC</a:t>
+            </a:r>
+            <a:br/>
+            <a:r>
+              <a:t>    USP Code: column.usp.code_L3  |  Longitud: 100.0 mm</a:t>
+            </a:r>
+            <a:br/>
+            <a:r>
+              <a:t>    Tamaño Partícula: 2.6 µm  |  Temp: 36.36363636363637°C</a:t>
+            </a:r>
+            <a:br/>
+            <a:r>
+              <a:t>    Flujo: 0.5 mL/min  |  T0: 0.441 min</a:t>
             </a:r>
             <a:br/>
             <a:r>
@@ -19010,11 +19950,13 @@
         </p:nvSpPr>
         <p:spPr/>
         <p:txBody>
-          <a:bodyPr/>
-          <a:lstStyle/>
-          <a:p>
-            <a:r>
-              <a:t>5'-deoxyribonucleosides (CHEMONTID:0004502): 0.9735506794664008, n_datos: 1</a:t>
+          <a:bodyPr>
+            <a:normAutofit fontScale="90000"/>
+          </a:bodyPr>
+          <a:lstStyle/>
+          <a:p>
+            <a:r>
+              <a:t>5'-deoxyribonucleosides (CHEMONTID:0004502): 0.980008553797275, n_datos: 1</a:t>
             </a:r>
           </a:p>
         </p:txBody>
@@ -19078,19 +20020,19 @@
           <a:p>
             <a:br/>
             <a:r>
-              <a:t>    pH1: 4.0  |  pH2: 4.0  |  Columna: Merck SeQuant ZIC-HILIC</a:t>
-            </a:r>
-            <a:br/>
-            <a:r>
-              <a:t>    USP Code: column.usp.code_L114  |  Longitud: 150.0 mm</a:t>
-            </a:r>
-            <a:br/>
-            <a:r>
-              <a:t>    Tamaño Partícula: 5.0 µm  |  Temp: 25.0°C</a:t>
-            </a:r>
-            <a:br/>
-            <a:r>
-              <a:t>    Flujo: 0.75 mL/min  |  T0: 0.441 min</a:t>
+              <a:t>    pH1: 4.0  |  pH2: 4.0  |  Columna: Thermo Scientific Accucore HILIC</a:t>
+            </a:r>
+            <a:br/>
+            <a:r>
+              <a:t>    USP Code: column.usp.code_L3  |  Longitud: 100.0 mm</a:t>
+            </a:r>
+            <a:br/>
+            <a:r>
+              <a:t>    Tamaño Partícula: 2.6 µm  |  Temp: 36.36363636363637°C</a:t>
+            </a:r>
+            <a:br/>
+            <a:r>
+              <a:t>    Flujo: 0.5 mL/min  |  T0: 0.441 min</a:t>
             </a:r>
             <a:br/>
             <a:r>
@@ -19136,11 +20078,13 @@
         </p:nvSpPr>
         <p:spPr/>
         <p:txBody>
-          <a:bodyPr/>
-          <a:lstStyle/>
-          <a:p>
-            <a:r>
-              <a:t>Purine nucleotides (CHEMONTID:0001506): 0.7631525502292543, n_datos: 3</a:t>
+          <a:bodyPr>
+            <a:normAutofit fontScale="90000"/>
+          </a:bodyPr>
+          <a:lstStyle/>
+          <a:p>
+            <a:r>
+              <a:t>Purine nucleotides (CHEMONTID:0001506): 0.808487697582645, n_datos: 3</a:t>
             </a:r>
           </a:p>
         </p:txBody>
@@ -19161,7 +20105,7 @@
         </p:blipFill>
         <p:spPr>
           <a:xfrm>
-            <a:off x="914400" y="1371600"/>
+            <a:off x="1828800" y="2019300"/>
             <a:ext cx="5486400" cy="3657600"/>
           </a:xfrm>
           <a:prstGeom prst="rect">
@@ -19204,7 +20148,7 @@
           <a:p>
             <a:br/>
             <a:r>
-              <a:t>    pH1: 3.0  |  pH2: 3.0  |  Columna: Waters ACQUITY UPLC BEH C18</a:t>
+              <a:t>    pH1: 3.0  |  pH2: 3.0  |  Columna: Waters CORTECS T3</a:t>
             </a:r>
             <a:br/>
             <a:r>
@@ -19212,11 +20156,11 @@
             </a:r>
             <a:br/>
             <a:r>
-              <a:t>    Tamaño Partícula: 1.7 µm  |  Temp: 40.54166666666666°C</a:t>
-            </a:r>
-            <a:br/>
-            <a:r>
-              <a:t>    Flujo: 0.1 mL/min  |  T0: 2.205 min</a:t>
+              <a:t>    Tamaño Partícula: 2.7 µm  |  Temp: 40.0°C</a:t>
+            </a:r>
+            <a:br/>
+            <a:r>
+              <a:t>    Flujo: 0.25 mL/min  |  T0: 0.882 min</a:t>
             </a:r>
             <a:br/>
             <a:r>
@@ -19262,11 +20206,13 @@
         </p:nvSpPr>
         <p:spPr/>
         <p:txBody>
-          <a:bodyPr/>
-          <a:lstStyle/>
-          <a:p>
-            <a:r>
-              <a:t>5'-deoxyribonucleosides (CHEMONTID:0004502): 0.9732920101654994, n_datos: 2</a:t>
+          <a:bodyPr>
+            <a:normAutofit fontScale="90000"/>
+          </a:bodyPr>
+          <a:lstStyle/>
+          <a:p>
+            <a:r>
+              <a:t>5'-deoxyribonucleosides (CHEMONTID:0004502): 0.974340258281864, n_datos: 1</a:t>
             </a:r>
           </a:p>
         </p:txBody>
@@ -19330,7 +20276,7 @@
           <a:p>
             <a:br/>
             <a:r>
-              <a:t>    pH1: 6.0  |  pH2: 6.0  |  Columna: Merck SeQuant ZIC-HILIC</a:t>
+              <a:t>    pH1: 4.0  |  pH2: 4.0  |  Columna: Merck SeQuant ZIC-HILIC</a:t>
             </a:r>
             <a:br/>
             <a:r>
@@ -19388,11 +20334,13 @@
         </p:nvSpPr>
         <p:spPr/>
         <p:txBody>
-          <a:bodyPr/>
-          <a:lstStyle/>
-          <a:p>
-            <a:r>
-              <a:t>5'-deoxyribonucleosides (CHEMONTID:0004502): 0.9729394938125738, n_datos: 3</a:t>
+          <a:bodyPr>
+            <a:normAutofit fontScale="90000"/>
+          </a:bodyPr>
+          <a:lstStyle/>
+          <a:p>
+            <a:r>
+              <a:t>5'-deoxyribonucleosides (CHEMONTID:0004502): 0.9735506794664008, n_datos: 1</a:t>
             </a:r>
           </a:p>
         </p:txBody>
@@ -19456,7 +20404,7 @@
           <a:p>
             <a:br/>
             <a:r>
-              <a:t>    pH1: 6.0  |  pH2: 6.0  |  Columna: Merck SeQuant ZIC-HILIC</a:t>
+              <a:t>    pH1: 4.0  |  pH2: 4.0  |  Columna: Merck SeQuant ZIC-HILIC</a:t>
             </a:r>
             <a:br/>
             <a:r>
@@ -19514,11 +20462,13 @@
         </p:nvSpPr>
         <p:spPr/>
         <p:txBody>
-          <a:bodyPr/>
-          <a:lstStyle/>
-          <a:p>
-            <a:r>
-              <a:t>5'-deoxyribonucleosides (CHEMONTID:0004502): 0.972064548224613, n_datos: 3</a:t>
+          <a:bodyPr>
+            <a:normAutofit fontScale="90000"/>
+          </a:bodyPr>
+          <a:lstStyle/>
+          <a:p>
+            <a:r>
+              <a:t>5'-deoxyribonucleosides (CHEMONTID:0004502): 0.9732920101654994, n_datos: 2</a:t>
             </a:r>
           </a:p>
         </p:txBody>
@@ -19640,18 +20590,20 @@
         </p:nvSpPr>
         <p:spPr/>
         <p:txBody>
-          <a:bodyPr/>
-          <a:lstStyle/>
-          <a:p>
-            <a:r>
-              <a:t>5'-deoxyribonucleosides (CHEMONTID:0004502): 0.9718474503025064, n_datos: 2</a:t>
+          <a:bodyPr>
+            <a:normAutofit fontScale="90000"/>
+          </a:bodyPr>
+          <a:lstStyle/>
+          <a:p>
+            <a:r>
+              <a:t>5'-deoxyribonucleosides (CHEMONTID:0004502): 0.9729394938125738, n_datos: 3</a:t>
             </a:r>
           </a:p>
         </p:txBody>
       </p:sp>
       <p:pic>
         <p:nvPicPr>
-          <p:cNvPr id="3" name="Picture 2" descr="diff_grafica_5_-deoxyribonucleosides _CHEMONTID_0004502__72.png"/>
+          <p:cNvPr id="3" name="Picture 2" descr="diff_grafica_5_-deoxyribonucleosides _CHEMONTID_0004502__64.png"/>
           <p:cNvPicPr>
             <a:picLocks noChangeAspect="1"/>
           </p:cNvPicPr>
@@ -19708,19 +20660,19 @@
           <a:p>
             <a:br/>
             <a:r>
-              <a:t>    pH1: 3.0  |  pH2: 3.0  |  Columna: Waters CORTECS T3</a:t>
-            </a:r>
-            <a:br/>
-            <a:r>
-              <a:t>    USP Code: column.usp.code_L1  |  Longitud: 100.0 mm</a:t>
-            </a:r>
-            <a:br/>
-            <a:r>
-              <a:t>    Tamaño Partícula: 2.7 µm  |  Temp: 40.0°C</a:t>
-            </a:r>
-            <a:br/>
-            <a:r>
-              <a:t>    Flujo: 0.25 mL/min  |  T0: 0.882 min</a:t>
+              <a:t>    pH1: 6.0  |  pH2: 6.0  |  Columna: Merck SeQuant ZIC-HILIC</a:t>
+            </a:r>
+            <a:br/>
+            <a:r>
+              <a:t>    USP Code: column.usp.code_L114  |  Longitud: 150.0 mm</a:t>
+            </a:r>
+            <a:br/>
+            <a:r>
+              <a:t>    Tamaño Partícula: 5.0 µm  |  Temp: 25.0°C</a:t>
+            </a:r>
+            <a:br/>
+            <a:r>
+              <a:t>    Flujo: 0.75 mL/min  |  T0: 0.441 min</a:t>
             </a:r>
             <a:br/>
             <a:r>
@@ -19766,11 +20718,13 @@
         </p:nvSpPr>
         <p:spPr/>
         <p:txBody>
-          <a:bodyPr/>
-          <a:lstStyle/>
-          <a:p>
-            <a:r>
-              <a:t>5'-deoxyribonucleosides (CHEMONTID:0004502): 0.9717965340979928, n_datos: 2</a:t>
+          <a:bodyPr>
+            <a:normAutofit fontScale="90000"/>
+          </a:bodyPr>
+          <a:lstStyle/>
+          <a:p>
+            <a:r>
+              <a:t>5'-deoxyribonucleosides (CHEMONTID:0004502): 0.972064548224613, n_datos: 3</a:t>
             </a:r>
           </a:p>
         </p:txBody>
@@ -19892,18 +20846,20 @@
         </p:nvSpPr>
         <p:spPr/>
         <p:txBody>
-          <a:bodyPr/>
-          <a:lstStyle/>
-          <a:p>
-            <a:r>
-              <a:t>Nucleoside and nucleotide analogues (CHEMONTID:0003737): 1.0, n_datos: 1</a:t>
+          <a:bodyPr>
+            <a:normAutofit fontScale="90000"/>
+          </a:bodyPr>
+          <a:lstStyle/>
+          <a:p>
+            <a:r>
+              <a:t>5'-deoxyribonucleosides (CHEMONTID:0004502): 0.9718474503025064, n_datos: 2</a:t>
             </a:r>
           </a:p>
         </p:txBody>
       </p:sp>
       <p:pic>
         <p:nvPicPr>
-          <p:cNvPr id="3" name="Picture 2" descr="diff_grafica_Nucleoside and nucleotide analogues _CHEMONTID_0003737__74.png"/>
+          <p:cNvPr id="3" name="Picture 2" descr="diff_grafica_5_-deoxyribonucleosides _CHEMONTID_0004502__72.png"/>
           <p:cNvPicPr>
             <a:picLocks noChangeAspect="1"/>
           </p:cNvPicPr>
@@ -19960,19 +20916,19 @@
           <a:p>
             <a:br/>
             <a:r>
-              <a:t>    pH1: 3.0  |  pH2: 3.0  |  Columna: Agilent ZORBAX Extend-C18</a:t>
-            </a:r>
-            <a:br/>
-            <a:r>
-              <a:t>    USP Code: column.usp.code_L1  |  Longitud: 50.0 mm</a:t>
-            </a:r>
-            <a:br/>
-            <a:r>
-              <a:t>    Tamaño Partícula: 1.8 µm  |  Temp: 35.0°C</a:t>
-            </a:r>
-            <a:br/>
-            <a:r>
-              <a:t>    Flujo: 0.1 mL/min  |  T0: 1.1025 min</a:t>
+              <a:t>    pH1: 3.0  |  pH2: 3.0  |  Columna: Waters CORTECS T3</a:t>
+            </a:r>
+            <a:br/>
+            <a:r>
+              <a:t>    USP Code: column.usp.code_L1  |  Longitud: 100.0 mm</a:t>
+            </a:r>
+            <a:br/>
+            <a:r>
+              <a:t>    Tamaño Partícula: 2.7 µm  |  Temp: 40.0°C</a:t>
+            </a:r>
+            <a:br/>
+            <a:r>
+              <a:t>    Flujo: 0.25 mL/min  |  T0: 0.882 min</a:t>
             </a:r>
             <a:br/>
             <a:r>
@@ -20018,18 +20974,20 @@
         </p:nvSpPr>
         <p:spPr/>
         <p:txBody>
-          <a:bodyPr/>
-          <a:lstStyle/>
-          <a:p>
-            <a:r>
-              <a:t>Nucleoside and nucleotide analogues (CHEMONTID:0003737): 0.8776420544354865, n_datos: 1</a:t>
+          <a:bodyPr>
+            <a:normAutofit fontScale="90000"/>
+          </a:bodyPr>
+          <a:lstStyle/>
+          <a:p>
+            <a:r>
+              <a:t>5'-deoxyribonucleosides (CHEMONTID:0004502): 0.9717965340979928, n_datos: 2</a:t>
             </a:r>
           </a:p>
         </p:txBody>
       </p:sp>
       <p:pic>
         <p:nvPicPr>
-          <p:cNvPr id="3" name="Picture 2" descr="diff_grafica_Nucleoside and nucleotide analogues _CHEMONTID_0003737__75.png"/>
+          <p:cNvPr id="3" name="Picture 2" descr="diff_grafica_5_-deoxyribonucleosides _CHEMONTID_0004502__64.png"/>
           <p:cNvPicPr>
             <a:picLocks noChangeAspect="1"/>
           </p:cNvPicPr>
@@ -20086,19 +21044,19 @@
           <a:p>
             <a:br/>
             <a:r>
-              <a:t>    pH1: 0.0  |  pH2: 0.0  |  Columna: Waters ACQUITY UPLC BEH Amide</a:t>
-            </a:r>
-            <a:br/>
-            <a:r>
-              <a:t>    USP Code: column.usp.code_L68  |  Longitud: 100.0 mm</a:t>
-            </a:r>
-            <a:br/>
-            <a:r>
-              <a:t>    Tamaño Partícula: 1.7 µm  |  Temp: 40.0°C</a:t>
-            </a:r>
-            <a:br/>
-            <a:r>
-              <a:t>    Flujo: 0.5 mL/min  |  T0: 0.4571959788769226 min</a:t>
+              <a:t>    pH1: 6.0  |  pH2: 6.0  |  Columna: Merck SeQuant ZIC-HILIC</a:t>
+            </a:r>
+            <a:br/>
+            <a:r>
+              <a:t>    USP Code: column.usp.code_L114  |  Longitud: 150.0 mm</a:t>
+            </a:r>
+            <a:br/>
+            <a:r>
+              <a:t>    Tamaño Partícula: 5.0 µm  |  Temp: 25.0°C</a:t>
+            </a:r>
+            <a:br/>
+            <a:r>
+              <a:t>    Flujo: 0.75 mL/min  |  T0: 0.441 min</a:t>
             </a:r>
             <a:br/>
             <a:r>
@@ -20144,18 +21102,20 @@
         </p:nvSpPr>
         <p:spPr/>
         <p:txBody>
-          <a:bodyPr/>
-          <a:lstStyle/>
-          <a:p>
-            <a:r>
-              <a:t>Nucleoside and nucleotide analogues (CHEMONTID:0003737): 0.8776420544354865, n_datos: 1</a:t>
+          <a:bodyPr>
+            <a:normAutofit fontScale="90000"/>
+          </a:bodyPr>
+          <a:lstStyle/>
+          <a:p>
+            <a:r>
+              <a:t>Nucleoside and nucleotide analogues (CHEMONTID:0003737): 1.0, n_datos: 1</a:t>
             </a:r>
           </a:p>
         </p:txBody>
       </p:sp>
       <p:pic>
         <p:nvPicPr>
-          <p:cNvPr id="3" name="Picture 2" descr="diff_grafica_Nucleoside and nucleotide analogues _CHEMONTID_0003737__75.png"/>
+          <p:cNvPr id="3" name="Picture 2" descr="diff_grafica_Nucleoside and nucleotide analogues _CHEMONTID_0003737__74.png"/>
           <p:cNvPicPr>
             <a:picLocks noChangeAspect="1"/>
           </p:cNvPicPr>
@@ -20212,19 +21172,19 @@
           <a:p>
             <a:br/>
             <a:r>
-              <a:t>    pH1: 0.0  |  pH2: 0.0  |  Columna: Waters ACQUITY UPLC BEH Amide</a:t>
-            </a:r>
-            <a:br/>
-            <a:r>
-              <a:t>    USP Code: column.usp.code_L68  |  Longitud: 100.0 mm</a:t>
-            </a:r>
-            <a:br/>
-            <a:r>
-              <a:t>    Tamaño Partícula: 1.7 µm  |  Temp: 40.0°C</a:t>
-            </a:r>
-            <a:br/>
-            <a:r>
-              <a:t>    Flujo: 0.5 mL/min  |  T0: 0.4571959788769226 min</a:t>
+              <a:t>    pH1: 3.0  |  pH2: 3.0  |  Columna: Agilent ZORBAX Extend-C18</a:t>
+            </a:r>
+            <a:br/>
+            <a:r>
+              <a:t>    USP Code: column.usp.code_L1  |  Longitud: 50.0 mm</a:t>
+            </a:r>
+            <a:br/>
+            <a:r>
+              <a:t>    Tamaño Partícula: 1.8 µm  |  Temp: 35.0°C</a:t>
+            </a:r>
+            <a:br/>
+            <a:r>
+              <a:t>    Flujo: 0.1 mL/min  |  T0: 1.1025 min</a:t>
             </a:r>
             <a:br/>
             <a:r>
@@ -20270,18 +21230,20 @@
         </p:nvSpPr>
         <p:spPr/>
         <p:txBody>
-          <a:bodyPr/>
-          <a:lstStyle/>
-          <a:p>
-            <a:r>
-              <a:t>Nucleoside and nucleotide analogues (CHEMONTID:0003737): 0.6814346628071993, n_datos: 1</a:t>
+          <a:bodyPr>
+            <a:normAutofit fontScale="90000"/>
+          </a:bodyPr>
+          <a:lstStyle/>
+          <a:p>
+            <a:r>
+              <a:t>Nucleoside and nucleotide analogues (CHEMONTID:0003737): 0.8776420544354865, n_datos: 1</a:t>
             </a:r>
           </a:p>
         </p:txBody>
       </p:sp>
       <p:pic>
         <p:nvPicPr>
-          <p:cNvPr id="3" name="Picture 2" descr="diff_grafica_Nucleoside and nucleotide analogues _CHEMONTID_0003737__77.png"/>
+          <p:cNvPr id="3" name="Picture 2" descr="diff_grafica_Nucleoside and nucleotide analogues _CHEMONTID_0003737__75.png"/>
           <p:cNvPicPr>
             <a:picLocks noChangeAspect="1"/>
           </p:cNvPicPr>
@@ -20338,11 +21300,11 @@
           <a:p>
             <a:br/>
             <a:r>
-              <a:t>    pH1: 2.6  |  pH2: 0.0  |  Columna: Waters ACQUITY UPLC BEH C18</a:t>
-            </a:r>
-            <a:br/>
-            <a:r>
-              <a:t>    USP Code: column.usp.code_L1  |  Longitud: 50.0 mm</a:t>
+              <a:t>    pH1: 0.0  |  pH2: 0.0  |  Columna: Waters ACQUITY UPLC BEH Amide</a:t>
+            </a:r>
+            <a:br/>
+            <a:r>
+              <a:t>    USP Code: column.usp.code_L68  |  Longitud: 100.0 mm</a:t>
             </a:r>
             <a:br/>
             <a:r>
@@ -20350,7 +21312,7 @@
             </a:r>
             <a:br/>
             <a:r>
-              <a:t>    Flujo: 0.6 mL/min  |  T0: 0.18375 min</a:t>
+              <a:t>    Flujo: 0.5 mL/min  |  T0: 0.4571959788769226 min</a:t>
             </a:r>
             <a:br/>
             <a:r>
@@ -20396,18 +21358,20 @@
         </p:nvSpPr>
         <p:spPr/>
         <p:txBody>
-          <a:bodyPr/>
-          <a:lstStyle/>
-          <a:p>
-            <a:r>
-              <a:t>Nucleoside and nucleotide analogues (CHEMONTID:0003737): 0.2138052882339385, n_datos: 4</a:t>
+          <a:bodyPr>
+            <a:normAutofit fontScale="90000"/>
+          </a:bodyPr>
+          <a:lstStyle/>
+          <a:p>
+            <a:r>
+              <a:t>Nucleoside and nucleotide analogues (CHEMONTID:0003737): 0.8776420544354865, n_datos: 1</a:t>
             </a:r>
           </a:p>
         </p:txBody>
       </p:sp>
       <p:pic>
         <p:nvPicPr>
-          <p:cNvPr id="3" name="Picture 2" descr="diff_grafica_Nucleoside and nucleotide analogues _CHEMONTID_0003737__78.png"/>
+          <p:cNvPr id="3" name="Picture 2" descr="diff_grafica_Nucleoside and nucleotide analogues _CHEMONTID_0003737__75.png"/>
           <p:cNvPicPr>
             <a:picLocks noChangeAspect="1"/>
           </p:cNvPicPr>
@@ -20464,19 +21428,19 @@
           <a:p>
             <a:br/>
             <a:r>
-              <a:t>    pH1: 6.2  |  pH2: 6.2  |  Columna: Thermo Scientific Acclaim RSLC 120 C18</a:t>
-            </a:r>
-            <a:br/>
-            <a:r>
-              <a:t>    USP Code: column.usp.code_L1  |  Longitud: 100.0 mm</a:t>
-            </a:r>
-            <a:br/>
-            <a:r>
-              <a:t>    Tamaño Partícula: 2.2 µm  |  Temp: 30.0°C</a:t>
-            </a:r>
-            <a:br/>
-            <a:r>
-              <a:t>    Flujo: 0.2 mL/min  |  T0: 1.1025 min</a:t>
+              <a:t>    pH1: 0.0  |  pH2: 0.0  |  Columna: Waters ACQUITY UPLC BEH Amide</a:t>
+            </a:r>
+            <a:br/>
+            <a:r>
+              <a:t>    USP Code: column.usp.code_L68  |  Longitud: 100.0 mm</a:t>
+            </a:r>
+            <a:br/>
+            <a:r>
+              <a:t>    Tamaño Partícula: 1.7 µm  |  Temp: 40.0°C</a:t>
+            </a:r>
+            <a:br/>
+            <a:r>
+              <a:t>    Flujo: 0.5 mL/min  |  T0: 0.4571959788769226 min</a:t>
             </a:r>
             <a:br/>
             <a:r>
@@ -20522,18 +21486,20 @@
         </p:nvSpPr>
         <p:spPr/>
         <p:txBody>
-          <a:bodyPr/>
-          <a:lstStyle/>
-          <a:p>
-            <a:r>
-              <a:t>Flavin nucleotides (CHEMONTID:0001329): 1.0, n_datos: 2</a:t>
+          <a:bodyPr>
+            <a:normAutofit fontScale="90000"/>
+          </a:bodyPr>
+          <a:lstStyle/>
+          <a:p>
+            <a:r>
+              <a:t>Purine nucleotides (CHEMONTID:0001506): 0.7716404634233737, n_datos: 3</a:t>
             </a:r>
           </a:p>
         </p:txBody>
       </p:sp>
       <p:pic>
         <p:nvPicPr>
-          <p:cNvPr id="3" name="Picture 2" descr="diff_grafica_Flavin nucleotides _CHEMONTID_0001329__7.png"/>
+          <p:cNvPr id="3" name="Picture 2" descr="diff_grafica_Purine nucleotides _CHEMONTID_0001506__0.png"/>
           <p:cNvPicPr>
             <a:picLocks noChangeAspect="1"/>
           </p:cNvPicPr>
@@ -20547,7 +21513,7 @@
         </p:blipFill>
         <p:spPr>
           <a:xfrm>
-            <a:off x="1687286" y="1888671"/>
+            <a:off x="914400" y="1371600"/>
             <a:ext cx="5486400" cy="3657600"/>
           </a:xfrm>
           <a:prstGeom prst="rect">
@@ -20590,7 +21556,7 @@
           <a:p>
             <a:br/>
             <a:r>
-              <a:t>    pH1: 3.0  |  pH2: 3.0  |  Columna: Waters ACQUITY UPLC HSS T3</a:t>
+              <a:t>    pH1: 3.0  |  pH2: 3.0  |  Columna: Waters CORTECS T3</a:t>
             </a:r>
             <a:br/>
             <a:r>
@@ -20598,7 +21564,7 @@
             </a:r>
             <a:br/>
             <a:r>
-              <a:t>    Tamaño Partícula: 1.8 µm  |  Temp: 30.0°C</a:t>
+              <a:t>    Tamaño Partícula: 2.7 µm  |  Temp: 40.0°C</a:t>
             </a:r>
             <a:br/>
             <a:r>
@@ -20648,11 +21614,13 @@
         </p:nvSpPr>
         <p:spPr/>
         <p:txBody>
-          <a:bodyPr/>
-          <a:lstStyle/>
-          <a:p>
-            <a:r>
-              <a:t>Nucleoside and nucleotide analogues (CHEMONTID:0003737): 0.0037048364677295, n_datos: 3</a:t>
+          <a:bodyPr>
+            <a:normAutofit fontScale="90000"/>
+          </a:bodyPr>
+          <a:lstStyle/>
+          <a:p>
+            <a:r>
+              <a:t>Nucleoside and nucleotide analogues (CHEMONTID:0003737): 0.6814346628071993, n_datos: 1</a:t>
             </a:r>
           </a:p>
         </p:txBody>
@@ -20774,18 +21742,20 @@
         </p:nvSpPr>
         <p:spPr/>
         <p:txBody>
-          <a:bodyPr/>
-          <a:lstStyle/>
-          <a:p>
-            <a:r>
-              <a:t>Nucleoside and nucleotide analogues (CHEMONTID:0003737): 0.0, n_datos: 3</a:t>
+          <a:bodyPr>
+            <a:normAutofit fontScale="90000"/>
+          </a:bodyPr>
+          <a:lstStyle/>
+          <a:p>
+            <a:r>
+              <a:t>Nucleoside and nucleotide analogues (CHEMONTID:0003737): 0.2138052882339385, n_datos: 4</a:t>
             </a:r>
           </a:p>
         </p:txBody>
       </p:sp>
       <p:pic>
         <p:nvPicPr>
-          <p:cNvPr id="3" name="Picture 2" descr="diff_grafica_Nucleoside and nucleotide analogues _CHEMONTID_0003737__80.png"/>
+          <p:cNvPr id="3" name="Picture 2" descr="diff_grafica_Nucleoside and nucleotide analogues _CHEMONTID_0003737__78.png"/>
           <p:cNvPicPr>
             <a:picLocks noChangeAspect="1"/>
           </p:cNvPicPr>
@@ -20842,19 +21812,19 @@
           <a:p>
             <a:br/>
             <a:r>
-              <a:t>    pH1: 0.0  |  pH2: 0.0  |  Columna: Hichrom Alltima HP C18</a:t>
-            </a:r>
-            <a:br/>
-            <a:r>
-              <a:t>    USP Code: column.usp.code_L1  |  Longitud: 150.0 mm</a:t>
-            </a:r>
-            <a:br/>
-            <a:r>
-              <a:t>    Tamaño Partícula: 3.0 µm  |  Temp: 38.90990990990991°C</a:t>
-            </a:r>
-            <a:br/>
-            <a:r>
-              <a:t>    Flujo: 0.2 mL/min  |  T0: 1.6537499999999998 min</a:t>
+              <a:t>    pH1: 6.2  |  pH2: 6.2  |  Columna: Thermo Scientific Acclaim RSLC 120 C18</a:t>
+            </a:r>
+            <a:br/>
+            <a:r>
+              <a:t>    USP Code: column.usp.code_L1  |  Longitud: 100.0 mm</a:t>
+            </a:r>
+            <a:br/>
+            <a:r>
+              <a:t>    Tamaño Partícula: 2.2 µm  |  Temp: 30.0°C</a:t>
+            </a:r>
+            <a:br/>
+            <a:r>
+              <a:t>    Flujo: 0.2 mL/min  |  T0: 1.1025 min</a:t>
             </a:r>
             <a:br/>
             <a:r>
@@ -20900,18 +21870,20 @@
         </p:nvSpPr>
         <p:spPr/>
         <p:txBody>
-          <a:bodyPr/>
-          <a:lstStyle/>
-          <a:p>
-            <a:r>
-              <a:t>Nucleoside and nucleotide analogues (CHEMONTID:0003737): 0.0, n_datos: 1</a:t>
+          <a:bodyPr>
+            <a:normAutofit fontScale="90000"/>
+          </a:bodyPr>
+          <a:lstStyle/>
+          <a:p>
+            <a:r>
+              <a:t>Nucleoside and nucleotide analogues (CHEMONTID:0003737): 0.0037048364677295, n_datos: 3</a:t>
             </a:r>
           </a:p>
         </p:txBody>
       </p:sp>
       <p:pic>
         <p:nvPicPr>
-          <p:cNvPr id="3" name="Picture 2" descr="diff_grafica_Nucleoside and nucleotide analogues _CHEMONTID_0003737__81.png"/>
+          <p:cNvPr id="3" name="Picture 2" descr="diff_grafica_Nucleoside and nucleotide analogues _CHEMONTID_0003737__77.png"/>
           <p:cNvPicPr>
             <a:picLocks noChangeAspect="1"/>
           </p:cNvPicPr>
@@ -20968,19 +21940,19 @@
           <a:p>
             <a:br/>
             <a:r>
-              <a:t>    pH1: 0.0  |  pH2: 0.0  |  Columna: Waters ACQUITY UPLC HSS T3</a:t>
-            </a:r>
-            <a:br/>
-            <a:r>
-              <a:t>    USP Code: column.usp.code_L1  |  Longitud: 113.15789473684212 mm</a:t>
-            </a:r>
-            <a:br/>
-            <a:r>
-              <a:t>    Tamaño Partícula: 1.788888888888889 µm  |  Temp: 38.75°C</a:t>
-            </a:r>
-            <a:br/>
-            <a:r>
-              <a:t>    Flujo: 0.4 mL/min  |  T0: 0.6083778765146708 min</a:t>
+              <a:t>    pH1: 2.6  |  pH2: 0.0  |  Columna: Waters ACQUITY UPLC BEH C18</a:t>
+            </a:r>
+            <a:br/>
+            <a:r>
+              <a:t>    USP Code: column.usp.code_L1  |  Longitud: 50.0 mm</a:t>
+            </a:r>
+            <a:br/>
+            <a:r>
+              <a:t>    Tamaño Partícula: 1.7 µm  |  Temp: 40.0°C</a:t>
+            </a:r>
+            <a:br/>
+            <a:r>
+              <a:t>    Flujo: 0.6 mL/min  |  T0: 0.18375 min</a:t>
             </a:r>
             <a:br/>
             <a:r>
@@ -21026,18 +21998,20 @@
         </p:nvSpPr>
         <p:spPr/>
         <p:txBody>
-          <a:bodyPr/>
-          <a:lstStyle/>
-          <a:p>
-            <a:r>
-              <a:t>Nucleoside and nucleotide analogues (CHEMONTID:0003737): 0.0, n_datos: 1</a:t>
+          <a:bodyPr>
+            <a:normAutofit fontScale="90000"/>
+          </a:bodyPr>
+          <a:lstStyle/>
+          <a:p>
+            <a:r>
+              <a:t>Nucleoside and nucleotide analogues (CHEMONTID:0003737): 0.0, n_datos: 3</a:t>
             </a:r>
           </a:p>
         </p:txBody>
       </p:sp>
       <p:pic>
         <p:nvPicPr>
-          <p:cNvPr id="3" name="Picture 2" descr="diff_grafica_Nucleoside and nucleotide analogues _CHEMONTID_0003737__82.png"/>
+          <p:cNvPr id="3" name="Picture 2" descr="diff_grafica_Nucleoside and nucleotide analogues _CHEMONTID_0003737__80.png"/>
           <p:cNvPicPr>
             <a:picLocks noChangeAspect="1"/>
           </p:cNvPicPr>
@@ -21094,19 +22068,19 @@
           <a:p>
             <a:br/>
             <a:r>
-              <a:t>    pH1: 3.0  |  pH2: 3.0  |  Columna: Waters ACQUITY UPLC BEH C18</a:t>
-            </a:r>
-            <a:br/>
-            <a:r>
-              <a:t>    USP Code: column.usp.code_L1  |  Longitud: 100.0 mm</a:t>
-            </a:r>
-            <a:br/>
-            <a:r>
-              <a:t>    Tamaño Partícula: 1.7 µm  |  Temp: 40.54166666666666°C</a:t>
-            </a:r>
-            <a:br/>
-            <a:r>
-              <a:t>    Flujo: 0.2518 mL/min  |  T0: 0.9078553988818956 min</a:t>
+              <a:t>    pH1: 0.0  |  pH2: 0.0  |  Columna: Hichrom Alltima HP C18</a:t>
+            </a:r>
+            <a:br/>
+            <a:r>
+              <a:t>    USP Code: column.usp.code_L1  |  Longitud: 150.0 mm</a:t>
+            </a:r>
+            <a:br/>
+            <a:r>
+              <a:t>    Tamaño Partícula: 3.0 µm  |  Temp: 38.90990990990991°C</a:t>
+            </a:r>
+            <a:br/>
+            <a:r>
+              <a:t>    Flujo: 0.2 mL/min  |  T0: 1.6537499999999998 min</a:t>
             </a:r>
             <a:br/>
             <a:r>
@@ -21152,7 +22126,9 @@
         </p:nvSpPr>
         <p:spPr/>
         <p:txBody>
-          <a:bodyPr/>
+          <a:bodyPr>
+            <a:normAutofit fontScale="90000"/>
+          </a:bodyPr>
           <a:lstStyle/>
           <a:p>
             <a:r>
@@ -21163,7 +22139,7 @@
       </p:sp>
       <p:pic>
         <p:nvPicPr>
-          <p:cNvPr id="3" name="Picture 2" descr="diff_grafica_Nucleoside and nucleotide analogues _CHEMONTID_0003737__83.png"/>
+          <p:cNvPr id="3" name="Picture 2" descr="diff_grafica_Nucleoside and nucleotide analogues _CHEMONTID_0003737__81.png"/>
           <p:cNvPicPr>
             <a:picLocks noChangeAspect="1"/>
           </p:cNvPicPr>
@@ -21220,19 +22196,19 @@
           <a:p>
             <a:br/>
             <a:r>
-              <a:t>    pH1: 3.0  |  pH2: 3.0  |  Columna: Waters ACQUITY UPLC HSS T3</a:t>
-            </a:r>
-            <a:br/>
-            <a:r>
-              <a:t>    USP Code: column.usp.code_L1  |  Longitud: 100.0 mm</a:t>
-            </a:r>
-            <a:br/>
-            <a:r>
-              <a:t>    Tamaño Partícula: 1.8 µm  |  Temp: 38.75°C</a:t>
-            </a:r>
-            <a:br/>
-            <a:r>
-              <a:t>    Flujo: 0.3877777777777778 mL/min  |  T0: 0.5895077091536252 min</a:t>
+              <a:t>    pH1: 0.0  |  pH2: 0.0  |  Columna: Waters ACQUITY UPLC HSS T3</a:t>
+            </a:r>
+            <a:br/>
+            <a:r>
+              <a:t>    USP Code: column.usp.code_L1  |  Longitud: 113.15789473684212 mm</a:t>
+            </a:r>
+            <a:br/>
+            <a:r>
+              <a:t>    Tamaño Partícula: 1.788888888888889 µm  |  Temp: 38.75°C</a:t>
+            </a:r>
+            <a:br/>
+            <a:r>
+              <a:t>    Flujo: 0.4 mL/min  |  T0: 0.6083778765146708 min</a:t>
             </a:r>
             <a:br/>
             <a:r>
@@ -21278,18 +22254,20 @@
         </p:nvSpPr>
         <p:spPr/>
         <p:txBody>
-          <a:bodyPr/>
-          <a:lstStyle/>
-          <a:p>
-            <a:r>
-              <a:t>Imidazole ribonucleosides and ribonucleotides (CHEMONTID:0001997): 1.0, n_datos: 2</a:t>
+          <a:bodyPr>
+            <a:normAutofit fontScale="90000"/>
+          </a:bodyPr>
+          <a:lstStyle/>
+          <a:p>
+            <a:r>
+              <a:t>Nucleoside and nucleotide analogues (CHEMONTID:0003737): 0.0, n_datos: 1</a:t>
             </a:r>
           </a:p>
         </p:txBody>
       </p:sp>
       <p:pic>
         <p:nvPicPr>
-          <p:cNvPr id="3" name="Picture 2" descr="diff_grafica_Imidazole ribonucleosides and ribonucleotides _CHEMONTID_0001997__84.png"/>
+          <p:cNvPr id="3" name="Picture 2" descr="diff_grafica_Nucleoside and nucleotide analogues _CHEMONTID_0003737__82.png"/>
           <p:cNvPicPr>
             <a:picLocks noChangeAspect="1"/>
           </p:cNvPicPr>
@@ -21346,19 +22324,19 @@
           <a:p>
             <a:br/>
             <a:r>
-              <a:t>    pH1: 0.0  |  pH2: 0.0  |  Columna: Merck SeQuant ZIC-pHILIC</a:t>
-            </a:r>
-            <a:br/>
-            <a:r>
-              <a:t>    USP Code: column.usp.code_L122  |  Longitud: 150.0 mm</a:t>
-            </a:r>
-            <a:br/>
-            <a:r>
-              <a:t>    Tamaño Partícula: 5.0 µm  |  Temp: 32.5°C</a:t>
-            </a:r>
-            <a:br/>
-            <a:r>
-              <a:t>    Flujo: 0.1 mL/min  |  T0: 3.3075 min</a:t>
+              <a:t>    pH1: 3.0  |  pH2: 3.0  |  Columna: Waters ACQUITY UPLC BEH C18</a:t>
+            </a:r>
+            <a:br/>
+            <a:r>
+              <a:t>    USP Code: column.usp.code_L1  |  Longitud: 100.0 mm</a:t>
+            </a:r>
+            <a:br/>
+            <a:r>
+              <a:t>    Tamaño Partícula: 1.7 µm  |  Temp: 40.54166666666666°C</a:t>
+            </a:r>
+            <a:br/>
+            <a:r>
+              <a:t>    Flujo: 0.2518 mL/min  |  T0: 0.9078553988818956 min</a:t>
             </a:r>
             <a:br/>
             <a:r>
@@ -21404,18 +22382,20 @@
         </p:nvSpPr>
         <p:spPr/>
         <p:txBody>
-          <a:bodyPr/>
-          <a:lstStyle/>
-          <a:p>
-            <a:r>
-              <a:t>Imidazole ribonucleosides and ribonucleotides (CHEMONTID:0001997): 0.8428258488499447, n_datos: 1</a:t>
+          <a:bodyPr>
+            <a:normAutofit fontScale="90000"/>
+          </a:bodyPr>
+          <a:lstStyle/>
+          <a:p>
+            <a:r>
+              <a:t>Nucleoside and nucleotide analogues (CHEMONTID:0003737): 0.0, n_datos: 1</a:t>
             </a:r>
           </a:p>
         </p:txBody>
       </p:sp>
       <p:pic>
         <p:nvPicPr>
-          <p:cNvPr id="3" name="Picture 2" descr="diff_grafica_Imidazole ribonucleosides and ribonucleotides _CHEMONTID_0001997__85.png"/>
+          <p:cNvPr id="3" name="Picture 2" descr="diff_grafica_Nucleoside and nucleotide analogues _CHEMONTID_0003737__83.png"/>
           <p:cNvPicPr>
             <a:picLocks noChangeAspect="1"/>
           </p:cNvPicPr>
@@ -21476,15 +22456,15 @@
             </a:r>
             <a:br/>
             <a:r>
-              <a:t>    USP Code: column.usp.code_L1  |  Longitud: 150.0 mm</a:t>
-            </a:r>
-            <a:br/>
-            <a:r>
-              <a:t>    Tamaño Partícula: 1.8 µm  |  Temp: 45.0°C</a:t>
-            </a:r>
-            <a:br/>
-            <a:r>
-              <a:t>    Flujo: 0.6 mL/min  |  T0: 0.55125 min</a:t>
+              <a:t>    USP Code: column.usp.code_L1  |  Longitud: 100.0 mm</a:t>
+            </a:r>
+            <a:br/>
+            <a:r>
+              <a:t>    Tamaño Partícula: 1.8 µm  |  Temp: 38.75°C</a:t>
+            </a:r>
+            <a:br/>
+            <a:r>
+              <a:t>    Flujo: 0.3877777777777778 mL/min  |  T0: 0.5895077091536252 min</a:t>
             </a:r>
             <a:br/>
             <a:r>
@@ -21530,18 +22510,20 @@
         </p:nvSpPr>
         <p:spPr/>
         <p:txBody>
-          <a:bodyPr/>
-          <a:lstStyle/>
-          <a:p>
-            <a:r>
-              <a:t>Imidazole ribonucleosides and ribonucleotides (CHEMONTID:0001997): 0.0, n_datos: 1</a:t>
+          <a:bodyPr>
+            <a:normAutofit fontScale="90000"/>
+          </a:bodyPr>
+          <a:lstStyle/>
+          <a:p>
+            <a:r>
+              <a:t>Imidazole ribonucleosides and ribonucleotides (CHEMONTID:0001997): 1.0, n_datos: 2</a:t>
             </a:r>
           </a:p>
         </p:txBody>
       </p:sp>
       <p:pic>
         <p:nvPicPr>
-          <p:cNvPr id="3" name="Picture 2" descr="diff_grafica_Imidazole ribonucleosides and ribonucleotides _CHEMONTID_0001997__86.png"/>
+          <p:cNvPr id="3" name="Picture 2" descr="diff_grafica_Imidazole ribonucleosides and ribonucleotides _CHEMONTID_0001997__84.png"/>
           <p:cNvPicPr>
             <a:picLocks noChangeAspect="1"/>
           </p:cNvPicPr>
@@ -21598,19 +22580,19 @@
           <a:p>
             <a:br/>
             <a:r>
-              <a:t>    pH1: 0.0  |  pH2: 3.0  |  Columna: Merck SeQuant ZIC-HILIC</a:t>
-            </a:r>
-            <a:br/>
-            <a:r>
-              <a:t>    USP Code: column.usp.code_L114  |  Longitud: 145.45454545454547 mm</a:t>
-            </a:r>
-            <a:br/>
-            <a:r>
-              <a:t>    Tamaño Partícula: 4.863636363636363 µm  |  Temp: 25.0°C</a:t>
-            </a:r>
-            <a:br/>
-            <a:r>
-              <a:t>    Flujo: 0.25 mL/min  |  T0: 1.3300246658237755 min</a:t>
+              <a:t>    pH1: 0.0  |  pH2: 0.0  |  Columna: Merck SeQuant ZIC-pHILIC</a:t>
+            </a:r>
+            <a:br/>
+            <a:r>
+              <a:t>    USP Code: column.usp.code_L122  |  Longitud: 150.0 mm</a:t>
+            </a:r>
+            <a:br/>
+            <a:r>
+              <a:t>    Tamaño Partícula: 5.0 µm  |  Temp: 32.5°C</a:t>
+            </a:r>
+            <a:br/>
+            <a:r>
+              <a:t>    Flujo: 0.1 mL/min  |  T0: 3.3075 min</a:t>
             </a:r>
             <a:br/>
             <a:r>
@@ -21656,18 +22638,20 @@
         </p:nvSpPr>
         <p:spPr/>
         <p:txBody>
-          <a:bodyPr/>
-          <a:lstStyle/>
-          <a:p>
-            <a:r>
-              <a:t>Imidazole ribonucleosides and ribonucleotides (CHEMONTID:0001997): 0.0, n_datos: 1</a:t>
+          <a:bodyPr>
+            <a:normAutofit fontScale="90000"/>
+          </a:bodyPr>
+          <a:lstStyle/>
+          <a:p>
+            <a:r>
+              <a:t>Imidazole ribonucleosides and ribonucleotides (CHEMONTID:0001997): 0.8428258488499447, n_datos: 1</a:t>
             </a:r>
           </a:p>
         </p:txBody>
       </p:sp>
       <p:pic>
         <p:nvPicPr>
-          <p:cNvPr id="3" name="Picture 2" descr="diff_grafica_Imidazole ribonucleosides and ribonucleotides _CHEMONTID_0001997__87.png"/>
+          <p:cNvPr id="3" name="Picture 2" descr="diff_grafica_Imidazole ribonucleosides and ribonucleotides _CHEMONTID_0001997__85.png"/>
           <p:cNvPicPr>
             <a:picLocks noChangeAspect="1"/>
           </p:cNvPicPr>
@@ -21724,19 +22708,19 @@
           <a:p>
             <a:br/>
             <a:r>
-              <a:t>    pH1: 3.0  |  pH2: 3.0  |  Columna: Thermo Scientific Hypersil GOLD</a:t>
-            </a:r>
-            <a:br/>
-            <a:r>
-              <a:t>    USP Code: column.usp.code_L1  |  Longitud: 113.75 mm</a:t>
-            </a:r>
-            <a:br/>
-            <a:r>
-              <a:t>    Tamaño Partícula: 1.9 µm  |  Temp: 40.0°C</a:t>
-            </a:r>
-            <a:br/>
-            <a:r>
-              <a:t>    Flujo: 0.4 mL/min  |  T0: 0.6500755324656243 min</a:t>
+              <a:t>    pH1: 3.0  |  pH2: 3.0  |  Columna: Waters ACQUITY UPLC HSS T3</a:t>
+            </a:r>
+            <a:br/>
+            <a:r>
+              <a:t>    USP Code: column.usp.code_L1  |  Longitud: 150.0 mm</a:t>
+            </a:r>
+            <a:br/>
+            <a:r>
+              <a:t>    Tamaño Partícula: 1.8 µm  |  Temp: 45.0°C</a:t>
+            </a:r>
+            <a:br/>
+            <a:r>
+              <a:t>    Flujo: 0.6 mL/min  |  T0: 0.55125 min</a:t>
             </a:r>
             <a:br/>
             <a:r>
@@ -21782,7 +22766,9 @@
         </p:nvSpPr>
         <p:spPr/>
         <p:txBody>
-          <a:bodyPr/>
+          <a:bodyPr>
+            <a:normAutofit fontScale="90000"/>
+          </a:bodyPr>
           <a:lstStyle/>
           <a:p>
             <a:r>
@@ -21793,7 +22779,7 @@
       </p:sp>
       <p:pic>
         <p:nvPicPr>
-          <p:cNvPr id="3" name="Picture 2" descr="diff_grafica_Imidazole ribonucleosides and ribonucleotides _CHEMONTID_0001997__88.png"/>
+          <p:cNvPr id="3" name="Picture 2" descr="diff_grafica_Imidazole ribonucleosides and ribonucleotides _CHEMONTID_0001997__86.png"/>
           <p:cNvPicPr>
             <a:picLocks noChangeAspect="1"/>
           </p:cNvPicPr>
@@ -21850,19 +22836,19 @@
           <a:p>
             <a:br/>
             <a:r>
-              <a:t>    pH1: 3.0  |  pH2: 3.0  |  Columna: Phenomenex Kinetex C18</a:t>
-            </a:r>
-            <a:br/>
-            <a:r>
-              <a:t>    USP Code: column.usp.code_L1  |  Longitud: 150.0 mm</a:t>
-            </a:r>
-            <a:br/>
-            <a:r>
-              <a:t>    Tamaño Partícula: 1.7 µm  |  Temp: 30.0°C</a:t>
-            </a:r>
-            <a:br/>
-            <a:r>
-              <a:t>    Flujo: 0.3 mL/min  |  T0: 1.1025 min</a:t>
+              <a:t>    pH1: 0.0  |  pH2: 3.0  |  Columna: Merck SeQuant ZIC-HILIC</a:t>
+            </a:r>
+            <a:br/>
+            <a:r>
+              <a:t>    USP Code: column.usp.code_L114  |  Longitud: 145.45454545454547 mm</a:t>
+            </a:r>
+            <a:br/>
+            <a:r>
+              <a:t>    Tamaño Partícula: 4.863636363636363 µm  |  Temp: 25.0°C</a:t>
+            </a:r>
+            <a:br/>
+            <a:r>
+              <a:t>    Flujo: 0.25 mL/min  |  T0: 1.3300246658237755 min</a:t>
             </a:r>
             <a:br/>
             <a:r>
@@ -21908,18 +22894,20 @@
         </p:nvSpPr>
         <p:spPr/>
         <p:txBody>
-          <a:bodyPr/>
-          <a:lstStyle/>
-          <a:p>
-            <a:r>
-              <a:t>Flavin nucleotides (CHEMONTID:0001329): 0.0, n_datos: 1</a:t>
+          <a:bodyPr>
+            <a:normAutofit fontScale="90000"/>
+          </a:bodyPr>
+          <a:lstStyle/>
+          <a:p>
+            <a:r>
+              <a:t>Purine nucleotides (CHEMONTID:0001506): 0.7631525502292543, n_datos: 3</a:t>
             </a:r>
           </a:p>
         </p:txBody>
       </p:sp>
       <p:pic>
         <p:nvPicPr>
-          <p:cNvPr id="3" name="Picture 2" descr="diff_grafica_Flavin nucleotides _CHEMONTID_0001329__8.png"/>
+          <p:cNvPr id="3" name="Picture 2" descr="diff_grafica_Purine nucleotides _CHEMONTID_0001506__3.png"/>
           <p:cNvPicPr>
             <a:picLocks noChangeAspect="1"/>
           </p:cNvPicPr>
@@ -21933,7 +22921,7 @@
         </p:blipFill>
         <p:spPr>
           <a:xfrm>
-            <a:off x="1828800" y="1834243"/>
+            <a:off x="914400" y="1371600"/>
             <a:ext cx="5486400" cy="3657600"/>
           </a:xfrm>
           <a:prstGeom prst="rect">
@@ -21976,19 +22964,19 @@
           <a:p>
             <a:br/>
             <a:r>
-              <a:t>    pH1: 3.0  |  pH2: 3.0  |  Columna: Thermo Scientific Hypersil GOLD</a:t>
-            </a:r>
-            <a:br/>
-            <a:r>
-              <a:t>    USP Code: column.usp.code_L1  |  Longitud: 150.0 mm</a:t>
-            </a:r>
-            <a:br/>
-            <a:r>
-              <a:t>    Tamaño Partícula: 1.9 µm  |  Temp: 41.66666666666666°C</a:t>
-            </a:r>
-            <a:br/>
-            <a:r>
-              <a:t>    Flujo: 0.5 mL/min  |  T0: 0.6615 min</a:t>
+              <a:t>    pH1: 3.0  |  pH2: 3.0  |  Columna: Waters ACQUITY UPLC BEH C18</a:t>
+            </a:r>
+            <a:br/>
+            <a:r>
+              <a:t>    USP Code: column.usp.code_L1  |  Longitud: 100.0 mm</a:t>
+            </a:r>
+            <a:br/>
+            <a:r>
+              <a:t>    Tamaño Partícula: 1.7 µm  |  Temp: 40.54166666666666°C</a:t>
+            </a:r>
+            <a:br/>
+            <a:r>
+              <a:t>    Flujo: 0.1 mL/min  |  T0: 2.205 min</a:t>
             </a:r>
             <a:br/>
             <a:r>
@@ -22034,7 +23022,9 @@
         </p:nvSpPr>
         <p:spPr/>
         <p:txBody>
-          <a:bodyPr/>
+          <a:bodyPr>
+            <a:normAutofit fontScale="90000"/>
+          </a:bodyPr>
           <a:lstStyle/>
           <a:p>
             <a:r>
@@ -22045,7 +23035,7 @@
       </p:sp>
       <p:pic>
         <p:nvPicPr>
-          <p:cNvPr id="3" name="Picture 2" descr="diff_grafica_Imidazole ribonucleosides and ribonucleotides _CHEMONTID_0001997__88.png"/>
+          <p:cNvPr id="3" name="Picture 2" descr="diff_grafica_Imidazole ribonucleosides and ribonucleotides _CHEMONTID_0001997__87.png"/>
           <p:cNvPicPr>
             <a:picLocks noChangeAspect="1"/>
           </p:cNvPicPr>
@@ -22102,19 +23092,19 @@
           <a:p>
             <a:br/>
             <a:r>
-              <a:t>    pH1: 3.0  |  pH2: 3.0  |  Columna: Phenomenex Kinetex C18</a:t>
-            </a:r>
-            <a:br/>
-            <a:r>
-              <a:t>    USP Code: column.usp.code_L1  |  Longitud: 150.0 mm</a:t>
-            </a:r>
-            <a:br/>
-            <a:r>
-              <a:t>    Tamaño Partícula: 1.7 µm  |  Temp: 30.0°C</a:t>
-            </a:r>
-            <a:br/>
-            <a:r>
-              <a:t>    Flujo: 0.3 mL/min  |  T0: 1.1025 min</a:t>
+              <a:t>    pH1: 3.0  |  pH2: 3.0  |  Columna: Thermo Scientific Hypersil GOLD</a:t>
+            </a:r>
+            <a:br/>
+            <a:r>
+              <a:t>    USP Code: column.usp.code_L1  |  Longitud: 113.75 mm</a:t>
+            </a:r>
+            <a:br/>
+            <a:r>
+              <a:t>    Tamaño Partícula: 1.9 µm  |  Temp: 40.0°C</a:t>
+            </a:r>
+            <a:br/>
+            <a:r>
+              <a:t>    Flujo: 0.4 mL/min  |  T0: 0.6500755324656243 min</a:t>
             </a:r>
             <a:br/>
             <a:r>
@@ -22160,7 +23150,9 @@
         </p:nvSpPr>
         <p:spPr/>
         <p:txBody>
-          <a:bodyPr/>
+          <a:bodyPr>
+            <a:normAutofit fontScale="90000"/>
+          </a:bodyPr>
           <a:lstStyle/>
           <a:p>
             <a:r>
@@ -22286,7 +23278,9 @@
         </p:nvSpPr>
         <p:spPr/>
         <p:txBody>
-          <a:bodyPr/>
+          <a:bodyPr>
+            <a:normAutofit fontScale="90000"/>
+          </a:bodyPr>
           <a:lstStyle/>
           <a:p>
             <a:r>
@@ -22412,7 +23406,9 @@
         </p:nvSpPr>
         <p:spPr/>
         <p:txBody>
-          <a:bodyPr/>
+          <a:bodyPr>
+            <a:normAutofit fontScale="90000"/>
+          </a:bodyPr>
           <a:lstStyle/>
           <a:p>
             <a:r>
@@ -22423,7 +23419,7 @@
       </p:sp>
       <p:pic>
         <p:nvPicPr>
-          <p:cNvPr id="3" name="Picture 2" descr="diff_grafica_Imidazole ribonucleosides and ribonucleotides _CHEMONTID_0001997__92.png"/>
+          <p:cNvPr id="3" name="Picture 2" descr="diff_grafica_Imidazole ribonucleosides and ribonucleotides _CHEMONTID_0001997__88.png"/>
           <p:cNvPicPr>
             <a:picLocks noChangeAspect="1"/>
           </p:cNvPicPr>
@@ -22480,15 +23476,15 @@
           <a:p>
             <a:br/>
             <a:r>
-              <a:t>    pH1: 0.0  |  pH2: 9.0  |  Columna: Merck SeQuant ZIC-pHILIC</a:t>
-            </a:r>
-            <a:br/>
-            <a:r>
-              <a:t>    USP Code: column.usp.code_L122  |  Longitud: 150.0 mm</a:t>
-            </a:r>
-            <a:br/>
-            <a:r>
-              <a:t>    Tamaño Partícula: 5.0 µm  |  Temp: 40.0°C</a:t>
+              <a:t>    pH1: 3.0  |  pH2: 3.0  |  Columna: Phenomenex Kinetex C18</a:t>
+            </a:r>
+            <a:br/>
+            <a:r>
+              <a:t>    USP Code: column.usp.code_L1  |  Longitud: 150.0 mm</a:t>
+            </a:r>
+            <a:br/>
+            <a:r>
+              <a:t>    Tamaño Partícula: 1.7 µm  |  Temp: 30.0°C</a:t>
             </a:r>
             <a:br/>
             <a:r>
@@ -22538,7 +23534,9 @@
         </p:nvSpPr>
         <p:spPr/>
         <p:txBody>
-          <a:bodyPr/>
+          <a:bodyPr>
+            <a:normAutofit fontScale="90000"/>
+          </a:bodyPr>
           <a:lstStyle/>
           <a:p>
             <a:r>
@@ -22549,7 +23547,7 @@
       </p:sp>
       <p:pic>
         <p:nvPicPr>
-          <p:cNvPr id="3" name="Picture 2" descr="diff_grafica_Imidazole ribonucleosides and ribonucleotides _CHEMONTID_0001997__93.png"/>
+          <p:cNvPr id="3" name="Picture 2" descr="diff_grafica_Imidazole ribonucleosides and ribonucleotides _CHEMONTID_0001997__88.png"/>
           <p:cNvPicPr>
             <a:picLocks noChangeAspect="1"/>
           </p:cNvPicPr>
@@ -22606,19 +23604,19 @@
           <a:p>
             <a:br/>
             <a:r>
-              <a:t>    pH1: 3.0  |  pH2: 3.0  |  Columna: Merck Supelco Ascentis Express C18</a:t>
-            </a:r>
-            <a:br/>
-            <a:r>
-              <a:t>    USP Code: column.usp.code_L1  |  Longitud: 100.0 mm</a:t>
-            </a:r>
-            <a:br/>
-            <a:r>
-              <a:t>    Tamaño Partícula: 2.0 µm  |  Temp: 40.0°C</a:t>
-            </a:r>
-            <a:br/>
-            <a:r>
-              <a:t>    Flujo: 0.3 mL/min  |  T0: 0.735 min</a:t>
+              <a:t>    pH1: 3.0  |  pH2: 3.0  |  Columna: Phenomenex Kinetex C18</a:t>
+            </a:r>
+            <a:br/>
+            <a:r>
+              <a:t>    USP Code: column.usp.code_L1  |  Longitud: 150.0 mm</a:t>
+            </a:r>
+            <a:br/>
+            <a:r>
+              <a:t>    Tamaño Partícula: 1.7 µm  |  Temp: 30.0°C</a:t>
+            </a:r>
+            <a:br/>
+            <a:r>
+              <a:t>    Flujo: 0.3 mL/min  |  T0: 1.1025 min</a:t>
             </a:r>
             <a:br/>
             <a:r>
@@ -22664,18 +23662,20 @@
         </p:nvSpPr>
         <p:spPr/>
         <p:txBody>
-          <a:bodyPr/>
-          <a:lstStyle/>
-          <a:p>
-            <a:r>
-              <a:t>Benzimidazole ribonucleosides and ribonucleotides (CHEMONTID:0000663): 0.0, n_datos: 1</a:t>
+          <a:bodyPr>
+            <a:normAutofit fontScale="90000"/>
+          </a:bodyPr>
+          <a:lstStyle/>
+          <a:p>
+            <a:r>
+              <a:t>Imidazole ribonucleosides and ribonucleotides (CHEMONTID:0001997): 0.0, n_datos: 1</a:t>
             </a:r>
           </a:p>
         </p:txBody>
       </p:sp>
       <p:pic>
         <p:nvPicPr>
-          <p:cNvPr id="3" name="Picture 2" descr="diff_grafica_Benzimidazole ribonucleosides and ribonucleotides _CHEMONTID_0000663__94.png"/>
+          <p:cNvPr id="3" name="Picture 2" descr="diff_grafica_Imidazole ribonucleosides and ribonucleotides _CHEMONTID_0001997__92.png"/>
           <p:cNvPicPr>
             <a:picLocks noChangeAspect="1"/>
           </p:cNvPicPr>
@@ -22732,19 +23732,19 @@
           <a:p>
             <a:br/>
             <a:r>
-              <a:t>    pH1: 2.6  |  pH2: 0.0  |  Columna: Waters ACQUITY UPLC BEH C18</a:t>
-            </a:r>
-            <a:br/>
-            <a:r>
-              <a:t>    USP Code: column.usp.code_L1  |  Longitud: 50.0 mm</a:t>
-            </a:r>
-            <a:br/>
-            <a:r>
-              <a:t>    Tamaño Partícula: 1.7 µm  |  Temp: 40.0°C</a:t>
-            </a:r>
-            <a:br/>
-            <a:r>
-              <a:t>    Flujo: 0.6 mL/min  |  T0: 0.18375 min</a:t>
+              <a:t>    pH1: 0.0  |  pH2: 9.0  |  Columna: Merck SeQuant ZIC-pHILIC</a:t>
+            </a:r>
+            <a:br/>
+            <a:r>
+              <a:t>    USP Code: column.usp.code_L122  |  Longitud: 150.0 mm</a:t>
+            </a:r>
+            <a:br/>
+            <a:r>
+              <a:t>    Tamaño Partícula: 5.0 µm  |  Temp: 40.0°C</a:t>
+            </a:r>
+            <a:br/>
+            <a:r>
+              <a:t>    Flujo: 0.3 mL/min  |  T0: 1.1025 min</a:t>
             </a:r>
             <a:br/>
             <a:r>
@@ -22790,18 +23790,20 @@
         </p:nvSpPr>
         <p:spPr/>
         <p:txBody>
-          <a:bodyPr/>
-          <a:lstStyle/>
-          <a:p>
-            <a:r>
-              <a:t>Pyrimidine nucleotides (CHEMONTID:0001509): 0.9530059606047449, n_datos: 1</a:t>
+          <a:bodyPr>
+            <a:normAutofit fontScale="90000"/>
+          </a:bodyPr>
+          <a:lstStyle/>
+          <a:p>
+            <a:r>
+              <a:t>Imidazole ribonucleosides and ribonucleotides (CHEMONTID:0001997): 0.0, n_datos: 1</a:t>
             </a:r>
           </a:p>
         </p:txBody>
       </p:sp>
       <p:pic>
         <p:nvPicPr>
-          <p:cNvPr id="3" name="Picture 2" descr="diff_grafica_Pyrimidine nucleotides _CHEMONTID_0001509__95.png"/>
+          <p:cNvPr id="3" name="Picture 2" descr="diff_grafica_Imidazole ribonucleosides and ribonucleotides _CHEMONTID_0001997__93.png"/>
           <p:cNvPicPr>
             <a:picLocks noChangeAspect="1"/>
           </p:cNvPicPr>
@@ -22858,19 +23860,19 @@
           <a:p>
             <a:br/>
             <a:r>
-              <a:t>    pH1: 3.0  |  pH2: 3.0  |  Columna: Thermo Scientific Hypersil GOLD</a:t>
-            </a:r>
-            <a:br/>
-            <a:r>
-              <a:t>    USP Code: column.usp.code_L1  |  Longitud: 113.75 mm</a:t>
-            </a:r>
-            <a:br/>
-            <a:r>
-              <a:t>    Tamaño Partícula: 1.9 µm  |  Temp: 40.0°C</a:t>
-            </a:r>
-            <a:br/>
-            <a:r>
-              <a:t>    Flujo: 0.4 mL/min  |  T0: 0.6500755324656243 min</a:t>
+              <a:t>    pH1: 3.0  |  pH2: 3.0  |  Columna: Merck Supelco Ascentis Express C18</a:t>
+            </a:r>
+            <a:br/>
+            <a:r>
+              <a:t>    USP Code: column.usp.code_L1  |  Longitud: 100.0 mm</a:t>
+            </a:r>
+            <a:br/>
+            <a:r>
+              <a:t>    Tamaño Partícula: 2.0 µm  |  Temp: 40.0°C</a:t>
+            </a:r>
+            <a:br/>
+            <a:r>
+              <a:t>    Flujo: 0.3 mL/min  |  T0: 0.735 min</a:t>
             </a:r>
             <a:br/>
             <a:r>
@@ -22916,18 +23918,20 @@
         </p:nvSpPr>
         <p:spPr/>
         <p:txBody>
-          <a:bodyPr/>
-          <a:lstStyle/>
-          <a:p>
-            <a:r>
-              <a:t>Pyrimidine nucleotides (CHEMONTID:0001509): 0.9352743561030236, n_datos: 2</a:t>
+          <a:bodyPr>
+            <a:normAutofit fontScale="90000"/>
+          </a:bodyPr>
+          <a:lstStyle/>
+          <a:p>
+            <a:r>
+              <a:t>Benzimidazole ribonucleosides and ribonucleotides (CHEMONTID:0000663): 0.0, n_datos: 1</a:t>
             </a:r>
           </a:p>
         </p:txBody>
       </p:sp>
       <p:pic>
         <p:nvPicPr>
-          <p:cNvPr id="3" name="Picture 2" descr="diff_grafica_Pyrimidine nucleotides _CHEMONTID_0001509__96.png"/>
+          <p:cNvPr id="3" name="Picture 2" descr="diff_grafica_Benzimidazole ribonucleosides and ribonucleotides _CHEMONTID_0000663__94.png"/>
           <p:cNvPicPr>
             <a:picLocks noChangeAspect="1"/>
           </p:cNvPicPr>
@@ -22984,19 +23988,19 @@
           <a:p>
             <a:br/>
             <a:r>
-              <a:t>    pH1: 3.0  |  pH2: 3.0  |  Columna: Thermo Scientific Accucore C18</a:t>
-            </a:r>
-            <a:br/>
-            <a:r>
-              <a:t>    USP Code: column.usp.code_L1  |  Longitud: 100.0 mm</a:t>
-            </a:r>
-            <a:br/>
-            <a:r>
-              <a:t>    Tamaño Partícula: 2.6 µm  |  Temp: 36.36363636363637°C</a:t>
-            </a:r>
-            <a:br/>
-            <a:r>
-              <a:t>    Flujo: 0.2 mL/min  |  T0: 1.1025 min</a:t>
+              <a:t>    pH1: 2.6  |  pH2: 0.0  |  Columna: Waters ACQUITY UPLC BEH C18</a:t>
+            </a:r>
+            <a:br/>
+            <a:r>
+              <a:t>    USP Code: column.usp.code_L1  |  Longitud: 50.0 mm</a:t>
+            </a:r>
+            <a:br/>
+            <a:r>
+              <a:t>    Tamaño Partícula: 1.7 µm  |  Temp: 40.0°C</a:t>
+            </a:r>
+            <a:br/>
+            <a:r>
+              <a:t>    Flujo: 0.6 mL/min  |  T0: 0.18375 min</a:t>
             </a:r>
             <a:br/>
             <a:r>
@@ -23042,18 +24046,20 @@
         </p:nvSpPr>
         <p:spPr/>
         <p:txBody>
-          <a:bodyPr/>
-          <a:lstStyle/>
-          <a:p>
-            <a:r>
-              <a:t>Pyrimidine nucleotides (CHEMONTID:0001509): 0.8904751918138327, n_datos: 2</a:t>
+          <a:bodyPr>
+            <a:normAutofit fontScale="90000"/>
+          </a:bodyPr>
+          <a:lstStyle/>
+          <a:p>
+            <a:r>
+              <a:t>Pyrimidine nucleotides (CHEMONTID:0001509): 0.9530059606047449, n_datos: 1</a:t>
             </a:r>
           </a:p>
         </p:txBody>
       </p:sp>
       <p:pic>
         <p:nvPicPr>
-          <p:cNvPr id="3" name="Picture 2" descr="diff_grafica_Pyrimidine nucleotides _CHEMONTID_0001509__96.png"/>
+          <p:cNvPr id="3" name="Picture 2" descr="diff_grafica_Pyrimidine nucleotides _CHEMONTID_0001509__95.png"/>
           <p:cNvPicPr>
             <a:picLocks noChangeAspect="1"/>
           </p:cNvPicPr>
@@ -23110,19 +24116,19 @@
           <a:p>
             <a:br/>
             <a:r>
-              <a:t>    pH1: 3.0  |  pH2: 3.0  |  Columna: Waters CORTECS T3</a:t>
-            </a:r>
-            <a:br/>
-            <a:r>
-              <a:t>    USP Code: column.usp.code_L1  |  Longitud: 100.0 mm</a:t>
-            </a:r>
-            <a:br/>
-            <a:r>
-              <a:t>    Tamaño Partícula: 2.7 µm  |  Temp: 40.0°C</a:t>
-            </a:r>
-            <a:br/>
-            <a:r>
-              <a:t>    Flujo: 0.2 mL/min  |  T0: 1.1025 min</a:t>
+              <a:t>    pH1: 3.0  |  pH2: 3.0  |  Columna: Thermo Scientific Hypersil GOLD</a:t>
+            </a:r>
+            <a:br/>
+            <a:r>
+              <a:t>    USP Code: column.usp.code_L1  |  Longitud: 113.75 mm</a:t>
+            </a:r>
+            <a:br/>
+            <a:r>
+              <a:t>    Tamaño Partícula: 1.9 µm  |  Temp: 40.0°C</a:t>
+            </a:r>
+            <a:br/>
+            <a:r>
+              <a:t>    Flujo: 0.4 mL/min  |  T0: 0.6500755324656243 min</a:t>
             </a:r>
             <a:br/>
             <a:r>
@@ -23168,18 +24174,20 @@
         </p:nvSpPr>
         <p:spPr/>
         <p:txBody>
-          <a:bodyPr/>
-          <a:lstStyle/>
-          <a:p>
-            <a:r>
-              <a:t>Pyrimidine nucleotides (CHEMONTID:0001509): 0.849442215827746, n_datos: 2</a:t>
+          <a:bodyPr>
+            <a:normAutofit fontScale="90000"/>
+          </a:bodyPr>
+          <a:lstStyle/>
+          <a:p>
+            <a:r>
+              <a:t>Pyrimidine nucleotides (CHEMONTID:0001509): 0.9352743561030236, n_datos: 2</a:t>
             </a:r>
           </a:p>
         </p:txBody>
       </p:sp>
       <p:pic>
         <p:nvPicPr>
-          <p:cNvPr id="3" name="Picture 2" descr="diff_grafica_Pyrimidine nucleotides _CHEMONTID_0001509__98.png"/>
+          <p:cNvPr id="3" name="Picture 2" descr="diff_grafica_Pyrimidine nucleotides _CHEMONTID_0001509__96.png"/>
           <p:cNvPicPr>
             <a:picLocks noChangeAspect="1"/>
           </p:cNvPicPr>
@@ -23236,7 +24244,7 @@
           <a:p>
             <a:br/>
             <a:r>
-              <a:t>    pH1: 3.0  |  pH2: 3.0  |  Columna: Waters CORTECS T3</a:t>
+              <a:t>    pH1: 3.0  |  pH2: 3.0  |  Columna: Thermo Scientific Accucore C18</a:t>
             </a:r>
             <a:br/>
             <a:r>
@@ -23244,11 +24252,11 @@
             </a:r>
             <a:br/>
             <a:r>
-              <a:t>    Tamaño Partícula: 2.7 µm  |  Temp: 40.0°C</a:t>
-            </a:r>
-            <a:br/>
-            <a:r>
-              <a:t>    Flujo: 0.25 mL/min  |  T0: 0.882 min</a:t>
+              <a:t>    Tamaño Partícula: 2.6 µm  |  Temp: 36.36363636363637°C</a:t>
+            </a:r>
+            <a:br/>
+            <a:r>
+              <a:t>    Flujo: 0.2 mL/min  |  T0: 1.1025 min</a:t>
             </a:r>
             <a:br/>
             <a:r>
